--- a/Week1/Week1-OpenGL_Basics.pptx
+++ b/Week1/Week1-OpenGL_Basics.pptx
@@ -5,10 +5,10 @@
     <p:sldMasterId id="2147483648" r:id="rId1"/>
   </p:sldMasterIdLst>
   <p:notesMasterIdLst>
-    <p:notesMasterId r:id="rId31"/>
+    <p:notesMasterId r:id="rId35"/>
   </p:notesMasterIdLst>
   <p:handoutMasterIdLst>
-    <p:handoutMasterId r:id="rId32"/>
+    <p:handoutMasterId r:id="rId36"/>
   </p:handoutMasterIdLst>
   <p:sldIdLst>
     <p:sldId id="285" r:id="rId2"/>
@@ -27,19 +27,23 @@
     <p:sldId id="281" r:id="rId15"/>
     <p:sldId id="282" r:id="rId16"/>
     <p:sldId id="283" r:id="rId17"/>
-    <p:sldId id="284" r:id="rId18"/>
-    <p:sldId id="269" r:id="rId19"/>
+    <p:sldId id="266" r:id="rId18"/>
+    <p:sldId id="289" r:id="rId19"/>
     <p:sldId id="270" r:id="rId20"/>
-    <p:sldId id="271" r:id="rId21"/>
-    <p:sldId id="272" r:id="rId22"/>
-    <p:sldId id="266" r:id="rId23"/>
-    <p:sldId id="267" r:id="rId24"/>
-    <p:sldId id="268" r:id="rId25"/>
-    <p:sldId id="259" r:id="rId26"/>
-    <p:sldId id="261" r:id="rId27"/>
-    <p:sldId id="262" r:id="rId28"/>
-    <p:sldId id="263" r:id="rId29"/>
-    <p:sldId id="264" r:id="rId30"/>
+    <p:sldId id="286" r:id="rId21"/>
+    <p:sldId id="287" r:id="rId22"/>
+    <p:sldId id="290" r:id="rId23"/>
+    <p:sldId id="293" r:id="rId24"/>
+    <p:sldId id="291" r:id="rId25"/>
+    <p:sldId id="288" r:id="rId26"/>
+    <p:sldId id="292" r:id="rId27"/>
+    <p:sldId id="272" r:id="rId28"/>
+    <p:sldId id="259" r:id="rId29"/>
+    <p:sldId id="261" r:id="rId30"/>
+    <p:sldId id="262" r:id="rId31"/>
+    <p:sldId id="263" r:id="rId32"/>
+    <p:sldId id="264" r:id="rId33"/>
+    <p:sldId id="284" r:id="rId34"/>
   </p:sldIdLst>
   <p:sldSz cx="9144000" cy="6858000" type="screen4x3"/>
   <p:notesSz cx="6858000" cy="9144000"/>
@@ -230,7 +234,7 @@
             <a:fld id="{B80F2AA2-5999-694E-BECA-C04EC3787B8C}" type="datetimeFigureOut">
               <a:rPr lang="en-US" smtClean="0"/>
               <a:pPr/>
-              <a:t>3/29/09</a:t>
+              <a:t>3/30/09</a:t>
             </a:fld>
             <a:endParaRPr lang="en-US"/>
           </a:p>
@@ -393,7 +397,7 @@
             <a:fld id="{D183CD9A-5347-214B-B462-C810CCF1BB3F}" type="datetimeFigureOut">
               <a:rPr lang="en-US" smtClean="0"/>
               <a:pPr/>
-              <a:t>3/29/09</a:t>
+              <a:t>3/30/09</a:t>
             </a:fld>
             <a:endParaRPr lang="en-US"/>
           </a:p>
@@ -3928,11 +3932,15 @@
           <a:p>
             <a:r>
               <a:rPr lang="en-US" dirty="0" smtClean="0"/>
-              <a:t>OpenGL basics </a:t>
-            </a:r>
-            <a:r>
-              <a:rPr lang="en-US" smtClean="0"/>
-              <a:t>- Math</a:t>
+              <a:t>OpenGL basics</a:t>
+            </a:r>
+            <a:r>
+              <a:rPr lang="en-US" dirty="0" smtClean="0"/>
+              <a:t> –</a:t>
+            </a:r>
+            <a:r>
+              <a:rPr lang="en-US" dirty="0" smtClean="0"/>
+              <a:t> Coordinate Systems &amp; Transformations</a:t>
             </a:r>
             <a:endParaRPr lang="en-US" dirty="0"/>
           </a:p>
@@ -4443,11 +4451,7 @@
             </a:r>
             <a:r>
               <a:rPr lang="en-US" dirty="0" smtClean="0"/>
-              <a:t> </a:t>
-            </a:r>
-            <a:r>
-              <a:rPr lang="en-US" dirty="0" smtClean="0"/>
-              <a:t>= (1 0 0 ; 0 1 0 ; 0 0 1) and </a:t>
+              <a:t> = (1 0 0 ; 0 1 0 ; 0 0 1) and </a:t>
             </a:r>
             <a:r>
               <a:rPr lang="en-US" b="1" dirty="0" smtClean="0"/>
@@ -4455,15 +4459,7 @@
             </a:r>
             <a:r>
               <a:rPr lang="en-US" dirty="0" smtClean="0"/>
-              <a:t> = (.707 -.707 0 ; .707 .707 </a:t>
-            </a:r>
-            <a:r>
-              <a:rPr lang="en-US" dirty="0" smtClean="0"/>
-              <a:t>0 ; </a:t>
-            </a:r>
-            <a:r>
-              <a:rPr lang="en-US" dirty="0" smtClean="0"/>
-              <a:t>0 0 1)</a:t>
+              <a:t> = (.707 -.707 0 ; .707 .707 0 ; 0 0 1)</a:t>
             </a:r>
           </a:p>
           <a:p>
@@ -4521,11 +4517,7 @@
             </a:pPr>
             <a:r>
               <a:rPr lang="en-US" dirty="0" smtClean="0"/>
-              <a:t>And </a:t>
-            </a:r>
-            <a:r>
-              <a:rPr lang="en-US" dirty="0" smtClean="0"/>
-              <a:t>(</a:t>
+              <a:t>And (</a:t>
             </a:r>
             <a:r>
               <a:rPr lang="en-US" b="1" dirty="0" smtClean="0"/>
@@ -4638,39 +4630,7 @@
             </a:pPr>
             <a:r>
               <a:rPr lang="en-US" dirty="0" smtClean="0"/>
-              <a:t>We also need to refer to points in homogeneous coordinates. In</a:t>
-            </a:r>
-            <a:r>
-              <a:rPr lang="en-US" dirty="0" smtClean="0"/>
-              <a:t> </a:t>
-            </a:r>
-            <a:r>
-              <a:rPr lang="en-US" dirty="0" smtClean="0"/>
-              <a:t>vector</a:t>
-            </a:r>
-            <a:r>
-              <a:rPr lang="en-US" dirty="0" smtClean="0"/>
-              <a:t> </a:t>
-            </a:r>
-            <a:r>
-              <a:rPr lang="en-US" dirty="0" smtClean="0"/>
-              <a:t>algebra you don’t</a:t>
-            </a:r>
-            <a:r>
-              <a:rPr lang="en-US" dirty="0" smtClean="0"/>
-              <a:t> </a:t>
-            </a:r>
-            <a:r>
-              <a:rPr lang="en-US" dirty="0" smtClean="0"/>
-              <a:t>usually</a:t>
-            </a:r>
-            <a:r>
-              <a:rPr lang="en-US" dirty="0" smtClean="0"/>
-              <a:t> </a:t>
-            </a:r>
-            <a:r>
-              <a:rPr lang="en-US" dirty="0" smtClean="0"/>
-              <a:t>refer to points per se, you refer to vectors, and vectors only have an orientation and a magnitude– they don’t have a location. The 4</a:t>
+              <a:t>We also need to refer to points in homogeneous coordinates. In vector algebra you don’t usually refer to points per se, you refer to vectors, and vectors only have an orientation and a magnitude– they don’t have a location. The 4</a:t>
             </a:r>
             <a:r>
               <a:rPr lang="en-US" baseline="30000" dirty="0" smtClean="0"/>
@@ -4678,27 +4638,15 @@
             </a:r>
             <a:r>
               <a:rPr lang="en-US" dirty="0" smtClean="0"/>
-              <a:t> component of an homogeneous vector indicates whether or not we are thinking of it as a point or not. In general, we use the</a:t>
-            </a:r>
-            <a:r>
-              <a:rPr lang="en-US" dirty="0" smtClean="0"/>
-              <a:t> </a:t>
+              <a:t> component of an homogeneous vector indicates whether or not we are thinking of it as a point or not. In general, we use the </a:t>
             </a:r>
             <a:r>
               <a:rPr lang="en-US" dirty="0" err="1" smtClean="0"/>
-              <a:t>M</a:t>
-            </a:r>
-            <a:r>
-              <a:rPr lang="en-US" dirty="0" err="1" smtClean="0"/>
-              <a:t>odelView</a:t>
-            </a:r>
-            <a:r>
-              <a:rPr lang="en-US" dirty="0" smtClean="0"/>
-              <a:t> </a:t>
-            </a:r>
-            <a:r>
-              <a:rPr lang="en-US" dirty="0" smtClean="0"/>
-              <a:t>to transform points in space, and so in most cases the 4</a:t>
+              <a:t>ModelView</a:t>
+            </a:r>
+            <a:r>
+              <a:rPr lang="en-US" dirty="0" smtClean="0"/>
+              <a:t> to transform points in space, and so in most cases the 4</a:t>
             </a:r>
             <a:r>
               <a:rPr lang="en-US" baseline="30000" dirty="0" smtClean="0"/>
@@ -4706,13 +4654,8 @@
             </a:r>
             <a:r>
               <a:rPr lang="en-US" dirty="0" smtClean="0"/>
-              <a:t> component is </a:t>
-            </a:r>
-            <a:r>
-              <a:rPr lang="en-US" dirty="0" smtClean="0"/>
-              <a:t>1 to indicate that it is a point.</a:t>
-            </a:r>
-            <a:endParaRPr lang="en-US" dirty="0" smtClean="0"/>
+              <a:t> component is 1 to indicate that it is a point.</a:t>
+            </a:r>
           </a:p>
           <a:p>
             <a:pPr>
@@ -4794,11 +4737,7 @@
           <a:p>
             <a:r>
               <a:rPr lang="en-US" dirty="0" smtClean="0"/>
-              <a:t>Homogeneous</a:t>
-            </a:r>
-            <a:r>
-              <a:rPr lang="en-US" dirty="0" smtClean="0"/>
-              <a:t> coordinates</a:t>
+              <a:t>Homogeneous coordinates</a:t>
             </a:r>
             <a:endParaRPr lang="en-US" dirty="0"/>
           </a:p>
@@ -4824,11 +4763,7 @@
             </a:pPr>
             <a:r>
               <a:rPr lang="en-US" dirty="0" smtClean="0"/>
-              <a:t>A 3D point in homogeneous coordinates looks like this has</a:t>
-            </a:r>
-            <a:r>
-              <a:rPr lang="en-US" dirty="0" smtClean="0"/>
-              <a:t> the four elements </a:t>
+              <a:t>A 3D point in homogeneous coordinates looks like this has the four elements </a:t>
             </a:r>
             <a:r>
               <a:rPr lang="en-US" dirty="0" err="1" smtClean="0"/>
@@ -5185,43 +5120,15 @@
             </a:pPr>
             <a:r>
               <a:rPr lang="en-US" dirty="0" smtClean="0"/>
-              <a:t>The</a:t>
-            </a:r>
-            <a:r>
-              <a:rPr lang="en-US" dirty="0" smtClean="0"/>
-              <a:t> </a:t>
+              <a:t>The </a:t>
             </a:r>
             <a:r>
               <a:rPr lang="en-US" dirty="0" err="1" smtClean="0"/>
-              <a:t>M</a:t>
-            </a:r>
-            <a:r>
-              <a:rPr lang="en-US" dirty="0" err="1" smtClean="0"/>
-              <a:t>odelView</a:t>
-            </a:r>
-            <a:r>
-              <a:rPr lang="en-US" dirty="0" smtClean="0"/>
-              <a:t> </a:t>
-            </a:r>
-            <a:r>
-              <a:rPr lang="en-US" dirty="0" smtClean="0"/>
-              <a:t>matrix is created by multiplying the</a:t>
-            </a:r>
-            <a:r>
-              <a:rPr lang="en-US" dirty="0" smtClean="0"/>
-              <a:t> Model </a:t>
-            </a:r>
-            <a:r>
-              <a:rPr lang="en-US" dirty="0" smtClean="0"/>
-              <a:t>matrix (which encodes the location and orientation of the world coordinates) with the</a:t>
-            </a:r>
-            <a:r>
-              <a:rPr lang="en-US" dirty="0" smtClean="0"/>
-              <a:t> View </a:t>
-            </a:r>
-            <a:r>
-              <a:rPr lang="en-US" dirty="0" smtClean="0"/>
-              <a:t>matrix (which encodes the location and orientation of the camera) . </a:t>
+              <a:t>ModelView</a:t>
+            </a:r>
+            <a:r>
+              <a:rPr lang="en-US" dirty="0" smtClean="0"/>
+              <a:t> matrix is created by multiplying the Model matrix (which encodes the location and orientation of the world coordinates) with the View matrix (which encodes the location and orientation of the camera) . </a:t>
             </a:r>
           </a:p>
           <a:p>
@@ -5289,27 +5196,15 @@
             </a:pPr>
             <a:r>
               <a:rPr lang="en-US" dirty="0" smtClean="0"/>
-              <a:t>Question: what does the</a:t>
-            </a:r>
-            <a:r>
-              <a:rPr lang="en-US" dirty="0" smtClean="0"/>
-              <a:t> </a:t>
+              <a:t>Question: what does the </a:t>
             </a:r>
             <a:r>
               <a:rPr lang="en-US" dirty="0" err="1" smtClean="0"/>
-              <a:t>M</a:t>
-            </a:r>
-            <a:r>
-              <a:rPr lang="en-US" dirty="0" err="1" smtClean="0"/>
-              <a:t>odelView</a:t>
-            </a:r>
-            <a:r>
-              <a:rPr lang="en-US" dirty="0" smtClean="0"/>
-              <a:t> </a:t>
-            </a:r>
-            <a:r>
-              <a:rPr lang="en-US" dirty="0" smtClean="0"/>
-              <a:t>matrix look like?</a:t>
+              <a:t>ModelView</a:t>
+            </a:r>
+            <a:r>
+              <a:rPr lang="en-US" dirty="0" smtClean="0"/>
+              <a:t> matrix look like?</a:t>
             </a:r>
           </a:p>
           <a:p>
@@ -5604,59 +5499,15 @@
             </a:pPr>
             <a:r>
               <a:rPr lang="en-US" dirty="0" smtClean="0"/>
-              <a:t>The point (5, 5, 2) can be found by</a:t>
-            </a:r>
-            <a:r>
-              <a:rPr lang="en-US" dirty="0" smtClean="0"/>
-              <a:t> </a:t>
-            </a:r>
-            <a:r>
-              <a:rPr lang="en-US" dirty="0" smtClean="0"/>
-              <a:t>representing</a:t>
-            </a:r>
-            <a:r>
-              <a:rPr lang="en-US" dirty="0" smtClean="0"/>
-              <a:t> </a:t>
-            </a:r>
-            <a:r>
-              <a:rPr lang="en-US" dirty="0" smtClean="0"/>
-              <a:t>it </a:t>
-            </a:r>
-            <a:r>
-              <a:rPr lang="en-US" dirty="0" smtClean="0"/>
-              <a:t>in </a:t>
-            </a:r>
-            <a:r>
-              <a:rPr lang="en-US" dirty="0" smtClean="0"/>
-              <a:t>homogeneous</a:t>
-            </a:r>
-            <a:r>
-              <a:rPr lang="en-US" dirty="0" smtClean="0"/>
-              <a:t> coordinates and </a:t>
-            </a:r>
-            <a:r>
-              <a:rPr lang="en-US" dirty="0" smtClean="0"/>
-              <a:t>then multiplying it by the</a:t>
-            </a:r>
-            <a:r>
-              <a:rPr lang="en-US" dirty="0" smtClean="0"/>
-              <a:t> </a:t>
+              <a:t>The point (5, 5, 2) can be found by representing it in homogeneous coordinates and then multiplying it by the </a:t>
             </a:r>
             <a:r>
               <a:rPr lang="en-US" dirty="0" err="1" smtClean="0"/>
-              <a:t>M</a:t>
-            </a:r>
-            <a:r>
-              <a:rPr lang="en-US" dirty="0" err="1" smtClean="0"/>
-              <a:t>odelView</a:t>
-            </a:r>
-            <a:r>
-              <a:rPr lang="en-US" dirty="0" smtClean="0"/>
-              <a:t> </a:t>
-            </a:r>
-            <a:r>
-              <a:rPr lang="en-US" dirty="0" smtClean="0"/>
-              <a:t>matrix. </a:t>
+              <a:t>ModelView</a:t>
+            </a:r>
+            <a:r>
+              <a:rPr lang="en-US" dirty="0" smtClean="0"/>
+              <a:t> matrix. </a:t>
             </a:r>
           </a:p>
           <a:p>
@@ -5728,7 +5579,11 @@
           <a:bodyPr/>
           <a:lstStyle/>
           <a:p>
-            <a:endParaRPr lang="en-US"/>
+            <a:r>
+              <a:rPr lang="en-US" dirty="0" smtClean="0"/>
+              <a:t>The view frustum</a:t>
+            </a:r>
+            <a:endParaRPr lang="en-US" dirty="0"/>
           </a:p>
         </p:txBody>
       </p:sp>
@@ -5752,28 +5607,57 @@
             </a:pPr>
             <a:r>
               <a:rPr lang="en-US" dirty="0" smtClean="0"/>
-              <a:t>Inverse of a matrix – getting the model or view </a:t>
-            </a:r>
-            <a:r>
-              <a:rPr lang="en-US" dirty="0" err="1" smtClean="0"/>
-              <a:t>coords</a:t>
-            </a:r>
-            <a:r>
-              <a:rPr lang="en-US" dirty="0" smtClean="0"/>
-              <a:t> from the </a:t>
-            </a:r>
-            <a:r>
-              <a:rPr lang="en-US" dirty="0" err="1" smtClean="0"/>
-              <a:t>modelview</a:t>
-            </a:r>
-            <a:r>
-              <a:rPr lang="en-US" dirty="0" smtClean="0"/>
-              <a:t> matrix...</a:t>
-            </a:r>
-            <a:endParaRPr lang="en-US" dirty="0"/>
-          </a:p>
-        </p:txBody>
-      </p:sp>
+              <a:t>The Projection Matrix defines how much of the world is seen by the </a:t>
+            </a:r>
+            <a:r>
+              <a:rPr lang="en-US" dirty="0" smtClean="0"/>
+              <a:t>camera</a:t>
+            </a:r>
+            <a:r>
+              <a:rPr lang="en-US" dirty="0" smtClean="0"/>
+              <a:t>. It encodes the </a:t>
+            </a:r>
+            <a:r>
+              <a:rPr lang="en-US" i="1" dirty="0" smtClean="0"/>
+              <a:t>frustum</a:t>
+            </a:r>
+            <a:r>
+              <a:rPr lang="en-US" dirty="0" smtClean="0"/>
+              <a:t>, the subspace that will be projected onto the screen.</a:t>
+            </a:r>
+          </a:p>
+          <a:p>
+            <a:pPr>
+              <a:buNone/>
+            </a:pPr>
+            <a:endParaRPr lang="en-US" dirty="0" smtClean="0"/>
+          </a:p>
+        </p:txBody>
+      </p:sp>
+      <p:pic>
+        <p:nvPicPr>
+          <p:cNvPr id="4" name="Picture 3"/>
+          <p:cNvPicPr>
+            <a:picLocks noChangeAspect="1"/>
+          </p:cNvPicPr>
+          <p:nvPr/>
+        </p:nvPicPr>
+        <p:blipFill>
+          <a:blip r:embed="rId2"/>
+          <a:stretch>
+            <a:fillRect/>
+          </a:stretch>
+        </p:blipFill>
+        <p:spPr>
+          <a:xfrm>
+            <a:off x="1317734" y="2057400"/>
+            <a:ext cx="5997466" cy="4191000"/>
+          </a:xfrm>
+          <a:prstGeom prst="rect">
+            <a:avLst/>
+          </a:prstGeom>
+        </p:spPr>
+      </p:pic>
     </p:spTree>
   </p:cSld>
   <p:clrMapOvr>
@@ -5816,7 +5700,11 @@
           <a:p>
             <a:r>
               <a:rPr lang="en-US" dirty="0" smtClean="0"/>
-              <a:t>Clip Coordinates</a:t>
+              <a:t>Projection</a:t>
+            </a:r>
+            <a:r>
+              <a:rPr lang="en-US" dirty="0" smtClean="0"/>
+              <a:t> matrix</a:t>
             </a:r>
             <a:endParaRPr lang="en-US" dirty="0"/>
           </a:p>
@@ -5834,7 +5722,9 @@
         </p:nvSpPr>
         <p:spPr/>
         <p:txBody>
-          <a:bodyPr/>
+          <a:bodyPr>
+            <a:normAutofit lnSpcReduction="10000"/>
+          </a:bodyPr>
           <a:lstStyle/>
           <a:p>
             <a:pPr>
@@ -5842,36 +5732,184 @@
             </a:pPr>
             <a:r>
               <a:rPr lang="en-US" dirty="0" smtClean="0"/>
-              <a:t>The view frustum is defined from the point of view of the camera. </a:t>
+              <a:t>This frustum can be created manually by setting the </a:t>
+            </a:r>
+            <a:r>
+              <a:rPr lang="en-US" dirty="0" smtClean="0"/>
+              <a:t>left, right, top, bottom, near, and </a:t>
+            </a:r>
+            <a:r>
+              <a:rPr lang="en-US" dirty="0" smtClean="0"/>
+              <a:t>far bounds which clip the space along each axis.</a:t>
+            </a:r>
+          </a:p>
+          <a:p>
+            <a:pPr>
+              <a:buNone/>
+            </a:pPr>
+            <a:endParaRPr lang="en-US" dirty="0" smtClean="0"/>
+          </a:p>
+          <a:p>
+            <a:pPr>
+              <a:buNone/>
+            </a:pPr>
+            <a:r>
+              <a:rPr lang="en-US" dirty="0" smtClean="0"/>
+              <a:t>Or it can be created by defining a set of parameters similar to a lens (from which the clipping bounds are then derived).</a:t>
+            </a:r>
+          </a:p>
+          <a:p>
+            <a:pPr>
+              <a:buNone/>
+            </a:pPr>
+            <a:endParaRPr lang="en-US" dirty="0" smtClean="0"/>
+          </a:p>
+          <a:p>
+            <a:pPr>
+              <a:buNone/>
+            </a:pPr>
+            <a:r>
+              <a:rPr lang="en-US" dirty="0" smtClean="0"/>
+              <a:t>The near plane and the far </a:t>
+            </a:r>
+            <a:r>
+              <a:rPr lang="en-US" dirty="0" smtClean="0"/>
+              <a:t>plane define </a:t>
+            </a:r>
+            <a:r>
+              <a:rPr lang="en-US" dirty="0" smtClean="0"/>
+              <a:t>t</a:t>
+            </a:r>
+            <a:r>
+              <a:rPr lang="en-US" dirty="0" smtClean="0"/>
+              <a:t>he </a:t>
+            </a:r>
+            <a:r>
+              <a:rPr lang="en-US" dirty="0" smtClean="0"/>
+              <a:t>range of depth in the world that the camera can see. </a:t>
+            </a:r>
+          </a:p>
+          <a:p>
+            <a:pPr>
+              <a:buNone/>
+            </a:pPr>
+            <a:endParaRPr lang="en-US" dirty="0" smtClean="0"/>
+          </a:p>
+          <a:p>
+            <a:pPr>
+              <a:buNone/>
+            </a:pPr>
+            <a:r>
+              <a:rPr lang="en-US" dirty="0" smtClean="0"/>
+              <a:t>The</a:t>
+            </a:r>
+            <a:r>
+              <a:rPr lang="en-US" dirty="0" smtClean="0"/>
+              <a:t> vertical field </a:t>
+            </a:r>
+            <a:r>
+              <a:rPr lang="en-US" dirty="0" smtClean="0"/>
+              <a:t>of view </a:t>
+            </a:r>
+            <a:r>
+              <a:rPr lang="en-US" dirty="0" smtClean="0"/>
+              <a:t>angle, or </a:t>
+            </a:r>
+            <a:r>
+              <a:rPr lang="en-US" dirty="0" err="1" smtClean="0"/>
+              <a:t>fovy</a:t>
+            </a:r>
+            <a:r>
+              <a:rPr lang="en-US" dirty="0" smtClean="0"/>
+              <a:t>, </a:t>
+            </a:r>
+            <a:r>
+              <a:rPr lang="en-US" dirty="0" smtClean="0"/>
+              <a:t>that the camera sees</a:t>
+            </a:r>
+            <a:r>
+              <a:rPr lang="en-US" dirty="0" smtClean="0"/>
+              <a:t> </a:t>
+            </a:r>
+            <a:r>
+              <a:rPr lang="en-US" dirty="0" smtClean="0"/>
+              <a:t>along the y</a:t>
+            </a:r>
+            <a:r>
+              <a:rPr lang="en-US" dirty="0" smtClean="0"/>
+              <a:t>-</a:t>
+            </a:r>
+            <a:r>
+              <a:rPr lang="en-US" dirty="0" smtClean="0"/>
+              <a:t>axis defines the top and bottom bounds</a:t>
+            </a:r>
+            <a:r>
+              <a:rPr lang="en-US" dirty="0" smtClean="0"/>
+              <a:t>.</a:t>
+            </a:r>
+            <a:endParaRPr lang="en-US" dirty="0" smtClean="0"/>
+          </a:p>
+          <a:p>
+            <a:pPr>
+              <a:buNone/>
+            </a:pPr>
+            <a:endParaRPr lang="en-US" dirty="0" smtClean="0"/>
+          </a:p>
+          <a:p>
+            <a:pPr>
+              <a:buNone/>
+            </a:pPr>
+            <a:r>
+              <a:rPr lang="en-US" dirty="0" smtClean="0"/>
+              <a:t>The aspect ratio of the screen which the world will be projected </a:t>
+            </a:r>
+            <a:r>
+              <a:rPr lang="en-US" dirty="0" smtClean="0"/>
+              <a:t>on (along with the </a:t>
+            </a:r>
+            <a:r>
+              <a:rPr lang="en-US" dirty="0" err="1" smtClean="0"/>
+              <a:t>fovy</a:t>
+            </a:r>
+            <a:r>
+              <a:rPr lang="en-US" dirty="0" smtClean="0"/>
+              <a:t>) defines the left </a:t>
+            </a:r>
+            <a:r>
+              <a:rPr lang="en-US" dirty="0" smtClean="0"/>
+              <a:t>and right bounds</a:t>
+            </a:r>
+            <a:r>
+              <a:rPr lang="en-US" dirty="0" smtClean="0"/>
+              <a:t>. </a:t>
+            </a:r>
+          </a:p>
+          <a:p>
+            <a:pPr>
+              <a:buNone/>
+            </a:pPr>
+            <a:endParaRPr lang="en-US" dirty="0" smtClean="0"/>
+          </a:p>
+          <a:p>
+            <a:pPr>
+              <a:buNone/>
+            </a:pPr>
+            <a:r>
+              <a:rPr lang="en-US" dirty="0" smtClean="0"/>
+              <a:t>Setting these parameters correctly will ensure a </a:t>
+            </a:r>
+            <a:r>
+              <a:rPr lang="en-US" i="1" dirty="0" smtClean="0"/>
+              <a:t>perspective</a:t>
+            </a:r>
+            <a:r>
+              <a:rPr lang="en-US" dirty="0" smtClean="0"/>
+              <a:t> projection onto the screen. </a:t>
             </a:r>
             <a:endParaRPr lang="en-US" dirty="0"/>
           </a:p>
         </p:txBody>
       </p:sp>
-      <p:pic>
-        <p:nvPicPr>
-          <p:cNvPr id="4" name="Picture 3"/>
-          <p:cNvPicPr>
-            <a:picLocks noChangeAspect="1"/>
-          </p:cNvPicPr>
-          <p:nvPr/>
-        </p:nvPicPr>
-        <p:blipFill>
-          <a:blip r:embed="rId2"/>
-          <a:stretch>
-            <a:fillRect/>
-          </a:stretch>
-        </p:blipFill>
-        <p:spPr>
-          <a:xfrm>
-            <a:off x="990600" y="1447800"/>
-            <a:ext cx="6676261" cy="4876800"/>
-          </a:xfrm>
-          <a:prstGeom prst="rect">
-            <a:avLst/>
-          </a:prstGeom>
-        </p:spPr>
-      </p:pic>
     </p:spTree>
   </p:cSld>
   <p:clrMapOvr>
@@ -5914,7 +5952,7 @@
           <a:p>
             <a:r>
               <a:rPr lang="en-US" dirty="0" smtClean="0"/>
-              <a:t>Clip Coordinates</a:t>
+              <a:t>The view frustum</a:t>
             </a:r>
             <a:endParaRPr lang="en-US" dirty="0"/>
           </a:p>
@@ -5940,7 +5978,11 @@
             </a:pPr>
             <a:r>
               <a:rPr lang="en-US" dirty="0" smtClean="0"/>
-              <a:t>Defining the view frustum using a perspective transformation.</a:t>
+              <a:t>Defining the view frustum using a perspective </a:t>
+            </a:r>
+            <a:r>
+              <a:rPr lang="en-US" dirty="0" smtClean="0"/>
+              <a:t>transformation with lens parameters.</a:t>
             </a:r>
             <a:endParaRPr lang="en-US" dirty="0"/>
           </a:p>
@@ -5962,8 +6004,8 @@
         </p:blipFill>
         <p:spPr>
           <a:xfrm>
-            <a:off x="853590" y="1446570"/>
-            <a:ext cx="6960131" cy="4984750"/>
+            <a:off x="1005990" y="1694456"/>
+            <a:ext cx="6614010" cy="4736863"/>
           </a:xfrm>
           <a:prstGeom prst="rect">
             <a:avLst/>
@@ -6128,6 +6170,1106 @@
           <a:bodyPr/>
           <a:lstStyle/>
           <a:p>
+            <a:r>
+              <a:rPr lang="en-US" dirty="0" smtClean="0"/>
+              <a:t>Projection</a:t>
+            </a:r>
+            <a:r>
+              <a:rPr lang="en-US" dirty="0" smtClean="0"/>
+              <a:t> matrix</a:t>
+            </a:r>
+            <a:endParaRPr lang="en-US" dirty="0"/>
+          </a:p>
+        </p:txBody>
+      </p:sp>
+      <p:sp>
+        <p:nvSpPr>
+          <p:cNvPr id="3" name="Content Placeholder 2"/>
+          <p:cNvSpPr>
+            <a:spLocks noGrp="1"/>
+          </p:cNvSpPr>
+          <p:nvPr>
+            <p:ph idx="1"/>
+          </p:nvPr>
+        </p:nvSpPr>
+        <p:spPr/>
+        <p:txBody>
+          <a:bodyPr>
+            <a:normAutofit/>
+          </a:bodyPr>
+          <a:lstStyle/>
+          <a:p>
+            <a:pPr>
+              <a:buNone/>
+            </a:pPr>
+            <a:r>
+              <a:rPr lang="en-US" dirty="0" smtClean="0"/>
+              <a:t>The near plane and far plane define the distance along the </a:t>
+            </a:r>
+            <a:r>
+              <a:rPr lang="en-US" dirty="0" err="1" smtClean="0"/>
+              <a:t>z</a:t>
+            </a:r>
+            <a:r>
+              <a:rPr lang="en-US" dirty="0" smtClean="0"/>
+              <a:t> axis from the camera origin. The near plane needs to be a distance &gt; 0 and the far plane needs to be &lt; infinity. Common values are .1 and 100, but it depends on how you decide to position things in the world</a:t>
+            </a:r>
+            <a:r>
+              <a:rPr lang="en-US" dirty="0" smtClean="0"/>
+              <a:t>.</a:t>
+            </a:r>
+          </a:p>
+          <a:p>
+            <a:pPr>
+              <a:buNone/>
+            </a:pPr>
+            <a:endParaRPr lang="en-US" dirty="0" smtClean="0"/>
+          </a:p>
+          <a:p>
+            <a:pPr>
+              <a:buNone/>
+            </a:pPr>
+            <a:r>
+              <a:rPr lang="en-US" dirty="0" smtClean="0"/>
+              <a:t>The </a:t>
+            </a:r>
+            <a:r>
+              <a:rPr lang="en-US" dirty="0" err="1" smtClean="0"/>
+              <a:t>fovy</a:t>
+            </a:r>
+            <a:r>
+              <a:rPr lang="en-US" dirty="0" smtClean="0"/>
+              <a:t> </a:t>
+            </a:r>
+            <a:r>
+              <a:rPr lang="en-US" dirty="0" smtClean="0"/>
+              <a:t>defines the</a:t>
+            </a:r>
+            <a:r>
+              <a:rPr lang="en-US" dirty="0" smtClean="0"/>
+              <a:t> viewing angle </a:t>
+            </a:r>
+            <a:r>
+              <a:rPr lang="en-US" dirty="0" smtClean="0"/>
+              <a:t>from the camera. It needs to be </a:t>
+            </a:r>
+            <a:r>
+              <a:rPr lang="en-US" dirty="0" smtClean="0"/>
+              <a:t>&lt;</a:t>
+            </a:r>
+            <a:r>
+              <a:rPr lang="en-US" dirty="0" smtClean="0"/>
+              <a:t> 180°, and a value of 45° or 60° is normal and corresponds to the viewing angle of our eyes. The wider it is the more of the world you will display, but, depending on you position things, a wide viewing angle may make your object look cramped and your camera rotations seem unnatural.</a:t>
+            </a:r>
+          </a:p>
+          <a:p>
+            <a:pPr>
+              <a:buNone/>
+            </a:pPr>
+            <a:endParaRPr lang="en-US" dirty="0" smtClean="0"/>
+          </a:p>
+          <a:p>
+            <a:pPr>
+              <a:buNone/>
+            </a:pPr>
+            <a:r>
+              <a:rPr lang="en-US" dirty="0" smtClean="0"/>
+              <a:t>The aspect ratio should equal the screen width / height, otherwise the display along the x-axis will be distorted and also other problem will occur.</a:t>
+            </a:r>
+          </a:p>
+          <a:p>
+            <a:pPr>
+              <a:buNone/>
+            </a:pPr>
+            <a:endParaRPr lang="en-US" dirty="0" smtClean="0"/>
+          </a:p>
+          <a:p>
+            <a:pPr>
+              <a:buNone/>
+            </a:pPr>
+            <a:r>
+              <a:rPr lang="en-US" dirty="0" smtClean="0"/>
+              <a:t>The projection matrix transforms the view “frustum” into a unit cube.</a:t>
+            </a:r>
+            <a:endParaRPr lang="en-US" dirty="0"/>
+          </a:p>
+        </p:txBody>
+      </p:sp>
+    </p:spTree>
+  </p:cSld>
+  <p:clrMapOvr>
+    <a:masterClrMapping/>
+  </p:clrMapOvr>
+</p:sld>
+</file>
+
+<file path=ppt/slides/slide21.xml><?xml version="1.0" encoding="utf-8"?>
+<p:sld xmlns:a="http://schemas.openxmlformats.org/drawingml/2006/main" xmlns:r="http://schemas.openxmlformats.org/officeDocument/2006/relationships" xmlns:mc="http://schemas.openxmlformats.org/markup-compatibility/2006" xmlns:mv="urn:schemas-microsoft-com:mac:vml" xmlns:p="http://schemas.openxmlformats.org/presentationml/2006/main" mc:Ignorable="mv" mc:PreserveAttributes="mv:*">
+  <p:cSld>
+    <p:spTree>
+      <p:nvGrpSpPr>
+        <p:cNvPr id="1" name=""/>
+        <p:cNvGrpSpPr/>
+        <p:nvPr/>
+      </p:nvGrpSpPr>
+      <p:grpSpPr>
+        <a:xfrm>
+          <a:off x="0" y="0"/>
+          <a:ext cx="0" cy="0"/>
+          <a:chOff x="0" y="0"/>
+          <a:chExt cx="0" cy="0"/>
+        </a:xfrm>
+      </p:grpSpPr>
+      <p:sp>
+        <p:nvSpPr>
+          <p:cNvPr id="2" name="Title 1"/>
+          <p:cNvSpPr>
+            <a:spLocks noGrp="1"/>
+          </p:cNvSpPr>
+          <p:nvPr>
+            <p:ph type="title"/>
+          </p:nvPr>
+        </p:nvSpPr>
+        <p:spPr/>
+        <p:txBody>
+          <a:bodyPr/>
+          <a:lstStyle/>
+          <a:p>
+            <a:r>
+              <a:rPr lang="en-US" dirty="0" smtClean="0"/>
+              <a:t>Projection</a:t>
+            </a:r>
+            <a:r>
+              <a:rPr lang="en-US" dirty="0" smtClean="0"/>
+              <a:t> </a:t>
+            </a:r>
+            <a:r>
+              <a:rPr lang="en-US" dirty="0" smtClean="0"/>
+              <a:t>matrix</a:t>
+            </a:r>
+            <a:endParaRPr lang="en-US" dirty="0"/>
+          </a:p>
+        </p:txBody>
+      </p:sp>
+      <p:sp>
+        <p:nvSpPr>
+          <p:cNvPr id="3" name="Content Placeholder 2"/>
+          <p:cNvSpPr>
+            <a:spLocks noGrp="1"/>
+          </p:cNvSpPr>
+          <p:nvPr>
+            <p:ph idx="1"/>
+          </p:nvPr>
+        </p:nvSpPr>
+        <p:spPr>
+          <a:xfrm>
+            <a:off x="457200" y="990600"/>
+            <a:ext cx="8229600" cy="5365750"/>
+          </a:xfrm>
+        </p:spPr>
+        <p:txBody>
+          <a:bodyPr/>
+          <a:lstStyle/>
+          <a:p>
+            <a:pPr>
+              <a:buNone/>
+            </a:pPr>
+            <a:r>
+              <a:rPr lang="en-US" dirty="0" smtClean="0"/>
+              <a:t>The actual Projection Matrix looks likes this:</a:t>
+            </a:r>
+          </a:p>
+          <a:p>
+            <a:pPr>
+              <a:buNone/>
+            </a:pPr>
+            <a:endParaRPr lang="en-US" dirty="0" smtClean="0"/>
+          </a:p>
+          <a:p>
+            <a:pPr>
+              <a:buNone/>
+            </a:pPr>
+            <a:r>
+              <a:rPr lang="en-US" dirty="0" smtClean="0"/>
+              <a:t>( 2n / (</a:t>
+            </a:r>
+            <a:r>
+              <a:rPr lang="en-US" dirty="0" err="1" smtClean="0"/>
+              <a:t>r</a:t>
+            </a:r>
+            <a:r>
+              <a:rPr lang="en-US" dirty="0" smtClean="0"/>
+              <a:t> – </a:t>
+            </a:r>
+            <a:r>
+              <a:rPr lang="en-US" dirty="0" err="1" smtClean="0"/>
+              <a:t>l</a:t>
+            </a:r>
+            <a:r>
+              <a:rPr lang="en-US" dirty="0" smtClean="0"/>
+              <a:t>) , 0 ,</a:t>
+            </a:r>
+            <a:r>
+              <a:rPr lang="en-US" dirty="0" smtClean="0"/>
+              <a:t> 			-</a:t>
+            </a:r>
+            <a:r>
+              <a:rPr lang="en-US" dirty="0" smtClean="0"/>
+              <a:t>( (</a:t>
+            </a:r>
+            <a:r>
+              <a:rPr lang="en-US" dirty="0" err="1" smtClean="0"/>
+              <a:t>r</a:t>
+            </a:r>
+            <a:r>
+              <a:rPr lang="en-US" dirty="0" smtClean="0"/>
+              <a:t> + </a:t>
+            </a:r>
+            <a:r>
+              <a:rPr lang="en-US" dirty="0" err="1" smtClean="0"/>
+              <a:t>l</a:t>
+            </a:r>
+            <a:r>
+              <a:rPr lang="en-US" dirty="0" smtClean="0"/>
+              <a:t>) / (</a:t>
+            </a:r>
+            <a:r>
+              <a:rPr lang="en-US" dirty="0" err="1" smtClean="0"/>
+              <a:t>r</a:t>
+            </a:r>
+            <a:r>
+              <a:rPr lang="en-US" dirty="0" smtClean="0"/>
+              <a:t> - </a:t>
+            </a:r>
+            <a:r>
+              <a:rPr lang="en-US" dirty="0" err="1" smtClean="0"/>
+              <a:t>l</a:t>
+            </a:r>
+            <a:r>
+              <a:rPr lang="en-US" dirty="0" smtClean="0"/>
+              <a:t>) ),</a:t>
+            </a:r>
+            <a:r>
+              <a:rPr lang="en-US" dirty="0" smtClean="0"/>
+              <a:t> 		0 </a:t>
+            </a:r>
+            <a:r>
+              <a:rPr lang="en-US" dirty="0" smtClean="0"/>
+              <a:t>)</a:t>
+            </a:r>
+          </a:p>
+          <a:p>
+            <a:pPr>
+              <a:buNone/>
+            </a:pPr>
+            <a:r>
+              <a:rPr lang="en-US" dirty="0" smtClean="0"/>
+              <a:t>( 0                  2n / </a:t>
+            </a:r>
+            <a:r>
+              <a:rPr lang="en-US" dirty="0" smtClean="0"/>
+              <a:t>(</a:t>
+            </a:r>
+            <a:r>
+              <a:rPr lang="en-US" dirty="0" err="1" smtClean="0"/>
+              <a:t>t</a:t>
+            </a:r>
+            <a:r>
+              <a:rPr lang="en-US" dirty="0" smtClean="0"/>
+              <a:t> – </a:t>
+            </a:r>
+            <a:r>
+              <a:rPr lang="en-US" dirty="0" err="1" smtClean="0"/>
+              <a:t>b</a:t>
+            </a:r>
+            <a:r>
+              <a:rPr lang="en-US" dirty="0" smtClean="0"/>
+              <a:t>) </a:t>
+            </a:r>
+            <a:r>
+              <a:rPr lang="en-US" dirty="0" smtClean="0"/>
+              <a:t>,</a:t>
+            </a:r>
+            <a:r>
+              <a:rPr lang="en-US" dirty="0" smtClean="0"/>
+              <a:t> 	(</a:t>
+            </a:r>
+            <a:r>
+              <a:rPr lang="en-US" dirty="0" err="1" smtClean="0"/>
+              <a:t>t</a:t>
+            </a:r>
+            <a:r>
+              <a:rPr lang="en-US" dirty="0" smtClean="0"/>
+              <a:t> + </a:t>
+            </a:r>
+            <a:r>
+              <a:rPr lang="en-US" dirty="0" err="1" smtClean="0"/>
+              <a:t>b</a:t>
+            </a:r>
+            <a:r>
+              <a:rPr lang="en-US" dirty="0" smtClean="0"/>
+              <a:t>) / (</a:t>
+            </a:r>
+            <a:r>
+              <a:rPr lang="en-US" dirty="0" err="1" smtClean="0"/>
+              <a:t>t</a:t>
+            </a:r>
+            <a:r>
+              <a:rPr lang="en-US" dirty="0" smtClean="0"/>
+              <a:t> - </a:t>
+            </a:r>
+            <a:r>
+              <a:rPr lang="en-US" dirty="0" err="1" smtClean="0"/>
+              <a:t>b</a:t>
+            </a:r>
+            <a:r>
+              <a:rPr lang="en-US" dirty="0" smtClean="0"/>
+              <a:t>) ,</a:t>
+            </a:r>
+            <a:r>
+              <a:rPr lang="en-US" dirty="0" smtClean="0"/>
+              <a:t> 		0 </a:t>
+            </a:r>
+            <a:r>
+              <a:rPr lang="en-US" dirty="0" smtClean="0"/>
+              <a:t>)</a:t>
+            </a:r>
+          </a:p>
+          <a:p>
+            <a:pPr>
+              <a:buNone/>
+            </a:pPr>
+            <a:r>
+              <a:rPr lang="en-US" dirty="0" smtClean="0"/>
+              <a:t>( 0                  0 ,                  </a:t>
+            </a:r>
+            <a:r>
+              <a:rPr lang="en-US" dirty="0" smtClean="0"/>
+              <a:t> 	(</a:t>
+            </a:r>
+            <a:r>
+              <a:rPr lang="en-US" dirty="0" err="1" smtClean="0"/>
+              <a:t>f</a:t>
+            </a:r>
+            <a:r>
+              <a:rPr lang="en-US" dirty="0" smtClean="0"/>
+              <a:t> + </a:t>
+            </a:r>
+            <a:r>
+              <a:rPr lang="en-US" dirty="0" err="1" smtClean="0"/>
+              <a:t>n</a:t>
+            </a:r>
+            <a:r>
+              <a:rPr lang="en-US" dirty="0" smtClean="0"/>
+              <a:t>) / (</a:t>
+            </a:r>
+            <a:r>
+              <a:rPr lang="en-US" dirty="0" err="1" smtClean="0"/>
+              <a:t>f</a:t>
+            </a:r>
+            <a:r>
+              <a:rPr lang="en-US" dirty="0" smtClean="0"/>
+              <a:t> - </a:t>
+            </a:r>
+            <a:r>
+              <a:rPr lang="en-US" dirty="0" err="1" smtClean="0"/>
+              <a:t>n</a:t>
+            </a:r>
+            <a:r>
+              <a:rPr lang="en-US" dirty="0" smtClean="0"/>
+              <a:t>) ,</a:t>
+            </a:r>
+            <a:r>
+              <a:rPr lang="en-US" dirty="0" smtClean="0"/>
+              <a:t> 		- </a:t>
+            </a:r>
+            <a:r>
+              <a:rPr lang="en-US" dirty="0" smtClean="0"/>
+              <a:t>( (2fn) / ( </a:t>
+            </a:r>
+            <a:r>
+              <a:rPr lang="en-US" dirty="0" err="1" smtClean="0"/>
+              <a:t>f</a:t>
+            </a:r>
+            <a:r>
+              <a:rPr lang="en-US" dirty="0" smtClean="0"/>
+              <a:t> - </a:t>
+            </a:r>
+            <a:r>
+              <a:rPr lang="en-US" dirty="0" err="1" smtClean="0"/>
+              <a:t>n</a:t>
+            </a:r>
+            <a:r>
+              <a:rPr lang="en-US" dirty="0" smtClean="0"/>
+              <a:t>) ) )</a:t>
+            </a:r>
+          </a:p>
+          <a:p>
+            <a:pPr>
+              <a:buNone/>
+            </a:pPr>
+            <a:r>
+              <a:rPr lang="en-US" dirty="0" smtClean="0"/>
+              <a:t>( 0                  0 ,           </a:t>
+            </a:r>
+            <a:r>
+              <a:rPr lang="en-US" dirty="0" smtClean="0"/>
+              <a:t> </a:t>
+            </a:r>
+            <a:r>
+              <a:rPr lang="en-US" dirty="0" smtClean="0"/>
+              <a:t>	</a:t>
+            </a:r>
+            <a:r>
+              <a:rPr lang="en-US" dirty="0" smtClean="0"/>
+              <a:t>1</a:t>
+            </a:r>
+            <a:r>
+              <a:rPr lang="en-US" dirty="0" smtClean="0"/>
+              <a:t>,                      </a:t>
+            </a:r>
+            <a:r>
+              <a:rPr lang="en-US" dirty="0" smtClean="0"/>
+              <a:t> 		0 </a:t>
+            </a:r>
+            <a:r>
+              <a:rPr lang="en-US" dirty="0" smtClean="0"/>
+              <a:t>)</a:t>
+            </a:r>
+          </a:p>
+          <a:p>
+            <a:pPr>
+              <a:buNone/>
+            </a:pPr>
+            <a:endParaRPr lang="en-US" dirty="0" smtClean="0"/>
+          </a:p>
+          <a:p>
+            <a:pPr>
+              <a:buNone/>
+            </a:pPr>
+            <a:r>
+              <a:rPr lang="en-US" dirty="0" smtClean="0"/>
+              <a:t>Where </a:t>
+            </a:r>
+            <a:r>
+              <a:rPr lang="en-US" dirty="0" err="1" smtClean="0"/>
+              <a:t>n</a:t>
+            </a:r>
+            <a:r>
+              <a:rPr lang="en-US" dirty="0" smtClean="0"/>
+              <a:t> and </a:t>
+            </a:r>
+            <a:r>
+              <a:rPr lang="en-US" dirty="0" err="1" smtClean="0"/>
+              <a:t>f</a:t>
+            </a:r>
+            <a:r>
+              <a:rPr lang="en-US" dirty="0" smtClean="0"/>
+              <a:t> are the near and far planes, </a:t>
+            </a:r>
+            <a:endParaRPr lang="en-US" dirty="0" smtClean="0"/>
+          </a:p>
+          <a:p>
+            <a:pPr>
+              <a:buNone/>
+            </a:pPr>
+            <a:r>
+              <a:rPr lang="en-US" dirty="0" smtClean="0"/>
+              <a:t>t</a:t>
+            </a:r>
+            <a:r>
+              <a:rPr lang="en-US" dirty="0" smtClean="0"/>
+              <a:t> </a:t>
+            </a:r>
+            <a:r>
+              <a:rPr lang="en-US" dirty="0" smtClean="0"/>
+              <a:t>and </a:t>
+            </a:r>
+            <a:r>
+              <a:rPr lang="en-US" dirty="0" err="1" smtClean="0"/>
+              <a:t>b</a:t>
+            </a:r>
+            <a:r>
+              <a:rPr lang="en-US" dirty="0" smtClean="0"/>
+              <a:t> are defined by the </a:t>
+            </a:r>
+            <a:r>
+              <a:rPr lang="en-US" dirty="0" err="1" smtClean="0"/>
+              <a:t>fovy</a:t>
+            </a:r>
+            <a:r>
+              <a:rPr lang="en-US" dirty="0" smtClean="0"/>
+              <a:t> via the following formula</a:t>
+            </a:r>
+          </a:p>
+          <a:p>
+            <a:pPr>
+              <a:buNone/>
+            </a:pPr>
+            <a:r>
+              <a:rPr lang="en-US" dirty="0" smtClean="0"/>
+              <a:t>And </a:t>
+            </a:r>
+            <a:r>
+              <a:rPr lang="en-US" dirty="0" err="1" smtClean="0"/>
+              <a:t>l</a:t>
+            </a:r>
+            <a:r>
+              <a:rPr lang="en-US" dirty="0" smtClean="0"/>
+              <a:t> and </a:t>
+            </a:r>
+            <a:r>
+              <a:rPr lang="en-US" dirty="0" err="1" smtClean="0"/>
+              <a:t>r</a:t>
+            </a:r>
+            <a:r>
+              <a:rPr lang="en-US" dirty="0" smtClean="0"/>
+              <a:t> are further defined by the aspect ratio by the following formula</a:t>
+            </a:r>
+          </a:p>
+          <a:p>
+            <a:pPr>
+              <a:buNone/>
+            </a:pPr>
+            <a:endParaRPr lang="en-US" dirty="0" smtClean="0"/>
+          </a:p>
+          <a:p>
+            <a:pPr>
+              <a:buNone/>
+            </a:pPr>
+            <a:r>
+              <a:rPr lang="en-US" dirty="0" smtClean="0"/>
+              <a:t> </a:t>
+            </a:r>
+          </a:p>
+          <a:p>
+            <a:pPr>
+              <a:buNone/>
+            </a:pPr>
+            <a:endParaRPr lang="en-US" dirty="0" smtClean="0"/>
+          </a:p>
+          <a:p>
+            <a:pPr>
+              <a:buNone/>
+            </a:pPr>
+            <a:r>
+              <a:rPr lang="en-US" dirty="0" smtClean="0"/>
+              <a:t> </a:t>
+            </a:r>
+            <a:endParaRPr lang="en-US" dirty="0"/>
+          </a:p>
+        </p:txBody>
+      </p:sp>
+    </p:spTree>
+  </p:cSld>
+  <p:clrMapOvr>
+    <a:masterClrMapping/>
+  </p:clrMapOvr>
+</p:sld>
+</file>
+
+<file path=ppt/slides/slide22.xml><?xml version="1.0" encoding="utf-8"?>
+<p:sld xmlns:a="http://schemas.openxmlformats.org/drawingml/2006/main" xmlns:r="http://schemas.openxmlformats.org/officeDocument/2006/relationships" xmlns:mc="http://schemas.openxmlformats.org/markup-compatibility/2006" xmlns:mv="urn:schemas-microsoft-com:mac:vml" xmlns:p="http://schemas.openxmlformats.org/presentationml/2006/main" mc:Ignorable="mv" mc:PreserveAttributes="mv:*">
+  <p:cSld>
+    <p:spTree>
+      <p:nvGrpSpPr>
+        <p:cNvPr id="1" name=""/>
+        <p:cNvGrpSpPr/>
+        <p:nvPr/>
+      </p:nvGrpSpPr>
+      <p:grpSpPr>
+        <a:xfrm>
+          <a:off x="0" y="0"/>
+          <a:ext cx="0" cy="0"/>
+          <a:chOff x="0" y="0"/>
+          <a:chExt cx="0" cy="0"/>
+        </a:xfrm>
+      </p:grpSpPr>
+      <p:sp>
+        <p:nvSpPr>
+          <p:cNvPr id="2" name="Title 1"/>
+          <p:cNvSpPr>
+            <a:spLocks noGrp="1"/>
+          </p:cNvSpPr>
+          <p:nvPr>
+            <p:ph type="title"/>
+          </p:nvPr>
+        </p:nvSpPr>
+        <p:spPr/>
+        <p:txBody>
+          <a:bodyPr/>
+          <a:lstStyle/>
+          <a:p>
+            <a:r>
+              <a:rPr lang="en-US" dirty="0" smtClean="0"/>
+              <a:t>Projection matrix</a:t>
+            </a:r>
+            <a:endParaRPr lang="en-US" dirty="0"/>
+          </a:p>
+        </p:txBody>
+      </p:sp>
+      <p:sp>
+        <p:nvSpPr>
+          <p:cNvPr id="3" name="Content Placeholder 2"/>
+          <p:cNvSpPr>
+            <a:spLocks noGrp="1"/>
+          </p:cNvSpPr>
+          <p:nvPr>
+            <p:ph idx="1"/>
+          </p:nvPr>
+        </p:nvSpPr>
+        <p:spPr/>
+        <p:txBody>
+          <a:bodyPr/>
+          <a:lstStyle/>
+          <a:p>
+            <a:pPr>
+              <a:buNone/>
+            </a:pPr>
+            <a:r>
+              <a:rPr lang="en-US" dirty="0" smtClean="0"/>
+              <a:t>Or, using the lens parameters, we can transform a point into clip coordinates by defining the matrix like so.</a:t>
+            </a:r>
+          </a:p>
+          <a:p>
+            <a:pPr>
+              <a:buNone/>
+            </a:pPr>
+            <a:endParaRPr lang="en-US" dirty="0" smtClean="0"/>
+          </a:p>
+          <a:p>
+            <a:pPr>
+              <a:buNone/>
+            </a:pPr>
+            <a:endParaRPr lang="en-US" dirty="0" smtClean="0"/>
+          </a:p>
+          <a:p>
+            <a:pPr>
+              <a:buNone/>
+            </a:pPr>
+            <a:endParaRPr lang="en-US" dirty="0" smtClean="0"/>
+          </a:p>
+          <a:p>
+            <a:pPr>
+              <a:buNone/>
+            </a:pPr>
+            <a:endParaRPr lang="en-US" dirty="0" smtClean="0"/>
+          </a:p>
+          <a:p>
+            <a:pPr>
+              <a:buNone/>
+            </a:pPr>
+            <a:endParaRPr lang="en-US" dirty="0" smtClean="0"/>
+          </a:p>
+          <a:p>
+            <a:pPr>
+              <a:buNone/>
+            </a:pPr>
+            <a:endParaRPr lang="en-US" dirty="0" smtClean="0"/>
+          </a:p>
+          <a:p>
+            <a:pPr>
+              <a:buNone/>
+            </a:pPr>
+            <a:r>
+              <a:rPr lang="en-US" dirty="0" smtClean="0"/>
+              <a:t>The Projection matrix is set up so that any ray from the camera through the near plane to the far plane will have the same </a:t>
+            </a:r>
+            <a:r>
+              <a:rPr lang="en-US" dirty="0" err="1" smtClean="0"/>
+              <a:t>x</a:t>
+            </a:r>
+            <a:r>
+              <a:rPr lang="en-US" dirty="0" smtClean="0"/>
+              <a:t> and </a:t>
+            </a:r>
+            <a:r>
+              <a:rPr lang="en-US" dirty="0" err="1" smtClean="0"/>
+              <a:t>y</a:t>
+            </a:r>
+            <a:r>
+              <a:rPr lang="en-US" dirty="0" smtClean="0"/>
+              <a:t> value in homogeneous coordinates.</a:t>
+            </a:r>
+          </a:p>
+          <a:p>
+            <a:pPr>
+              <a:buNone/>
+            </a:pPr>
+            <a:endParaRPr lang="en-US" dirty="0" smtClean="0"/>
+          </a:p>
+          <a:p>
+            <a:pPr>
+              <a:buNone/>
+            </a:pPr>
+            <a:r>
+              <a:rPr lang="en-US" dirty="0" smtClean="0"/>
+              <a:t>That is, once we divide </a:t>
+            </a:r>
+            <a:r>
+              <a:rPr lang="en-US" dirty="0" err="1" smtClean="0"/>
+              <a:t>x/w</a:t>
+            </a:r>
+            <a:r>
+              <a:rPr lang="en-US" dirty="0" smtClean="0"/>
+              <a:t> and </a:t>
+            </a:r>
+            <a:r>
+              <a:rPr lang="en-US" dirty="0" err="1" smtClean="0"/>
+              <a:t>y/w</a:t>
+            </a:r>
+            <a:r>
+              <a:rPr lang="en-US" dirty="0" smtClean="0"/>
+              <a:t>, all points from our eye to the far plane will be projected to the same point on the plane </a:t>
+            </a:r>
+            <a:r>
+              <a:rPr lang="en-US" dirty="0" err="1" smtClean="0"/>
+              <a:t>w</a:t>
+            </a:r>
+            <a:r>
+              <a:rPr lang="en-US" dirty="0" smtClean="0"/>
+              <a:t> = 1.  </a:t>
+            </a:r>
+            <a:endParaRPr lang="en-US" dirty="0"/>
+          </a:p>
+        </p:txBody>
+      </p:sp>
+      <p:pic>
+        <p:nvPicPr>
+          <p:cNvPr id="4" name="Picture 3"/>
+          <p:cNvPicPr>
+            <a:picLocks noChangeAspect="1"/>
+          </p:cNvPicPr>
+          <p:nvPr/>
+        </p:nvPicPr>
+        <p:blipFill>
+          <a:blip r:embed="rId2"/>
+          <a:stretch>
+            <a:fillRect/>
+          </a:stretch>
+        </p:blipFill>
+        <p:spPr>
+          <a:xfrm>
+            <a:off x="762000" y="2286000"/>
+            <a:ext cx="7620000" cy="1143000"/>
+          </a:xfrm>
+          <a:prstGeom prst="rect">
+            <a:avLst/>
+          </a:prstGeom>
+        </p:spPr>
+      </p:pic>
+    </p:spTree>
+  </p:cSld>
+  <p:clrMapOvr>
+    <a:masterClrMapping/>
+  </p:clrMapOvr>
+</p:sld>
+</file>
+
+<file path=ppt/slides/slide23.xml><?xml version="1.0" encoding="utf-8"?>
+<p:sld xmlns:a="http://schemas.openxmlformats.org/drawingml/2006/main" xmlns:r="http://schemas.openxmlformats.org/officeDocument/2006/relationships" xmlns:mc="http://schemas.openxmlformats.org/markup-compatibility/2006" xmlns:mv="urn:schemas-microsoft-com:mac:vml" xmlns:p="http://schemas.openxmlformats.org/presentationml/2006/main" mc:Ignorable="mv" mc:PreserveAttributes="mv:*">
+  <p:cSld>
+    <p:spTree>
+      <p:nvGrpSpPr>
+        <p:cNvPr id="1" name=""/>
+        <p:cNvGrpSpPr/>
+        <p:nvPr/>
+      </p:nvGrpSpPr>
+      <p:grpSpPr>
+        <a:xfrm>
+          <a:off x="0" y="0"/>
+          <a:ext cx="0" cy="0"/>
+          <a:chOff x="0" y="0"/>
+          <a:chExt cx="0" cy="0"/>
+        </a:xfrm>
+      </p:grpSpPr>
+      <p:sp>
+        <p:nvSpPr>
+          <p:cNvPr id="2" name="Title 1"/>
+          <p:cNvSpPr>
+            <a:spLocks noGrp="1"/>
+          </p:cNvSpPr>
+          <p:nvPr>
+            <p:ph type="title"/>
+          </p:nvPr>
+        </p:nvSpPr>
+        <p:spPr/>
+        <p:txBody>
+          <a:bodyPr/>
+          <a:lstStyle/>
+          <a:p>
+            <a:r>
+              <a:rPr lang="en-US" dirty="0" smtClean="0"/>
+              <a:t>Normalized device coordinates &amp; Window coordinates</a:t>
+            </a:r>
+            <a:endParaRPr lang="en-US" dirty="0"/>
+          </a:p>
+        </p:txBody>
+      </p:sp>
+      <p:sp>
+        <p:nvSpPr>
+          <p:cNvPr id="3" name="Content Placeholder 2"/>
+          <p:cNvSpPr>
+            <a:spLocks noGrp="1"/>
+          </p:cNvSpPr>
+          <p:nvPr>
+            <p:ph idx="1"/>
+          </p:nvPr>
+        </p:nvSpPr>
+        <p:spPr/>
+        <p:txBody>
+          <a:bodyPr/>
+          <a:lstStyle/>
+          <a:p>
+            <a:pPr>
+              <a:buNone/>
+            </a:pPr>
+            <a:r>
+              <a:rPr lang="en-US" dirty="0" smtClean="0"/>
+              <a:t>The division by </a:t>
+            </a:r>
+            <a:r>
+              <a:rPr lang="en-US" dirty="0" err="1" smtClean="0"/>
+              <a:t>w</a:t>
+            </a:r>
+            <a:r>
+              <a:rPr lang="en-US" dirty="0" smtClean="0"/>
+              <a:t> turns the point in homogeneous clip coordinates into a point in normalized device coordinates. The </a:t>
+            </a:r>
+            <a:r>
+              <a:rPr lang="en-US" dirty="0" err="1" smtClean="0"/>
+              <a:t>x</a:t>
+            </a:r>
+            <a:r>
+              <a:rPr lang="en-US" dirty="0" smtClean="0"/>
+              <a:t>, </a:t>
+            </a:r>
+            <a:r>
+              <a:rPr lang="en-US" dirty="0" err="1" smtClean="0"/>
+              <a:t>y</a:t>
+            </a:r>
+            <a:r>
+              <a:rPr lang="en-US" dirty="0" smtClean="0"/>
+              <a:t>, and </a:t>
+            </a:r>
+            <a:r>
+              <a:rPr lang="en-US" dirty="0" err="1" smtClean="0"/>
+              <a:t>z</a:t>
+            </a:r>
+            <a:r>
+              <a:rPr lang="en-US" dirty="0" smtClean="0"/>
+              <a:t> values will all be between a value of -1 and 1.</a:t>
+            </a:r>
+          </a:p>
+          <a:p>
+            <a:pPr>
+              <a:buNone/>
+            </a:pPr>
+            <a:endParaRPr lang="en-US" dirty="0" smtClean="0"/>
+          </a:p>
+          <a:p>
+            <a:pPr>
+              <a:buNone/>
+            </a:pPr>
+            <a:r>
+              <a:rPr lang="en-US" dirty="0" smtClean="0"/>
+              <a:t>This is an intermediate step that allows us to position our projection onto the screen by simply scaling the </a:t>
+            </a:r>
+            <a:r>
+              <a:rPr lang="en-US" dirty="0" err="1" smtClean="0"/>
+              <a:t>x</a:t>
+            </a:r>
+            <a:r>
+              <a:rPr lang="en-US" dirty="0" smtClean="0"/>
+              <a:t> and </a:t>
+            </a:r>
+            <a:r>
+              <a:rPr lang="en-US" dirty="0" err="1" smtClean="0"/>
+              <a:t>y</a:t>
+            </a:r>
+            <a:r>
+              <a:rPr lang="en-US" dirty="0" smtClean="0"/>
+              <a:t> value from our normalized device coordinate to the screen width and screen height. </a:t>
+            </a:r>
+          </a:p>
+          <a:p>
+            <a:pPr>
+              <a:buNone/>
+            </a:pPr>
+            <a:endParaRPr lang="en-US" dirty="0" smtClean="0"/>
+          </a:p>
+          <a:p>
+            <a:pPr>
+              <a:buNone/>
+            </a:pPr>
+            <a:r>
+              <a:rPr lang="en-US" dirty="0" smtClean="0"/>
+              <a:t>That is, we map the -1 </a:t>
+            </a:r>
+            <a:r>
+              <a:rPr lang="en-US" dirty="0" err="1" smtClean="0">
+                <a:sym typeface="Wingdings"/>
+              </a:rPr>
+              <a:t></a:t>
+            </a:r>
+            <a:r>
+              <a:rPr lang="en-US" dirty="0" smtClean="0">
+                <a:sym typeface="Wingdings"/>
+              </a:rPr>
+              <a:t> +1 of the </a:t>
+            </a:r>
+            <a:r>
+              <a:rPr lang="en-US" dirty="0" err="1" smtClean="0"/>
+              <a:t>x</a:t>
+            </a:r>
+            <a:r>
+              <a:rPr lang="en-US" dirty="0" smtClean="0"/>
+              <a:t> axis to the 0px </a:t>
+            </a:r>
+            <a:r>
+              <a:rPr lang="en-US" dirty="0" err="1" smtClean="0">
+                <a:sym typeface="Wingdings"/>
+              </a:rPr>
+              <a:t></a:t>
+            </a:r>
+            <a:r>
+              <a:rPr lang="en-US" dirty="0" smtClean="0">
+                <a:sym typeface="Wingdings"/>
+              </a:rPr>
+              <a:t> the width of the screen (and the same for the </a:t>
+            </a:r>
+            <a:r>
+              <a:rPr lang="en-US" dirty="0" err="1" smtClean="0">
+                <a:sym typeface="Wingdings"/>
+              </a:rPr>
+              <a:t>y</a:t>
+            </a:r>
+            <a:r>
+              <a:rPr lang="en-US" dirty="0" smtClean="0">
+                <a:sym typeface="Wingdings"/>
+              </a:rPr>
+              <a:t> axis, but using the height).</a:t>
+            </a:r>
+            <a:r>
+              <a:rPr lang="en-US" dirty="0" smtClean="0"/>
+              <a:t> </a:t>
+            </a:r>
+          </a:p>
+          <a:p>
+            <a:pPr>
+              <a:buNone/>
+            </a:pPr>
+            <a:endParaRPr lang="en-US" dirty="0"/>
+          </a:p>
+        </p:txBody>
+      </p:sp>
+    </p:spTree>
+  </p:cSld>
+  <p:clrMapOvr>
+    <a:masterClrMapping/>
+  </p:clrMapOvr>
+</p:sld>
+</file>
+
+<file path=ppt/slides/slide24.xml><?xml version="1.0" encoding="utf-8"?>
+<p:sld xmlns:a="http://schemas.openxmlformats.org/drawingml/2006/main" xmlns:r="http://schemas.openxmlformats.org/officeDocument/2006/relationships" xmlns:mc="http://schemas.openxmlformats.org/markup-compatibility/2006" xmlns:mv="urn:schemas-microsoft-com:mac:vml" xmlns:p="http://schemas.openxmlformats.org/presentationml/2006/main" mc:Ignorable="mv" mc:PreserveAttributes="mv:*">
+  <p:cSld>
+    <p:spTree>
+      <p:nvGrpSpPr>
+        <p:cNvPr id="1" name=""/>
+        <p:cNvGrpSpPr/>
+        <p:nvPr/>
+      </p:nvGrpSpPr>
+      <p:grpSpPr>
+        <a:xfrm>
+          <a:off x="0" y="0"/>
+          <a:ext cx="0" cy="0"/>
+          <a:chOff x="0" y="0"/>
+          <a:chExt cx="0" cy="0"/>
+        </a:xfrm>
+      </p:grpSpPr>
+      <p:sp>
+        <p:nvSpPr>
+          <p:cNvPr id="2" name="Title 1"/>
+          <p:cNvSpPr>
+            <a:spLocks noGrp="1"/>
+          </p:cNvSpPr>
+          <p:nvPr>
+            <p:ph type="title"/>
+          </p:nvPr>
+        </p:nvSpPr>
+        <p:spPr/>
+        <p:txBody>
+          <a:bodyPr/>
+          <a:lstStyle/>
+          <a:p>
+            <a:r>
+              <a:rPr lang="en-US" dirty="0" smtClean="0"/>
+              <a:t>Window coordinates</a:t>
+            </a:r>
+            <a:endParaRPr lang="en-US" dirty="0"/>
+          </a:p>
+        </p:txBody>
+      </p:sp>
+      <p:sp>
+        <p:nvSpPr>
+          <p:cNvPr id="3" name="Content Placeholder 2"/>
+          <p:cNvSpPr>
+            <a:spLocks noGrp="1"/>
+          </p:cNvSpPr>
+          <p:nvPr>
+            <p:ph idx="1"/>
+          </p:nvPr>
+        </p:nvSpPr>
+        <p:spPr/>
+        <p:txBody>
+          <a:bodyPr/>
+          <a:lstStyle/>
+          <a:p>
+            <a:endParaRPr lang="en-US" dirty="0"/>
+          </a:p>
+        </p:txBody>
+      </p:sp>
+    </p:spTree>
+  </p:cSld>
+  <p:clrMapOvr>
+    <a:masterClrMapping/>
+  </p:clrMapOvr>
+</p:sld>
+</file>
+
+<file path=ppt/slides/slide25.xml><?xml version="1.0" encoding="utf-8"?>
+<p:sld xmlns:a="http://schemas.openxmlformats.org/drawingml/2006/main" xmlns:r="http://schemas.openxmlformats.org/officeDocument/2006/relationships" xmlns:mc="http://schemas.openxmlformats.org/markup-compatibility/2006" xmlns:mv="urn:schemas-microsoft-com:mac:vml" xmlns:p="http://schemas.openxmlformats.org/presentationml/2006/main" mc:Ignorable="mv" mc:PreserveAttributes="mv:*">
+  <p:cSld>
+    <p:spTree>
+      <p:nvGrpSpPr>
+        <p:cNvPr id="1" name=""/>
+        <p:cNvGrpSpPr/>
+        <p:nvPr/>
+      </p:nvGrpSpPr>
+      <p:grpSpPr>
+        <a:xfrm>
+          <a:off x="0" y="0"/>
+          <a:ext cx="0" cy="0"/>
+          <a:chOff x="0" y="0"/>
+          <a:chExt cx="0" cy="0"/>
+        </a:xfrm>
+      </p:grpSpPr>
+      <p:sp>
+        <p:nvSpPr>
+          <p:cNvPr id="2" name="Title 1"/>
+          <p:cNvSpPr>
+            <a:spLocks noGrp="1"/>
+          </p:cNvSpPr>
+          <p:nvPr>
+            <p:ph type="title"/>
+          </p:nvPr>
+        </p:nvSpPr>
+        <p:spPr/>
+        <p:txBody>
+          <a:bodyPr/>
+          <a:lstStyle/>
+          <a:p>
             <a:endParaRPr lang="en-US"/>
           </a:p>
         </p:txBody>
@@ -6183,7 +7325,94 @@
 </p:sld>
 </file>
 
-<file path=ppt/slides/slide21.xml><?xml version="1.0" encoding="utf-8"?>
+<file path=ppt/slides/slide26.xml><?xml version="1.0" encoding="utf-8"?>
+<p:sld xmlns:a="http://schemas.openxmlformats.org/drawingml/2006/main" xmlns:r="http://schemas.openxmlformats.org/officeDocument/2006/relationships" xmlns:mc="http://schemas.openxmlformats.org/markup-compatibility/2006" xmlns:mv="urn:schemas-microsoft-com:mac:vml" xmlns:p="http://schemas.openxmlformats.org/presentationml/2006/main" mc:Ignorable="mv" mc:PreserveAttributes="mv:*">
+  <p:cSld>
+    <p:spTree>
+      <p:nvGrpSpPr>
+        <p:cNvPr id="1" name=""/>
+        <p:cNvGrpSpPr/>
+        <p:nvPr/>
+      </p:nvGrpSpPr>
+      <p:grpSpPr>
+        <a:xfrm>
+          <a:off x="0" y="0"/>
+          <a:ext cx="0" cy="0"/>
+          <a:chOff x="0" y="0"/>
+          <a:chExt cx="0" cy="0"/>
+        </a:xfrm>
+      </p:grpSpPr>
+      <p:sp>
+        <p:nvSpPr>
+          <p:cNvPr id="2" name="Title 1"/>
+          <p:cNvSpPr>
+            <a:spLocks noGrp="1"/>
+          </p:cNvSpPr>
+          <p:nvPr>
+            <p:ph type="title"/>
+          </p:nvPr>
+        </p:nvSpPr>
+        <p:spPr/>
+        <p:txBody>
+          <a:bodyPr/>
+          <a:lstStyle/>
+          <a:p>
+            <a:endParaRPr lang="en-US"/>
+          </a:p>
+        </p:txBody>
+      </p:sp>
+      <p:sp>
+        <p:nvSpPr>
+          <p:cNvPr id="3" name="Content Placeholder 2"/>
+          <p:cNvSpPr>
+            <a:spLocks noGrp="1"/>
+          </p:cNvSpPr>
+          <p:nvPr>
+            <p:ph idx="1"/>
+          </p:nvPr>
+        </p:nvSpPr>
+        <p:spPr/>
+        <p:txBody>
+          <a:bodyPr/>
+          <a:lstStyle/>
+          <a:p>
+            <a:endParaRPr lang="en-US" dirty="0"/>
+          </a:p>
+        </p:txBody>
+      </p:sp>
+      <p:pic>
+        <p:nvPicPr>
+          <p:cNvPr id="4" name="Picture 3"/>
+          <p:cNvPicPr>
+            <a:picLocks noChangeAspect="1"/>
+          </p:cNvPicPr>
+          <p:nvPr/>
+        </p:nvPicPr>
+        <p:blipFill>
+          <a:blip r:embed="rId2"/>
+          <a:stretch>
+            <a:fillRect/>
+          </a:stretch>
+        </p:blipFill>
+        <p:spPr>
+          <a:xfrm>
+            <a:off x="1143000" y="2667000"/>
+            <a:ext cx="6815913" cy="2298700"/>
+          </a:xfrm>
+          <a:prstGeom prst="rect">
+            <a:avLst/>
+          </a:prstGeom>
+        </p:spPr>
+      </p:pic>
+    </p:spTree>
+  </p:cSld>
+  <p:clrMapOvr>
+    <a:masterClrMapping/>
+  </p:clrMapOvr>
+</p:sld>
+</file>
+
+<file path=ppt/slides/slide27.xml><?xml version="1.0" encoding="utf-8"?>
 <p:sld xmlns:a="http://schemas.openxmlformats.org/drawingml/2006/main" xmlns:r="http://schemas.openxmlformats.org/officeDocument/2006/relationships" xmlns:mc="http://schemas.openxmlformats.org/markup-compatibility/2006" xmlns:mv="urn:schemas-microsoft-com:mac:vml" xmlns:p="http://schemas.openxmlformats.org/presentationml/2006/main" mc:Ignorable="mv" mc:PreserveAttributes="mv:*">
   <p:cSld>
     <p:spTree>
@@ -6270,7 +7499,7 @@
 </p:sld>
 </file>
 
-<file path=ppt/slides/slide22.xml><?xml version="1.0" encoding="utf-8"?>
+<file path=ppt/slides/slide28.xml><?xml version="1.0" encoding="utf-8"?>
 <p:sld xmlns:a="http://schemas.openxmlformats.org/drawingml/2006/main" xmlns:r="http://schemas.openxmlformats.org/officeDocument/2006/relationships" xmlns:mc="http://schemas.openxmlformats.org/markup-compatibility/2006" xmlns:mv="urn:schemas-microsoft-com:mac:vml" xmlns:p="http://schemas.openxmlformats.org/presentationml/2006/main" mc:Ignorable="mv" mc:PreserveAttributes="mv:*">
   <p:cSld>
     <p:spTree>
@@ -6304,7 +7533,7 @@
           <a:p>
             <a:r>
               <a:rPr lang="en-US" dirty="0" smtClean="0"/>
-              <a:t>Projection Matrix</a:t>
+              <a:t>Homogeneous coordinates</a:t>
             </a:r>
             <a:endParaRPr lang="en-US" dirty="0"/>
           </a:p>
@@ -6330,7 +7559,7 @@
             </a:pPr>
             <a:r>
               <a:rPr lang="en-US" dirty="0" smtClean="0"/>
-              <a:t>The Projection Matrix defines how much of the world is seen by the camera. It encodes the following information:</a:t>
+              <a:t>Homogeneous coordinates are ubiquitous in computer graphics because they solve the problem of representing a translation and projection as a matrix operation.</a:t>
             </a:r>
           </a:p>
           <a:p>
@@ -6343,48 +7572,12 @@
             <a:pPr>
               <a:buNone/>
             </a:pPr>
-            <a:r>
-              <a:rPr lang="en-US" dirty="0" smtClean="0"/>
-              <a:t>The near plane and the far plane: The range of depth in the world that the camera can see. </a:t>
-            </a:r>
-          </a:p>
-          <a:p>
-            <a:pPr>
-              <a:buNone/>
-            </a:pPr>
             <a:endParaRPr lang="en-US" dirty="0" smtClean="0"/>
           </a:p>
           <a:p>
             <a:pPr>
               <a:buNone/>
             </a:pPr>
-            <a:r>
-              <a:rPr lang="en-US" dirty="0" smtClean="0"/>
-              <a:t>The field of view angle that the camera sees in the </a:t>
-            </a:r>
-            <a:r>
-              <a:rPr lang="en-US" dirty="0" err="1" smtClean="0"/>
-              <a:t>y</a:t>
-            </a:r>
-            <a:r>
-              <a:rPr lang="en-US" dirty="0" smtClean="0"/>
-              <a:t> direction.</a:t>
-            </a:r>
-          </a:p>
-          <a:p>
-            <a:pPr>
-              <a:buNone/>
-            </a:pPr>
-            <a:endParaRPr lang="en-US" dirty="0" smtClean="0"/>
-          </a:p>
-          <a:p>
-            <a:pPr>
-              <a:buNone/>
-            </a:pPr>
-            <a:r>
-              <a:rPr lang="en-US" dirty="0" smtClean="0"/>
-              <a:t>The aspect ratio of the screen which the world will be projected on. </a:t>
-            </a:r>
             <a:endParaRPr lang="en-US" dirty="0"/>
           </a:p>
         </p:txBody>
@@ -6397,7 +7590,7 @@
 </p:sld>
 </file>
 
-<file path=ppt/slides/slide23.xml><?xml version="1.0" encoding="utf-8"?>
+<file path=ppt/slides/slide29.xml><?xml version="1.0" encoding="utf-8"?>
 <p:sld xmlns:a="http://schemas.openxmlformats.org/drawingml/2006/main" xmlns:r="http://schemas.openxmlformats.org/officeDocument/2006/relationships" xmlns:mc="http://schemas.openxmlformats.org/markup-compatibility/2006" xmlns:mv="urn:schemas-microsoft-com:mac:vml" xmlns:p="http://schemas.openxmlformats.org/presentationml/2006/main" mc:Ignorable="mv" mc:PreserveAttributes="mv:*">
   <p:cSld>
     <p:spTree>
@@ -6426,12 +7619,14 @@
         </p:nvSpPr>
         <p:spPr/>
         <p:txBody>
-          <a:bodyPr/>
+          <a:bodyPr>
+            <a:normAutofit/>
+          </a:bodyPr>
           <a:lstStyle/>
           <a:p>
             <a:r>
               <a:rPr lang="en-US" dirty="0" smtClean="0"/>
-              <a:t>Projection Matrix 2</a:t>
+              <a:t>Example: Transforming a vertex</a:t>
             </a:r>
             <a:endParaRPr lang="en-US" dirty="0"/>
           </a:p>
@@ -6449,7 +7644,9 @@
         </p:nvSpPr>
         <p:spPr/>
         <p:txBody>
-          <a:bodyPr/>
+          <a:bodyPr>
+            <a:normAutofit fontScale="85000" lnSpcReduction="20000"/>
+          </a:bodyPr>
           <a:lstStyle/>
           <a:p>
             <a:pPr>
@@ -6457,15 +7654,7 @@
             </a:pPr>
             <a:r>
               <a:rPr lang="en-US" dirty="0" smtClean="0"/>
-              <a:t>The near plane and far plane define the distance along the </a:t>
-            </a:r>
-            <a:r>
-              <a:rPr lang="en-US" dirty="0" err="1" smtClean="0"/>
-              <a:t>z</a:t>
-            </a:r>
-            <a:r>
-              <a:rPr lang="en-US" dirty="0" smtClean="0"/>
-              <a:t> axis from the camera origin. The near plane needs to be a distance &gt; 0 and the far plane needs to be &lt; infinity. Common values are .1 and 100, but it depends on how you decide to position things in the world. </a:t>
+              <a:t>To transform our 3D point from object coordinates into 2D window coordinates we do the following operations:</a:t>
             </a:r>
           </a:p>
           <a:p>
@@ -6480,70 +7669,523 @@
             </a:pPr>
             <a:r>
               <a:rPr lang="en-US" dirty="0" smtClean="0"/>
-              <a:t>The field of view, or </a:t>
-            </a:r>
-            <a:r>
-              <a:rPr lang="en-US" dirty="0" err="1" smtClean="0"/>
-              <a:t>fovy</a:t>
-            </a:r>
-            <a:r>
-              <a:rPr lang="en-US" dirty="0" smtClean="0"/>
-              <a:t>, defines the angle in the </a:t>
-            </a:r>
-          </a:p>
-          <a:p>
-            <a:pPr>
-              <a:buNone/>
-            </a:pPr>
-            <a:endParaRPr lang="en-US" dirty="0" smtClean="0"/>
-          </a:p>
-          <a:p>
-            <a:pPr>
-              <a:buNone/>
-            </a:pPr>
-            <a:r>
-              <a:rPr lang="en-US" dirty="0" smtClean="0"/>
-              <a:t>The aspect ratio of the screen bounds thus defines the clipping in the </a:t>
+              <a:t>Given a vertex </a:t>
+            </a:r>
+            <a:r>
+              <a:rPr lang="en-US" b="1" dirty="0" err="1" smtClean="0"/>
+              <a:t>v</a:t>
+            </a:r>
+            <a:r>
+              <a:rPr lang="en-US" baseline="-25000" dirty="0" err="1" smtClean="0"/>
+              <a:t>o</a:t>
+            </a:r>
+            <a:r>
+              <a:rPr lang="en-US" dirty="0" smtClean="0"/>
+              <a:t> in object coordinates (</a:t>
             </a:r>
             <a:r>
               <a:rPr lang="en-US" dirty="0" err="1" smtClean="0"/>
               <a:t>x</a:t>
             </a:r>
             <a:r>
-              <a:rPr lang="en-US" dirty="0" smtClean="0"/>
-              <a:t> axis.</a:t>
-            </a:r>
-          </a:p>
-          <a:p>
-            <a:pPr>
-              <a:buNone/>
-            </a:pPr>
+              <a:rPr lang="en-US" baseline="-25000" dirty="0" err="1" smtClean="0">
+                <a:sym typeface="Wingdings"/>
+              </a:rPr>
+              <a:t>o</a:t>
+            </a:r>
+            <a:r>
+              <a:rPr lang="en-US" dirty="0" err="1" smtClean="0"/>
+              <a:t>,y</a:t>
+            </a:r>
+            <a:r>
+              <a:rPr lang="en-US" baseline="-25000" dirty="0" err="1" smtClean="0">
+                <a:sym typeface="Wingdings"/>
+              </a:rPr>
+              <a:t>o</a:t>
+            </a:r>
+            <a:r>
+              <a:rPr lang="en-US" dirty="0" err="1" smtClean="0"/>
+              <a:t>,z</a:t>
+            </a:r>
+            <a:r>
+              <a:rPr lang="en-US" baseline="-25000" dirty="0" err="1" smtClean="0">
+                <a:sym typeface="Wingdings"/>
+              </a:rPr>
+              <a:t>o</a:t>
+            </a:r>
+            <a:r>
+              <a:rPr lang="en-US" dirty="0" err="1" smtClean="0"/>
+              <a:t>,w</a:t>
+            </a:r>
+            <a:r>
+              <a:rPr lang="en-US" baseline="-25000" dirty="0" err="1" smtClean="0">
+                <a:sym typeface="Wingdings"/>
+              </a:rPr>
+              <a:t>o</a:t>
+            </a:r>
+            <a:r>
+              <a:rPr lang="en-US" dirty="0" smtClean="0">
+                <a:sym typeface="Wingdings"/>
+              </a:rPr>
+              <a:t>), where </a:t>
+            </a:r>
+            <a:r>
+              <a:rPr lang="en-US" dirty="0" err="1" smtClean="0"/>
+              <a:t>w</a:t>
+            </a:r>
+            <a:r>
+              <a:rPr lang="en-US" baseline="-25000" dirty="0" err="1" smtClean="0">
+                <a:sym typeface="Wingdings"/>
+              </a:rPr>
+              <a:t>o</a:t>
+            </a:r>
+            <a:r>
+              <a:rPr lang="en-US" baseline="-25000" dirty="0" smtClean="0">
+                <a:sym typeface="Wingdings"/>
+              </a:rPr>
+              <a:t> </a:t>
+            </a:r>
+            <a:r>
+              <a:rPr lang="en-US" dirty="0" smtClean="0">
+                <a:sym typeface="Wingdings"/>
+              </a:rPr>
+              <a:t>is always 1. </a:t>
+            </a:r>
             <a:endParaRPr lang="en-US" dirty="0" smtClean="0"/>
           </a:p>
           <a:p>
             <a:pPr>
               <a:buNone/>
             </a:pPr>
-            <a:r>
-              <a:rPr lang="en-US" dirty="0" smtClean="0"/>
-              <a:t>These values are used to define the view “frustum”  in terms of 6 values, the left, right, top, bottom, near, and far bounds of the world.</a:t>
-            </a:r>
-          </a:p>
-          <a:p>
-            <a:pPr>
-              <a:buNone/>
-            </a:pPr>
             <a:endParaRPr lang="en-US" dirty="0" smtClean="0"/>
           </a:p>
           <a:p>
-            <a:pPr>
-              <a:buNone/>
-            </a:pPr>
-            <a:r>
-              <a:rPr lang="en-US" dirty="0" smtClean="0"/>
-              <a:t>The projection matrix transforms the view “frustum” into a unit cube.</a:t>
-            </a:r>
-            <a:endParaRPr lang="en-US" dirty="0"/>
+            <a:pPr marL="457200" indent="-457200">
+              <a:buNone/>
+            </a:pPr>
+            <a:r>
+              <a:rPr lang="en-US" dirty="0" smtClean="0"/>
+              <a:t>Put the object point into eye coordinates by multiplying it by the MODELVIEW matrix </a:t>
+            </a:r>
+            <a:r>
+              <a:rPr lang="en-US" b="1" dirty="0" smtClean="0"/>
+              <a:t>M</a:t>
+            </a:r>
+            <a:r>
+              <a:rPr lang="en-US" dirty="0" smtClean="0"/>
+              <a:t> (which concatenates the transformation from object coordinates </a:t>
+            </a:r>
+            <a:r>
+              <a:rPr lang="en-US" dirty="0" err="1" smtClean="0">
+                <a:sym typeface="Wingdings"/>
+              </a:rPr>
+              <a:t></a:t>
+            </a:r>
+            <a:r>
+              <a:rPr lang="en-US" dirty="0" smtClean="0">
+                <a:sym typeface="Wingdings"/>
+              </a:rPr>
+              <a:t> world coordinates </a:t>
+            </a:r>
+            <a:r>
+              <a:rPr lang="en-US" dirty="0" err="1" smtClean="0">
+                <a:sym typeface="Wingdings"/>
+              </a:rPr>
+              <a:t></a:t>
+            </a:r>
+            <a:r>
+              <a:rPr lang="en-US" dirty="0" smtClean="0">
+                <a:sym typeface="Wingdings"/>
+              </a:rPr>
+              <a:t> eye coordinates)…</a:t>
+            </a:r>
+          </a:p>
+          <a:p>
+            <a:pPr marL="457200" indent="-457200">
+              <a:buNone/>
+            </a:pPr>
+            <a:endParaRPr lang="en-US" dirty="0" smtClean="0">
+              <a:sym typeface="Wingdings"/>
+            </a:endParaRPr>
+          </a:p>
+          <a:p>
+            <a:pPr marL="457200" indent="-457200">
+              <a:buNone/>
+            </a:pPr>
+            <a:r>
+              <a:rPr lang="en-US" dirty="0" smtClean="0">
+                <a:sym typeface="Wingdings"/>
+              </a:rPr>
+              <a:t>	</a:t>
+            </a:r>
+            <a:r>
+              <a:rPr lang="en-US" b="1" dirty="0" err="1" smtClean="0">
+                <a:sym typeface="Wingdings"/>
+              </a:rPr>
+              <a:t>v</a:t>
+            </a:r>
+            <a:r>
+              <a:rPr lang="en-US" baseline="-25000" dirty="0" err="1" smtClean="0">
+                <a:sym typeface="Wingdings"/>
+              </a:rPr>
+              <a:t>e</a:t>
+            </a:r>
+            <a:r>
+              <a:rPr lang="en-US" dirty="0" smtClean="0">
+                <a:sym typeface="Wingdings"/>
+              </a:rPr>
+              <a:t> = </a:t>
+            </a:r>
+            <a:r>
+              <a:rPr lang="en-US" b="1" dirty="0" err="1" smtClean="0">
+                <a:sym typeface="Wingdings"/>
+              </a:rPr>
+              <a:t>Mv</a:t>
+            </a:r>
+            <a:r>
+              <a:rPr lang="en-US" baseline="-25000" dirty="0" err="1" smtClean="0">
+                <a:sym typeface="Wingdings"/>
+              </a:rPr>
+              <a:t>o</a:t>
+            </a:r>
+            <a:endParaRPr lang="en-US" baseline="-25000" dirty="0" smtClean="0">
+              <a:sym typeface="Wingdings"/>
+            </a:endParaRPr>
+          </a:p>
+          <a:p>
+            <a:pPr marL="457200" indent="-457200">
+              <a:buNone/>
+            </a:pPr>
+            <a:endParaRPr lang="en-US" dirty="0" smtClean="0">
+              <a:sym typeface="Wingdings"/>
+            </a:endParaRPr>
+          </a:p>
+          <a:p>
+            <a:pPr marL="457200" indent="-457200">
+              <a:buNone/>
+            </a:pPr>
+            <a:r>
+              <a:rPr lang="en-US" dirty="0" smtClean="0">
+                <a:sym typeface="Wingdings"/>
+              </a:rPr>
+              <a:t>Put the vertex into clip coordinates by multiplying it by the PROJECTION matrix P</a:t>
+            </a:r>
+          </a:p>
+          <a:p>
+            <a:pPr marL="457200" indent="-457200">
+              <a:buNone/>
+            </a:pPr>
+            <a:endParaRPr lang="en-US" dirty="0" smtClean="0">
+              <a:sym typeface="Wingdings"/>
+            </a:endParaRPr>
+          </a:p>
+          <a:p>
+            <a:pPr marL="457200" indent="-457200">
+              <a:buNone/>
+            </a:pPr>
+            <a:r>
+              <a:rPr lang="en-US" dirty="0" smtClean="0">
+                <a:sym typeface="Wingdings"/>
+              </a:rPr>
+              <a:t>	</a:t>
+            </a:r>
+            <a:r>
+              <a:rPr lang="en-US" b="1" dirty="0" err="1" smtClean="0">
+                <a:sym typeface="Wingdings"/>
+              </a:rPr>
+              <a:t>v</a:t>
+            </a:r>
+            <a:r>
+              <a:rPr lang="en-US" baseline="-25000" dirty="0" err="1" smtClean="0">
+                <a:sym typeface="Wingdings"/>
+              </a:rPr>
+              <a:t>c</a:t>
+            </a:r>
+            <a:r>
+              <a:rPr lang="en-US" dirty="0" smtClean="0">
+                <a:sym typeface="Wingdings"/>
+              </a:rPr>
+              <a:t> = </a:t>
+            </a:r>
+            <a:r>
+              <a:rPr lang="en-US" b="1" dirty="0" err="1" smtClean="0">
+                <a:sym typeface="Wingdings"/>
+              </a:rPr>
+              <a:t>Pv</a:t>
+            </a:r>
+            <a:r>
+              <a:rPr lang="en-US" baseline="-25000" dirty="0" err="1" smtClean="0">
+                <a:sym typeface="Wingdings"/>
+              </a:rPr>
+              <a:t>e</a:t>
+            </a:r>
+            <a:endParaRPr lang="en-US" baseline="-25000" dirty="0" smtClean="0">
+              <a:sym typeface="Wingdings"/>
+            </a:endParaRPr>
+          </a:p>
+          <a:p>
+            <a:pPr marL="457200" indent="-457200">
+              <a:buNone/>
+            </a:pPr>
+            <a:endParaRPr lang="en-US" dirty="0" smtClean="0">
+              <a:sym typeface="Wingdings"/>
+            </a:endParaRPr>
+          </a:p>
+          <a:p>
+            <a:pPr marL="457200" indent="-457200">
+              <a:buNone/>
+            </a:pPr>
+            <a:r>
+              <a:rPr lang="en-US" dirty="0" smtClean="0">
+                <a:sym typeface="Wingdings"/>
+              </a:rPr>
+              <a:t>Put the vertex into normalized device coordinates by dividing by the </a:t>
+            </a:r>
+            <a:r>
+              <a:rPr lang="en-US" dirty="0" err="1" smtClean="0">
+                <a:sym typeface="Wingdings"/>
+              </a:rPr>
+              <a:t>w</a:t>
+            </a:r>
+            <a:r>
+              <a:rPr lang="en-US" baseline="-25000" dirty="0" err="1" smtClean="0">
+                <a:sym typeface="Wingdings"/>
+              </a:rPr>
+              <a:t>c</a:t>
+            </a:r>
+            <a:r>
+              <a:rPr lang="en-US" dirty="0" smtClean="0">
+                <a:sym typeface="Wingdings"/>
+              </a:rPr>
+              <a:t> value of </a:t>
+            </a:r>
+            <a:r>
+              <a:rPr lang="en-US" b="1" dirty="0" err="1" smtClean="0">
+                <a:sym typeface="Wingdings"/>
+              </a:rPr>
+              <a:t>v</a:t>
+            </a:r>
+            <a:r>
+              <a:rPr lang="en-US" baseline="-25000" dirty="0" err="1" smtClean="0">
+                <a:sym typeface="Wingdings"/>
+              </a:rPr>
+              <a:t>c</a:t>
+            </a:r>
+            <a:r>
+              <a:rPr lang="en-US" dirty="0" smtClean="0">
+                <a:sym typeface="Wingdings"/>
+              </a:rPr>
+              <a:t>.</a:t>
+            </a:r>
+          </a:p>
+          <a:p>
+            <a:pPr marL="457200" indent="-457200">
+              <a:buNone/>
+            </a:pPr>
+            <a:endParaRPr lang="en-US" dirty="0" smtClean="0">
+              <a:sym typeface="Wingdings"/>
+            </a:endParaRPr>
+          </a:p>
+          <a:p>
+            <a:pPr marL="457200" indent="-457200">
+              <a:buNone/>
+            </a:pPr>
+            <a:r>
+              <a:rPr lang="en-US" dirty="0" smtClean="0">
+                <a:sym typeface="Wingdings"/>
+              </a:rPr>
+              <a:t> 	</a:t>
+            </a:r>
+            <a:r>
+              <a:rPr lang="en-US" b="1" dirty="0" err="1" smtClean="0">
+                <a:sym typeface="Wingdings"/>
+              </a:rPr>
+              <a:t>v</a:t>
+            </a:r>
+            <a:r>
+              <a:rPr lang="en-US" baseline="-25000" dirty="0" err="1" smtClean="0">
+                <a:sym typeface="Wingdings"/>
+              </a:rPr>
+              <a:t>d</a:t>
+            </a:r>
+            <a:r>
+              <a:rPr lang="en-US" dirty="0" smtClean="0">
+                <a:sym typeface="Wingdings"/>
+              </a:rPr>
+              <a:t> =  (</a:t>
+            </a:r>
+            <a:r>
+              <a:rPr lang="en-US" dirty="0" err="1" smtClean="0">
+                <a:sym typeface="Wingdings"/>
+              </a:rPr>
+              <a:t>x</a:t>
+            </a:r>
+            <a:r>
+              <a:rPr lang="en-US" baseline="-25000" dirty="0" err="1" smtClean="0">
+                <a:sym typeface="Wingdings"/>
+              </a:rPr>
+              <a:t>c</a:t>
+            </a:r>
+            <a:r>
+              <a:rPr lang="en-US" dirty="0" smtClean="0">
+                <a:sym typeface="Wingdings"/>
+              </a:rPr>
+              <a:t> / </a:t>
+            </a:r>
+            <a:r>
+              <a:rPr lang="en-US" dirty="0" err="1" smtClean="0">
+                <a:sym typeface="Wingdings"/>
+              </a:rPr>
+              <a:t>w</a:t>
+            </a:r>
+            <a:r>
+              <a:rPr lang="en-US" baseline="-25000" dirty="0" err="1" smtClean="0">
+                <a:sym typeface="Wingdings"/>
+              </a:rPr>
+              <a:t>c</a:t>
+            </a:r>
+            <a:r>
+              <a:rPr lang="en-US" dirty="0" smtClean="0">
+                <a:sym typeface="Wingdings"/>
+              </a:rPr>
+              <a:t>, </a:t>
+            </a:r>
+            <a:r>
+              <a:rPr lang="en-US" dirty="0" err="1" smtClean="0">
+                <a:sym typeface="Wingdings"/>
+              </a:rPr>
+              <a:t>y</a:t>
+            </a:r>
+            <a:r>
+              <a:rPr lang="en-US" baseline="-25000" dirty="0" err="1" smtClean="0">
+                <a:sym typeface="Wingdings"/>
+              </a:rPr>
+              <a:t>c</a:t>
+            </a:r>
+            <a:r>
+              <a:rPr lang="en-US" dirty="0" smtClean="0">
+                <a:sym typeface="Wingdings"/>
+              </a:rPr>
+              <a:t> / </a:t>
+            </a:r>
+            <a:r>
+              <a:rPr lang="en-US" dirty="0" err="1" smtClean="0">
+                <a:sym typeface="Wingdings"/>
+              </a:rPr>
+              <a:t>w</a:t>
+            </a:r>
+            <a:r>
+              <a:rPr lang="en-US" baseline="-25000" dirty="0" err="1" smtClean="0">
+                <a:sym typeface="Wingdings"/>
+              </a:rPr>
+              <a:t>c</a:t>
+            </a:r>
+            <a:r>
+              <a:rPr lang="en-US" baseline="-25000" dirty="0" smtClean="0">
+                <a:sym typeface="Wingdings"/>
+              </a:rPr>
+              <a:t>, </a:t>
+            </a:r>
+            <a:r>
+              <a:rPr lang="en-US" dirty="0" err="1" smtClean="0">
+                <a:sym typeface="Wingdings"/>
+              </a:rPr>
+              <a:t>z</a:t>
+            </a:r>
+            <a:r>
+              <a:rPr lang="en-US" baseline="-25000" dirty="0" err="1" smtClean="0">
+                <a:sym typeface="Wingdings"/>
+              </a:rPr>
+              <a:t>c</a:t>
+            </a:r>
+            <a:r>
+              <a:rPr lang="en-US" dirty="0" smtClean="0">
+                <a:sym typeface="Wingdings"/>
+              </a:rPr>
+              <a:t> / </a:t>
+            </a:r>
+            <a:r>
+              <a:rPr lang="en-US" dirty="0" err="1" smtClean="0">
+                <a:sym typeface="Wingdings"/>
+              </a:rPr>
+              <a:t>w</a:t>
+            </a:r>
+            <a:r>
+              <a:rPr lang="en-US" baseline="-25000" dirty="0" err="1" smtClean="0">
+                <a:sym typeface="Wingdings"/>
+              </a:rPr>
+              <a:t>c</a:t>
+            </a:r>
+            <a:r>
+              <a:rPr lang="en-US" dirty="0" smtClean="0">
+                <a:sym typeface="Wingdings"/>
+              </a:rPr>
+              <a:t>)</a:t>
+            </a:r>
+          </a:p>
+          <a:p>
+            <a:pPr marL="457200" indent="-457200">
+              <a:buNone/>
+            </a:pPr>
+            <a:endParaRPr lang="en-US" dirty="0" smtClean="0">
+              <a:sym typeface="Wingdings"/>
+            </a:endParaRPr>
+          </a:p>
+          <a:p>
+            <a:pPr marL="457200" indent="-457200">
+              <a:buNone/>
+            </a:pPr>
+            <a:r>
+              <a:rPr lang="en-US" dirty="0" smtClean="0">
+                <a:sym typeface="Wingdings"/>
+              </a:rPr>
+              <a:t>Put the vertex into screen space by scaling </a:t>
+            </a:r>
+            <a:r>
+              <a:rPr lang="en-US" dirty="0" err="1" smtClean="0">
+                <a:sym typeface="Wingdings"/>
+              </a:rPr>
+              <a:t>x</a:t>
+            </a:r>
+            <a:r>
+              <a:rPr lang="en-US" baseline="-25000" dirty="0" err="1" smtClean="0">
+                <a:sym typeface="Wingdings"/>
+              </a:rPr>
+              <a:t>c</a:t>
+            </a:r>
+            <a:r>
+              <a:rPr lang="en-US" dirty="0" smtClean="0">
+                <a:sym typeface="Wingdings"/>
+              </a:rPr>
+              <a:t> and </a:t>
+            </a:r>
+            <a:r>
+              <a:rPr lang="en-US" dirty="0" err="1" smtClean="0">
+                <a:sym typeface="Wingdings"/>
+              </a:rPr>
+              <a:t>y</a:t>
+            </a:r>
+            <a:r>
+              <a:rPr lang="en-US" baseline="-25000" dirty="0" err="1" smtClean="0">
+                <a:sym typeface="Wingdings"/>
+              </a:rPr>
+              <a:t>c</a:t>
+            </a:r>
+            <a:r>
+              <a:rPr lang="en-US" dirty="0" smtClean="0">
+                <a:sym typeface="Wingdings"/>
+              </a:rPr>
+              <a:t> by the width and height of the screen. </a:t>
+            </a:r>
+          </a:p>
+          <a:p>
+            <a:pPr marL="457200" indent="-457200">
+              <a:buNone/>
+            </a:pPr>
+            <a:r>
+              <a:rPr lang="en-US" dirty="0" smtClean="0"/>
+              <a:t>	</a:t>
+            </a:r>
           </a:p>
         </p:txBody>
       </p:sp>
@@ -6555,7 +8197,7 @@
 </p:sld>
 </file>
 
-<file path=ppt/slides/slide24.xml><?xml version="1.0" encoding="utf-8"?>
+<file path=ppt/slides/slide3.xml><?xml version="1.0" encoding="utf-8"?>
 <p:sld xmlns:a="http://schemas.openxmlformats.org/drawingml/2006/main" xmlns:r="http://schemas.openxmlformats.org/officeDocument/2006/relationships" xmlns:mc="http://schemas.openxmlformats.org/markup-compatibility/2006" xmlns:mv="urn:schemas-microsoft-com:mac:vml" xmlns:p="http://schemas.openxmlformats.org/presentationml/2006/main" mc:Ignorable="mv" mc:PreserveAttributes="mv:*">
   <p:cSld>
     <p:spTree>
@@ -6584,12 +8226,14 @@
         </p:nvSpPr>
         <p:spPr/>
         <p:txBody>
-          <a:bodyPr/>
+          <a:bodyPr>
+            <a:normAutofit/>
+          </a:bodyPr>
           <a:lstStyle/>
           <a:p>
             <a:r>
               <a:rPr lang="en-US" dirty="0" smtClean="0"/>
-              <a:t>Projection Matrix 3</a:t>
+              <a:t>OpenGL – Coordinate systems</a:t>
             </a:r>
             <a:endParaRPr lang="en-US" dirty="0"/>
           </a:p>
@@ -6607,7 +8251,9 @@
         </p:nvSpPr>
         <p:spPr/>
         <p:txBody>
-          <a:bodyPr/>
+          <a:bodyPr>
+            <a:normAutofit fontScale="92500" lnSpcReduction="20000"/>
+          </a:bodyPr>
           <a:lstStyle/>
           <a:p>
             <a:pPr>
@@ -6615,7 +8261,7 @@
             </a:pPr>
             <a:r>
               <a:rPr lang="en-US" dirty="0" smtClean="0"/>
-              <a:t>The actual Projection Matrix looks likes this:</a:t>
+              <a:t>The Object or Local coordinate system is defined in terms of the Geometry itself. The origin is usually the center or the lower-left of the object.</a:t>
             </a:r>
           </a:p>
           <a:p>
@@ -6630,281 +8276,140 @@
             </a:pPr>
             <a:r>
               <a:rPr lang="en-US" dirty="0" smtClean="0"/>
-              <a:t>( 2n / (</a:t>
+              <a:t>The Model or World coordinate system defines the </a:t>
             </a:r>
             <a:r>
               <a:rPr lang="en-US" dirty="0" err="1" smtClean="0"/>
-              <a:t>r</a:t>
-            </a:r>
-            <a:r>
-              <a:rPr lang="en-US" dirty="0" smtClean="0"/>
-              <a:t> – </a:t>
+              <a:t>x</a:t>
+            </a:r>
+            <a:r>
+              <a:rPr lang="en-US" dirty="0" smtClean="0"/>
+              <a:t>, </a:t>
             </a:r>
             <a:r>
               <a:rPr lang="en-US" dirty="0" err="1" smtClean="0"/>
-              <a:t>l</a:t>
-            </a:r>
-            <a:r>
-              <a:rPr lang="en-US" dirty="0" smtClean="0"/>
-              <a:t>) , 0 , -( (</a:t>
+              <a:t>y</a:t>
+            </a:r>
+            <a:r>
+              <a:rPr lang="en-US" dirty="0" smtClean="0"/>
+              <a:t>, and </a:t>
             </a:r>
             <a:r>
               <a:rPr lang="en-US" dirty="0" err="1" smtClean="0"/>
-              <a:t>r</a:t>
-            </a:r>
-            <a:r>
-              <a:rPr lang="en-US" dirty="0" smtClean="0"/>
-              <a:t> + </a:t>
+              <a:t>z</a:t>
+            </a:r>
+            <a:r>
+              <a:rPr lang="en-US" dirty="0" smtClean="0"/>
+              <a:t> axes which serve as a basis for the 3D space. Where is the origin? Which way is up?</a:t>
+            </a:r>
+          </a:p>
+          <a:p>
+            <a:pPr>
+              <a:buNone/>
+            </a:pPr>
+            <a:endParaRPr lang="en-US" dirty="0" smtClean="0"/>
+          </a:p>
+          <a:p>
+            <a:pPr>
+              <a:buNone/>
+            </a:pPr>
+            <a:r>
+              <a:rPr lang="en-US" dirty="0" smtClean="0"/>
+              <a:t>The Eye, Camera, or View coordinate system defines another set of </a:t>
             </a:r>
             <a:r>
               <a:rPr lang="en-US" dirty="0" err="1" smtClean="0"/>
-              <a:t>l</a:t>
-            </a:r>
-            <a:r>
-              <a:rPr lang="en-US" dirty="0" smtClean="0"/>
-              <a:t>) / (</a:t>
+              <a:t>x</a:t>
+            </a:r>
+            <a:r>
+              <a:rPr lang="en-US" dirty="0" smtClean="0"/>
+              <a:t>, </a:t>
             </a:r>
             <a:r>
               <a:rPr lang="en-US" dirty="0" err="1" smtClean="0"/>
-              <a:t>r</a:t>
-            </a:r>
-            <a:r>
-              <a:rPr lang="en-US" dirty="0" smtClean="0"/>
-              <a:t> - </a:t>
+              <a:t>y</a:t>
+            </a:r>
+            <a:r>
+              <a:rPr lang="en-US" dirty="0" smtClean="0"/>
+              <a:t>, and </a:t>
             </a:r>
             <a:r>
               <a:rPr lang="en-US" dirty="0" err="1" smtClean="0"/>
-              <a:t>l</a:t>
-            </a:r>
-            <a:r>
-              <a:rPr lang="en-US" dirty="0" smtClean="0"/>
-              <a:t>) ), 0 )</a:t>
-            </a:r>
-          </a:p>
-          <a:p>
-            <a:pPr>
-              <a:buNone/>
-            </a:pPr>
-            <a:r>
-              <a:rPr lang="en-US" dirty="0" smtClean="0"/>
-              <a:t>( 0                  2n / ( </a:t>
+              <a:t>z</a:t>
+            </a:r>
+            <a:r>
+              <a:rPr lang="en-US" dirty="0" smtClean="0"/>
+              <a:t> axes which server as a different basis for the 3D space. The camera is always positioned at the origin of this coordinate system.</a:t>
+            </a:r>
+          </a:p>
+          <a:p>
+            <a:pPr>
+              <a:buNone/>
+            </a:pPr>
+            <a:endParaRPr lang="en-US" dirty="0" smtClean="0"/>
+          </a:p>
+          <a:p>
+            <a:pPr>
+              <a:buNone/>
+            </a:pPr>
+            <a:r>
+              <a:rPr lang="en-US" dirty="0" smtClean="0"/>
+              <a:t>The Clip coordinate system describes the bounded view of the visible by the camera in terms of both the “lens” of the camera, its “depth of focus”, and the aspect ratio of the screen bounds.</a:t>
+            </a:r>
+          </a:p>
+          <a:p>
+            <a:pPr>
+              <a:buNone/>
+            </a:pPr>
+            <a:endParaRPr lang="en-US" dirty="0" smtClean="0"/>
+          </a:p>
+          <a:p>
+            <a:pPr>
+              <a:buNone/>
+            </a:pPr>
+            <a:r>
+              <a:rPr lang="en-US" dirty="0" smtClean="0"/>
+              <a:t>The  Normalized Device coordinates is the same view normalized from -1 to +1 along each axis.</a:t>
+            </a:r>
+          </a:p>
+          <a:p>
+            <a:pPr>
+              <a:buNone/>
+            </a:pPr>
+            <a:endParaRPr lang="en-US" dirty="0" smtClean="0"/>
+          </a:p>
+          <a:p>
+            <a:pPr>
+              <a:buNone/>
+            </a:pPr>
+            <a:r>
+              <a:rPr lang="en-US" dirty="0" smtClean="0"/>
+              <a:t>The Window coordinates are these </a:t>
             </a:r>
             <a:r>
               <a:rPr lang="en-US" dirty="0" err="1" smtClean="0"/>
-              <a:t>t</a:t>
-            </a:r>
-            <a:r>
-              <a:rPr lang="en-US" dirty="0" smtClean="0"/>
-              <a:t> - </a:t>
+              <a:t>x</a:t>
+            </a:r>
+            <a:r>
+              <a:rPr lang="en-US" dirty="0" smtClean="0"/>
+              <a:t> and </a:t>
             </a:r>
             <a:r>
               <a:rPr lang="en-US" dirty="0" err="1" smtClean="0"/>
-              <a:t>b</a:t>
-            </a:r>
-            <a:r>
-              <a:rPr lang="en-US" dirty="0" smtClean="0"/>
-              <a:t>) , (</a:t>
+              <a:t>y</a:t>
+            </a:r>
+            <a:r>
+              <a:rPr lang="en-US" dirty="0" smtClean="0"/>
+              <a:t> coordinates positioned within the screen bounds. The </a:t>
             </a:r>
             <a:r>
               <a:rPr lang="en-US" dirty="0" err="1" smtClean="0"/>
-              <a:t>t</a:t>
-            </a:r>
-            <a:r>
-              <a:rPr lang="en-US" dirty="0" smtClean="0"/>
-              <a:t> + </a:t>
-            </a:r>
-            <a:r>
-              <a:rPr lang="en-US" dirty="0" err="1" smtClean="0"/>
-              <a:t>b</a:t>
-            </a:r>
-            <a:r>
-              <a:rPr lang="en-US" dirty="0" smtClean="0"/>
-              <a:t>) / (</a:t>
-            </a:r>
-            <a:r>
-              <a:rPr lang="en-US" dirty="0" err="1" smtClean="0"/>
-              <a:t>t</a:t>
-            </a:r>
-            <a:r>
-              <a:rPr lang="en-US" dirty="0" smtClean="0"/>
-              <a:t> - </a:t>
-            </a:r>
-            <a:r>
-              <a:rPr lang="en-US" dirty="0" err="1" smtClean="0"/>
-              <a:t>b</a:t>
-            </a:r>
-            <a:r>
-              <a:rPr lang="en-US" dirty="0" smtClean="0"/>
-              <a:t>) , 0 )</a:t>
-            </a:r>
-          </a:p>
-          <a:p>
-            <a:pPr>
-              <a:buNone/>
-            </a:pPr>
-            <a:r>
-              <a:rPr lang="en-US" dirty="0" smtClean="0"/>
-              <a:t>( 0                  0 ,                   (</a:t>
-            </a:r>
-            <a:r>
-              <a:rPr lang="en-US" dirty="0" err="1" smtClean="0"/>
-              <a:t>f</a:t>
-            </a:r>
-            <a:r>
-              <a:rPr lang="en-US" dirty="0" smtClean="0"/>
-              <a:t> + </a:t>
-            </a:r>
-            <a:r>
-              <a:rPr lang="en-US" dirty="0" err="1" smtClean="0"/>
-              <a:t>n</a:t>
-            </a:r>
-            <a:r>
-              <a:rPr lang="en-US" dirty="0" smtClean="0"/>
-              <a:t>) / (</a:t>
-            </a:r>
-            <a:r>
-              <a:rPr lang="en-US" dirty="0" err="1" smtClean="0"/>
-              <a:t>f</a:t>
-            </a:r>
-            <a:r>
-              <a:rPr lang="en-US" dirty="0" smtClean="0"/>
-              <a:t> - </a:t>
-            </a:r>
-            <a:r>
-              <a:rPr lang="en-US" dirty="0" err="1" smtClean="0"/>
-              <a:t>n</a:t>
-            </a:r>
-            <a:r>
-              <a:rPr lang="en-US" dirty="0" smtClean="0"/>
-              <a:t>) , - ( (2fn) / ( </a:t>
-            </a:r>
-            <a:r>
-              <a:rPr lang="en-US" dirty="0" err="1" smtClean="0"/>
-              <a:t>f</a:t>
-            </a:r>
-            <a:r>
-              <a:rPr lang="en-US" dirty="0" smtClean="0"/>
-              <a:t> - </a:t>
-            </a:r>
-            <a:r>
-              <a:rPr lang="en-US" dirty="0" err="1" smtClean="0"/>
-              <a:t>n</a:t>
-            </a:r>
-            <a:r>
-              <a:rPr lang="en-US" dirty="0" smtClean="0"/>
-              <a:t>) ) )</a:t>
-            </a:r>
-          </a:p>
-          <a:p>
-            <a:pPr>
-              <a:buNone/>
-            </a:pPr>
-            <a:r>
-              <a:rPr lang="en-US" dirty="0" smtClean="0"/>
-              <a:t>( 0                  0 ,                   1,                       0 )</a:t>
-            </a:r>
-          </a:p>
-          <a:p>
-            <a:pPr>
-              <a:buNone/>
-            </a:pPr>
-            <a:endParaRPr lang="en-US" dirty="0" smtClean="0"/>
-          </a:p>
-          <a:p>
-            <a:pPr>
-              <a:buNone/>
-            </a:pPr>
-            <a:r>
-              <a:rPr lang="en-US" dirty="0" smtClean="0"/>
-              <a:t>Where </a:t>
-            </a:r>
-            <a:r>
-              <a:rPr lang="en-US" dirty="0" err="1" smtClean="0"/>
-              <a:t>n</a:t>
-            </a:r>
-            <a:r>
-              <a:rPr lang="en-US" dirty="0" smtClean="0"/>
-              <a:t> and </a:t>
-            </a:r>
-            <a:r>
-              <a:rPr lang="en-US" dirty="0" err="1" smtClean="0"/>
-              <a:t>f</a:t>
-            </a:r>
-            <a:r>
-              <a:rPr lang="en-US" dirty="0" smtClean="0"/>
-              <a:t> are the near and far planes, </a:t>
-            </a:r>
-          </a:p>
-          <a:p>
-            <a:pPr>
-              <a:buNone/>
-            </a:pPr>
-            <a:r>
-              <a:rPr lang="en-US" dirty="0" smtClean="0"/>
-              <a:t>T and </a:t>
-            </a:r>
-            <a:r>
-              <a:rPr lang="en-US" dirty="0" err="1" smtClean="0"/>
-              <a:t>b</a:t>
-            </a:r>
-            <a:r>
-              <a:rPr lang="en-US" dirty="0" smtClean="0"/>
-              <a:t> are defined by the </a:t>
-            </a:r>
-            <a:r>
-              <a:rPr lang="en-US" dirty="0" err="1" smtClean="0"/>
-              <a:t>fovy</a:t>
-            </a:r>
-            <a:r>
-              <a:rPr lang="en-US" dirty="0" smtClean="0"/>
-              <a:t> via the following formula</a:t>
-            </a:r>
-          </a:p>
-          <a:p>
-            <a:pPr>
-              <a:buNone/>
-            </a:pPr>
-            <a:r>
-              <a:rPr lang="en-US" dirty="0" smtClean="0"/>
-              <a:t>And </a:t>
-            </a:r>
-            <a:r>
-              <a:rPr lang="en-US" dirty="0" err="1" smtClean="0"/>
-              <a:t>l</a:t>
-            </a:r>
-            <a:r>
-              <a:rPr lang="en-US" dirty="0" smtClean="0"/>
-              <a:t> and </a:t>
-            </a:r>
-            <a:r>
-              <a:rPr lang="en-US" dirty="0" err="1" smtClean="0"/>
-              <a:t>r</a:t>
-            </a:r>
-            <a:r>
-              <a:rPr lang="en-US" dirty="0" smtClean="0"/>
-              <a:t> are further defined by the aspect ratio by the following formula</a:t>
-            </a:r>
-          </a:p>
-          <a:p>
-            <a:pPr>
-              <a:buNone/>
-            </a:pPr>
-            <a:endParaRPr lang="en-US" dirty="0" smtClean="0"/>
-          </a:p>
-          <a:p>
-            <a:pPr>
-              <a:buNone/>
-            </a:pPr>
-            <a:r>
-              <a:rPr lang="en-US" dirty="0" smtClean="0"/>
-              <a:t> </a:t>
-            </a:r>
-          </a:p>
-          <a:p>
-            <a:pPr>
-              <a:buNone/>
-            </a:pPr>
-            <a:endParaRPr lang="en-US" dirty="0" smtClean="0"/>
+              <a:t>z</a:t>
+            </a:r>
+            <a:r>
+              <a:rPr lang="en-US" dirty="0" smtClean="0"/>
+              <a:t> is used for depth-testing and is bound between 0 and 1. </a:t>
+            </a:r>
           </a:p>
           <a:p>
             <a:pPr>
@@ -6926,7 +8431,7 @@
 </p:sld>
 </file>
 
-<file path=ppt/slides/slide25.xml><?xml version="1.0" encoding="utf-8"?>
+<file path=ppt/slides/slide30.xml><?xml version="1.0" encoding="utf-8"?>
 <p:sld xmlns:a="http://schemas.openxmlformats.org/drawingml/2006/main" xmlns:r="http://schemas.openxmlformats.org/officeDocument/2006/relationships" xmlns:mc="http://schemas.openxmlformats.org/markup-compatibility/2006" xmlns:mv="urn:schemas-microsoft-com:mac:vml" xmlns:p="http://schemas.openxmlformats.org/presentationml/2006/main" mc:Ignorable="mv" mc:PreserveAttributes="mv:*">
   <p:cSld>
     <p:spTree>
@@ -6955,12 +8460,14 @@
         </p:nvSpPr>
         <p:spPr/>
         <p:txBody>
-          <a:bodyPr/>
+          <a:bodyPr>
+            <a:normAutofit/>
+          </a:bodyPr>
           <a:lstStyle/>
           <a:p>
             <a:r>
               <a:rPr lang="en-US" dirty="0" smtClean="0"/>
-              <a:t>Homogeneous coordinates</a:t>
+              <a:t>Example: Transforming a vertex</a:t>
             </a:r>
             <a:endParaRPr lang="en-US" dirty="0"/>
           </a:p>
@@ -6978,7 +8485,9 @@
         </p:nvSpPr>
         <p:spPr/>
         <p:txBody>
-          <a:bodyPr/>
+          <a:bodyPr>
+            <a:normAutofit fontScale="47500" lnSpcReduction="20000"/>
+          </a:bodyPr>
           <a:lstStyle/>
           <a:p>
             <a:pPr>
@@ -6986,7 +8495,23 @@
             </a:pPr>
             <a:r>
               <a:rPr lang="en-US" dirty="0" smtClean="0"/>
-              <a:t>Homogeneous coordinates are ubiquitous in computer graphics because they solve the problem of representing a translation and projection as a matrix operation.</a:t>
+              <a:t>Let’s say we have a point at (2,-2,0) and a camera pointing to the origin of the world positioned at (0,0,-10) with a </a:t>
+            </a:r>
+            <a:r>
+              <a:rPr lang="en-US" dirty="0" err="1" smtClean="0"/>
+              <a:t>fov</a:t>
+            </a:r>
+            <a:r>
+              <a:rPr lang="en-US" dirty="0" smtClean="0"/>
+              <a:t> of 45, a screen </a:t>
+            </a:r>
+            <a:r>
+              <a:rPr lang="en-US" dirty="0" err="1" smtClean="0"/>
+              <a:t>w/h</a:t>
+            </a:r>
+            <a:r>
+              <a:rPr lang="en-US" dirty="0" smtClean="0"/>
+              <a:t> of 600/400, and a defined near and far point at .001 and 1000 respectively. Where on the screen will the point end up?</a:t>
             </a:r>
           </a:p>
           <a:p>
@@ -6999,13 +8524,629 @@
             <a:pPr>
               <a:buNone/>
             </a:pPr>
+            <a:r>
+              <a:rPr lang="en-US" dirty="0" smtClean="0"/>
+              <a:t>V</a:t>
+            </a:r>
+            <a:r>
+              <a:rPr lang="en-US" baseline="-25000" dirty="0" smtClean="0"/>
+              <a:t>o </a:t>
+            </a:r>
+            <a:r>
+              <a:rPr lang="en-US" dirty="0" smtClean="0"/>
+              <a:t>= (2,2,0,1)</a:t>
+            </a:r>
+          </a:p>
+          <a:p>
+            <a:pPr>
+              <a:buNone/>
+            </a:pPr>
+            <a:r>
+              <a:rPr lang="en-US" dirty="0" smtClean="0"/>
+              <a:t>M = </a:t>
+            </a:r>
+          </a:p>
+          <a:p>
+            <a:pPr>
+              <a:buNone/>
+            </a:pPr>
+            <a:r>
+              <a:rPr lang="en-US" dirty="0" smtClean="0"/>
+              <a:t>	(1, 0, 0, 0) </a:t>
+            </a:r>
+          </a:p>
+          <a:p>
+            <a:pPr>
+              <a:buNone/>
+            </a:pPr>
+            <a:r>
+              <a:rPr lang="en-US" dirty="0" smtClean="0"/>
+              <a:t>	(0, 1, 0, 0)</a:t>
+            </a:r>
+          </a:p>
+          <a:p>
+            <a:pPr>
+              <a:buNone/>
+            </a:pPr>
+            <a:r>
+              <a:rPr lang="en-US" dirty="0" smtClean="0"/>
+              <a:t>	(0, 0, 1, -5)</a:t>
+            </a:r>
+          </a:p>
+          <a:p>
+            <a:pPr>
+              <a:buNone/>
+            </a:pPr>
+            <a:r>
+              <a:rPr lang="en-US" dirty="0" smtClean="0"/>
+              <a:t>	(0, 0, 0, 1)</a:t>
+            </a:r>
+          </a:p>
+          <a:p>
+            <a:pPr>
+              <a:buNone/>
+            </a:pPr>
+            <a:r>
+              <a:rPr lang="en-US" dirty="0" smtClean="0"/>
+              <a:t>P = </a:t>
+            </a:r>
+          </a:p>
+          <a:p>
+            <a:pPr>
+              <a:buNone/>
+            </a:pPr>
+            <a:r>
+              <a:rPr lang="en-US" dirty="0" smtClean="0"/>
+              <a:t>	(1.6095, 0, 0 ,0)</a:t>
+            </a:r>
+          </a:p>
+          <a:p>
+            <a:pPr>
+              <a:buNone/>
+            </a:pPr>
+            <a:r>
+              <a:rPr lang="en-US" dirty="0" smtClean="0"/>
+              <a:t>	(0, 2.4142, 0, 0)</a:t>
+            </a:r>
+          </a:p>
+          <a:p>
+            <a:pPr>
+              <a:buNone/>
+            </a:pPr>
+            <a:r>
+              <a:rPr lang="en-US" dirty="0" smtClean="0"/>
+              <a:t>	(0, 0, -1.00002, -0.002)</a:t>
+            </a:r>
+          </a:p>
+          <a:p>
+            <a:pPr>
+              <a:buNone/>
+            </a:pPr>
+            <a:r>
+              <a:rPr lang="en-US" dirty="0" smtClean="0"/>
+              <a:t>	(0, 0, -1, 0)</a:t>
+            </a:r>
+          </a:p>
+          <a:p>
+            <a:pPr>
+              <a:buNone/>
+            </a:pPr>
             <a:endParaRPr lang="en-US" dirty="0" smtClean="0"/>
           </a:p>
           <a:p>
             <a:pPr>
               <a:buNone/>
             </a:pPr>
-            <a:endParaRPr lang="en-US" dirty="0"/>
+            <a:r>
+              <a:rPr lang="en-US" dirty="0" smtClean="0"/>
+              <a:t>	</a:t>
+            </a:r>
+          </a:p>
+          <a:p>
+            <a:pPr>
+              <a:buNone/>
+            </a:pPr>
+            <a:r>
+              <a:rPr lang="en-US" dirty="0" smtClean="0"/>
+              <a:t>	</a:t>
+            </a:r>
+          </a:p>
+          <a:p>
+            <a:pPr>
+              <a:buNone/>
+            </a:pPr>
+            <a:r>
+              <a:rPr lang="en-US" dirty="0" smtClean="0"/>
+              <a:t>Given a vertex V</a:t>
+            </a:r>
+            <a:r>
+              <a:rPr lang="en-US" baseline="-25000" dirty="0" smtClean="0"/>
+              <a:t>o</a:t>
+            </a:r>
+            <a:r>
+              <a:rPr lang="en-US" dirty="0" smtClean="0"/>
+              <a:t> in object coordinates (</a:t>
+            </a:r>
+            <a:r>
+              <a:rPr lang="en-US" dirty="0" err="1" smtClean="0"/>
+              <a:t>x</a:t>
+            </a:r>
+            <a:r>
+              <a:rPr lang="en-US" baseline="-25000" dirty="0" err="1" smtClean="0">
+                <a:sym typeface="Wingdings"/>
+              </a:rPr>
+              <a:t>o</a:t>
+            </a:r>
+            <a:r>
+              <a:rPr lang="en-US" dirty="0" err="1" smtClean="0"/>
+              <a:t>,y</a:t>
+            </a:r>
+            <a:r>
+              <a:rPr lang="en-US" baseline="-25000" dirty="0" err="1" smtClean="0">
+                <a:sym typeface="Wingdings"/>
+              </a:rPr>
+              <a:t>o</a:t>
+            </a:r>
+            <a:r>
+              <a:rPr lang="en-US" dirty="0" err="1" smtClean="0"/>
+              <a:t>,z</a:t>
+            </a:r>
+            <a:r>
+              <a:rPr lang="en-US" baseline="-25000" dirty="0" err="1" smtClean="0">
+                <a:sym typeface="Wingdings"/>
+              </a:rPr>
+              <a:t>o</a:t>
+            </a:r>
+            <a:r>
+              <a:rPr lang="en-US" dirty="0" err="1" smtClean="0"/>
+              <a:t>,w</a:t>
+            </a:r>
+            <a:r>
+              <a:rPr lang="en-US" baseline="-25000" dirty="0" err="1" smtClean="0">
+                <a:sym typeface="Wingdings"/>
+              </a:rPr>
+              <a:t>o</a:t>
+            </a:r>
+            <a:r>
+              <a:rPr lang="en-US" dirty="0" smtClean="0">
+                <a:sym typeface="Wingdings"/>
+              </a:rPr>
+              <a:t>), where </a:t>
+            </a:r>
+            <a:r>
+              <a:rPr lang="en-US" dirty="0" err="1" smtClean="0"/>
+              <a:t>w</a:t>
+            </a:r>
+            <a:r>
+              <a:rPr lang="en-US" baseline="-25000" dirty="0" err="1" smtClean="0">
+                <a:sym typeface="Wingdings"/>
+              </a:rPr>
+              <a:t>o</a:t>
+            </a:r>
+            <a:r>
+              <a:rPr lang="en-US" baseline="-25000" dirty="0" smtClean="0">
+                <a:sym typeface="Wingdings"/>
+              </a:rPr>
+              <a:t> </a:t>
+            </a:r>
+            <a:r>
+              <a:rPr lang="en-US" dirty="0" smtClean="0">
+                <a:sym typeface="Wingdings"/>
+              </a:rPr>
+              <a:t>is always 1. </a:t>
+            </a:r>
+            <a:endParaRPr lang="en-US" dirty="0" smtClean="0"/>
+          </a:p>
+          <a:p>
+            <a:pPr>
+              <a:buNone/>
+            </a:pPr>
+            <a:endParaRPr lang="en-US" dirty="0" smtClean="0"/>
+          </a:p>
+          <a:p>
+            <a:pPr marL="457200" indent="-457200">
+              <a:buNone/>
+            </a:pPr>
+            <a:r>
+              <a:rPr lang="en-US" dirty="0" smtClean="0"/>
+              <a:t>Put the object point into eye coordinates by multiplying it by the MODELVIEW matrix M (which concatenates the transformation from object coordinates </a:t>
+            </a:r>
+            <a:r>
+              <a:rPr lang="en-US" dirty="0" err="1" smtClean="0">
+                <a:sym typeface="Wingdings"/>
+              </a:rPr>
+              <a:t></a:t>
+            </a:r>
+            <a:r>
+              <a:rPr lang="en-US" dirty="0" smtClean="0">
+                <a:sym typeface="Wingdings"/>
+              </a:rPr>
+              <a:t> world coordinates </a:t>
+            </a:r>
+            <a:r>
+              <a:rPr lang="en-US" dirty="0" err="1" smtClean="0">
+                <a:sym typeface="Wingdings"/>
+              </a:rPr>
+              <a:t></a:t>
+            </a:r>
+            <a:r>
+              <a:rPr lang="en-US" dirty="0" smtClean="0">
+                <a:sym typeface="Wingdings"/>
+              </a:rPr>
+              <a:t> eye coordinates)…</a:t>
+            </a:r>
+          </a:p>
+          <a:p>
+            <a:pPr marL="457200" indent="-457200">
+              <a:buNone/>
+            </a:pPr>
+            <a:endParaRPr lang="en-US" dirty="0" smtClean="0">
+              <a:sym typeface="Wingdings"/>
+            </a:endParaRPr>
+          </a:p>
+          <a:p>
+            <a:pPr marL="457200" indent="-457200">
+              <a:buNone/>
+            </a:pPr>
+            <a:r>
+              <a:rPr lang="en-US" dirty="0" smtClean="0">
+                <a:sym typeface="Wingdings"/>
+              </a:rPr>
+              <a:t>	</a:t>
+            </a:r>
+            <a:r>
+              <a:rPr lang="en-US" dirty="0" err="1" smtClean="0">
+                <a:sym typeface="Wingdings"/>
+              </a:rPr>
+              <a:t>V</a:t>
+            </a:r>
+            <a:r>
+              <a:rPr lang="en-US" baseline="-25000" dirty="0" err="1" smtClean="0">
+                <a:sym typeface="Wingdings"/>
+              </a:rPr>
+              <a:t>e</a:t>
+            </a:r>
+            <a:r>
+              <a:rPr lang="en-US" dirty="0" smtClean="0">
+                <a:sym typeface="Wingdings"/>
+              </a:rPr>
+              <a:t> = M * V</a:t>
+            </a:r>
+            <a:r>
+              <a:rPr lang="en-US" baseline="-25000" dirty="0" smtClean="0">
+                <a:sym typeface="Wingdings"/>
+              </a:rPr>
+              <a:t>o</a:t>
+            </a:r>
+          </a:p>
+          <a:p>
+            <a:pPr marL="457200" indent="-457200">
+              <a:buNone/>
+            </a:pPr>
+            <a:endParaRPr lang="en-US" dirty="0" smtClean="0">
+              <a:sym typeface="Wingdings"/>
+            </a:endParaRPr>
+          </a:p>
+          <a:p>
+            <a:pPr marL="457200" indent="-457200">
+              <a:buNone/>
+            </a:pPr>
+            <a:r>
+              <a:rPr lang="en-US" dirty="0" smtClean="0">
+                <a:sym typeface="Wingdings"/>
+              </a:rPr>
+              <a:t>Put the vertex into clip coordinates by multiplying it by the PROJECTION matrix P</a:t>
+            </a:r>
+          </a:p>
+          <a:p>
+            <a:pPr marL="457200" indent="-457200">
+              <a:buNone/>
+            </a:pPr>
+            <a:endParaRPr lang="en-US" dirty="0" smtClean="0">
+              <a:sym typeface="Wingdings"/>
+            </a:endParaRPr>
+          </a:p>
+          <a:p>
+            <a:pPr marL="457200" indent="-457200">
+              <a:buNone/>
+            </a:pPr>
+            <a:r>
+              <a:rPr lang="en-US" dirty="0" smtClean="0">
+                <a:sym typeface="Wingdings"/>
+              </a:rPr>
+              <a:t>	</a:t>
+            </a:r>
+            <a:r>
+              <a:rPr lang="en-US" dirty="0" err="1" smtClean="0">
+                <a:sym typeface="Wingdings"/>
+              </a:rPr>
+              <a:t>V</a:t>
+            </a:r>
+            <a:r>
+              <a:rPr lang="en-US" baseline="-25000" dirty="0" err="1" smtClean="0">
+                <a:sym typeface="Wingdings"/>
+              </a:rPr>
+              <a:t>c</a:t>
+            </a:r>
+            <a:r>
+              <a:rPr lang="en-US" dirty="0" smtClean="0">
+                <a:sym typeface="Wingdings"/>
+              </a:rPr>
+              <a:t> = P * </a:t>
+            </a:r>
+            <a:r>
+              <a:rPr lang="en-US" dirty="0" err="1" smtClean="0">
+                <a:sym typeface="Wingdings"/>
+              </a:rPr>
+              <a:t>V</a:t>
+            </a:r>
+            <a:r>
+              <a:rPr lang="en-US" baseline="-25000" dirty="0" err="1" smtClean="0">
+                <a:sym typeface="Wingdings"/>
+              </a:rPr>
+              <a:t>e</a:t>
+            </a:r>
+            <a:endParaRPr lang="en-US" baseline="-25000" dirty="0" smtClean="0">
+              <a:sym typeface="Wingdings"/>
+            </a:endParaRPr>
+          </a:p>
+          <a:p>
+            <a:pPr marL="457200" indent="-457200">
+              <a:buNone/>
+            </a:pPr>
+            <a:endParaRPr lang="en-US" dirty="0" smtClean="0">
+              <a:sym typeface="Wingdings"/>
+            </a:endParaRPr>
+          </a:p>
+          <a:p>
+            <a:pPr marL="457200" indent="-457200">
+              <a:buNone/>
+            </a:pPr>
+            <a:r>
+              <a:rPr lang="en-US" dirty="0" smtClean="0">
+                <a:sym typeface="Wingdings"/>
+              </a:rPr>
+              <a:t>Put the vertex into normalized device coordinates by dividing by the </a:t>
+            </a:r>
+            <a:r>
+              <a:rPr lang="en-US" dirty="0" err="1" smtClean="0">
+                <a:sym typeface="Wingdings"/>
+              </a:rPr>
+              <a:t>w</a:t>
+            </a:r>
+            <a:r>
+              <a:rPr lang="en-US" baseline="-25000" dirty="0" err="1" smtClean="0">
+                <a:sym typeface="Wingdings"/>
+              </a:rPr>
+              <a:t>c</a:t>
+            </a:r>
+            <a:r>
+              <a:rPr lang="en-US" dirty="0" smtClean="0">
+                <a:sym typeface="Wingdings"/>
+              </a:rPr>
+              <a:t> value of </a:t>
+            </a:r>
+            <a:r>
+              <a:rPr lang="en-US" dirty="0" err="1" smtClean="0">
+                <a:sym typeface="Wingdings"/>
+              </a:rPr>
+              <a:t>V</a:t>
+            </a:r>
+            <a:r>
+              <a:rPr lang="en-US" baseline="-25000" dirty="0" err="1" smtClean="0">
+                <a:sym typeface="Wingdings"/>
+              </a:rPr>
+              <a:t>c</a:t>
+            </a:r>
+            <a:r>
+              <a:rPr lang="en-US" dirty="0" smtClean="0">
+                <a:sym typeface="Wingdings"/>
+              </a:rPr>
+              <a:t>.</a:t>
+            </a:r>
+          </a:p>
+          <a:p>
+            <a:pPr marL="457200" indent="-457200">
+              <a:buNone/>
+            </a:pPr>
+            <a:endParaRPr lang="en-US" dirty="0" smtClean="0">
+              <a:sym typeface="Wingdings"/>
+            </a:endParaRPr>
+          </a:p>
+          <a:p>
+            <a:pPr marL="457200" indent="-457200">
+              <a:buNone/>
+            </a:pPr>
+            <a:r>
+              <a:rPr lang="en-US" dirty="0" smtClean="0">
+                <a:sym typeface="Wingdings"/>
+              </a:rPr>
+              <a:t> 	</a:t>
+            </a:r>
+            <a:r>
+              <a:rPr lang="en-US" dirty="0" err="1" smtClean="0">
+                <a:sym typeface="Wingdings"/>
+              </a:rPr>
+              <a:t>Vd</a:t>
+            </a:r>
+            <a:r>
+              <a:rPr lang="en-US" dirty="0" smtClean="0">
+                <a:sym typeface="Wingdings"/>
+              </a:rPr>
+              <a:t> =  (</a:t>
+            </a:r>
+            <a:r>
+              <a:rPr lang="en-US" dirty="0" err="1" smtClean="0">
+                <a:sym typeface="Wingdings"/>
+              </a:rPr>
+              <a:t>x</a:t>
+            </a:r>
+            <a:r>
+              <a:rPr lang="en-US" baseline="-25000" dirty="0" err="1" smtClean="0">
+                <a:sym typeface="Wingdings"/>
+              </a:rPr>
+              <a:t>c</a:t>
+            </a:r>
+            <a:r>
+              <a:rPr lang="en-US" dirty="0" smtClean="0">
+                <a:sym typeface="Wingdings"/>
+              </a:rPr>
+              <a:t> / </a:t>
+            </a:r>
+            <a:r>
+              <a:rPr lang="en-US" dirty="0" err="1" smtClean="0">
+                <a:sym typeface="Wingdings"/>
+              </a:rPr>
+              <a:t>w</a:t>
+            </a:r>
+            <a:r>
+              <a:rPr lang="en-US" baseline="-25000" dirty="0" err="1" smtClean="0">
+                <a:sym typeface="Wingdings"/>
+              </a:rPr>
+              <a:t>c</a:t>
+            </a:r>
+            <a:r>
+              <a:rPr lang="en-US" dirty="0" smtClean="0">
+                <a:sym typeface="Wingdings"/>
+              </a:rPr>
+              <a:t>, </a:t>
+            </a:r>
+            <a:r>
+              <a:rPr lang="en-US" dirty="0" err="1" smtClean="0">
+                <a:sym typeface="Wingdings"/>
+              </a:rPr>
+              <a:t>y</a:t>
+            </a:r>
+            <a:r>
+              <a:rPr lang="en-US" baseline="-25000" dirty="0" err="1" smtClean="0">
+                <a:sym typeface="Wingdings"/>
+              </a:rPr>
+              <a:t>c</a:t>
+            </a:r>
+            <a:r>
+              <a:rPr lang="en-US" dirty="0" smtClean="0">
+                <a:sym typeface="Wingdings"/>
+              </a:rPr>
+              <a:t> / </a:t>
+            </a:r>
+            <a:r>
+              <a:rPr lang="en-US" dirty="0" err="1" smtClean="0">
+                <a:sym typeface="Wingdings"/>
+              </a:rPr>
+              <a:t>w</a:t>
+            </a:r>
+            <a:r>
+              <a:rPr lang="en-US" baseline="-25000" dirty="0" err="1" smtClean="0">
+                <a:sym typeface="Wingdings"/>
+              </a:rPr>
+              <a:t>c</a:t>
+            </a:r>
+            <a:r>
+              <a:rPr lang="en-US" baseline="-25000" dirty="0" smtClean="0">
+                <a:sym typeface="Wingdings"/>
+              </a:rPr>
+              <a:t>, </a:t>
+            </a:r>
+            <a:r>
+              <a:rPr lang="en-US" dirty="0" err="1" smtClean="0">
+                <a:sym typeface="Wingdings"/>
+              </a:rPr>
+              <a:t>z</a:t>
+            </a:r>
+            <a:r>
+              <a:rPr lang="en-US" baseline="-25000" dirty="0" err="1" smtClean="0">
+                <a:sym typeface="Wingdings"/>
+              </a:rPr>
+              <a:t>c</a:t>
+            </a:r>
+            <a:r>
+              <a:rPr lang="en-US" dirty="0" smtClean="0">
+                <a:sym typeface="Wingdings"/>
+              </a:rPr>
+              <a:t> / </a:t>
+            </a:r>
+            <a:r>
+              <a:rPr lang="en-US" dirty="0" err="1" smtClean="0">
+                <a:sym typeface="Wingdings"/>
+              </a:rPr>
+              <a:t>w</a:t>
+            </a:r>
+            <a:r>
+              <a:rPr lang="en-US" baseline="-25000" dirty="0" err="1" smtClean="0">
+                <a:sym typeface="Wingdings"/>
+              </a:rPr>
+              <a:t>c</a:t>
+            </a:r>
+            <a:r>
+              <a:rPr lang="en-US" dirty="0" smtClean="0">
+                <a:sym typeface="Wingdings"/>
+              </a:rPr>
+              <a:t>)</a:t>
+            </a:r>
+          </a:p>
+          <a:p>
+            <a:pPr marL="457200" indent="-457200">
+              <a:buNone/>
+            </a:pPr>
+            <a:endParaRPr lang="en-US" dirty="0" smtClean="0">
+              <a:sym typeface="Wingdings"/>
+            </a:endParaRPr>
+          </a:p>
+          <a:p>
+            <a:pPr marL="457200" indent="-457200">
+              <a:buNone/>
+            </a:pPr>
+            <a:r>
+              <a:rPr lang="en-US" dirty="0" smtClean="0">
+                <a:sym typeface="Wingdings"/>
+              </a:rPr>
+              <a:t>Put the vertex into screen space by scaling </a:t>
+            </a:r>
+            <a:r>
+              <a:rPr lang="en-US" dirty="0" err="1" smtClean="0">
+                <a:sym typeface="Wingdings"/>
+              </a:rPr>
+              <a:t>x</a:t>
+            </a:r>
+            <a:r>
+              <a:rPr lang="en-US" baseline="-25000" dirty="0" err="1" smtClean="0">
+                <a:sym typeface="Wingdings"/>
+              </a:rPr>
+              <a:t>c</a:t>
+            </a:r>
+            <a:r>
+              <a:rPr lang="en-US" dirty="0" smtClean="0">
+                <a:sym typeface="Wingdings"/>
+              </a:rPr>
+              <a:t> and </a:t>
+            </a:r>
+            <a:r>
+              <a:rPr lang="en-US" dirty="0" err="1" smtClean="0">
+                <a:sym typeface="Wingdings"/>
+              </a:rPr>
+              <a:t>y</a:t>
+            </a:r>
+            <a:r>
+              <a:rPr lang="en-US" baseline="-25000" dirty="0" err="1" smtClean="0">
+                <a:sym typeface="Wingdings"/>
+              </a:rPr>
+              <a:t>c</a:t>
+            </a:r>
+            <a:r>
+              <a:rPr lang="en-US" dirty="0" smtClean="0">
+                <a:sym typeface="Wingdings"/>
+              </a:rPr>
+              <a:t> by the width and height of the screen. </a:t>
+            </a:r>
+          </a:p>
+          <a:p>
+            <a:pPr marL="457200" indent="-457200">
+              <a:buNone/>
+            </a:pPr>
+            <a:r>
+              <a:rPr lang="en-US" dirty="0" smtClean="0"/>
+              <a:t>	</a:t>
+            </a:r>
           </a:p>
         </p:txBody>
       </p:sp>
@@ -7017,1341 +9158,7 @@
 </p:sld>
 </file>
 
-<file path=ppt/slides/slide26.xml><?xml version="1.0" encoding="utf-8"?>
-<p:sld xmlns:a="http://schemas.openxmlformats.org/drawingml/2006/main" xmlns:r="http://schemas.openxmlformats.org/officeDocument/2006/relationships" xmlns:mc="http://schemas.openxmlformats.org/markup-compatibility/2006" xmlns:mv="urn:schemas-microsoft-com:mac:vml" xmlns:p="http://schemas.openxmlformats.org/presentationml/2006/main" mc:Ignorable="mv" mc:PreserveAttributes="mv:*">
-  <p:cSld>
-    <p:spTree>
-      <p:nvGrpSpPr>
-        <p:cNvPr id="1" name=""/>
-        <p:cNvGrpSpPr/>
-        <p:nvPr/>
-      </p:nvGrpSpPr>
-      <p:grpSpPr>
-        <a:xfrm>
-          <a:off x="0" y="0"/>
-          <a:ext cx="0" cy="0"/>
-          <a:chOff x="0" y="0"/>
-          <a:chExt cx="0" cy="0"/>
-        </a:xfrm>
-      </p:grpSpPr>
-      <p:sp>
-        <p:nvSpPr>
-          <p:cNvPr id="2" name="Title 1"/>
-          <p:cNvSpPr>
-            <a:spLocks noGrp="1"/>
-          </p:cNvSpPr>
-          <p:nvPr>
-            <p:ph type="title"/>
-          </p:nvPr>
-        </p:nvSpPr>
-        <p:spPr/>
-        <p:txBody>
-          <a:bodyPr>
-            <a:normAutofit/>
-          </a:bodyPr>
-          <a:lstStyle/>
-          <a:p>
-            <a:r>
-              <a:rPr lang="en-US" dirty="0" smtClean="0"/>
-              <a:t>Example: Transforming a vertex</a:t>
-            </a:r>
-            <a:endParaRPr lang="en-US" dirty="0"/>
-          </a:p>
-        </p:txBody>
-      </p:sp>
-      <p:sp>
-        <p:nvSpPr>
-          <p:cNvPr id="3" name="Content Placeholder 2"/>
-          <p:cNvSpPr>
-            <a:spLocks noGrp="1"/>
-          </p:cNvSpPr>
-          <p:nvPr>
-            <p:ph idx="1"/>
-          </p:nvPr>
-        </p:nvSpPr>
-        <p:spPr/>
-        <p:txBody>
-          <a:bodyPr>
-            <a:normAutofit fontScale="85000" lnSpcReduction="20000"/>
-          </a:bodyPr>
-          <a:lstStyle/>
-          <a:p>
-            <a:pPr>
-              <a:buNone/>
-            </a:pPr>
-            <a:r>
-              <a:rPr lang="en-US" dirty="0" smtClean="0"/>
-              <a:t>To transform our 3D point from object coordinates into 2D window coordinates we do the following operations:</a:t>
-            </a:r>
-          </a:p>
-          <a:p>
-            <a:pPr>
-              <a:buNone/>
-            </a:pPr>
-            <a:endParaRPr lang="en-US" dirty="0" smtClean="0"/>
-          </a:p>
-          <a:p>
-            <a:pPr>
-              <a:buNone/>
-            </a:pPr>
-            <a:r>
-              <a:rPr lang="en-US" dirty="0" smtClean="0"/>
-              <a:t>Given a vertex </a:t>
-            </a:r>
-            <a:r>
-              <a:rPr lang="en-US" b="1" dirty="0" err="1" smtClean="0"/>
-              <a:t>v</a:t>
-            </a:r>
-            <a:r>
-              <a:rPr lang="en-US" baseline="-25000" dirty="0" err="1" smtClean="0"/>
-              <a:t>o</a:t>
-            </a:r>
-            <a:r>
-              <a:rPr lang="en-US" dirty="0" smtClean="0"/>
-              <a:t> in object coordinates (</a:t>
-            </a:r>
-            <a:r>
-              <a:rPr lang="en-US" dirty="0" err="1" smtClean="0"/>
-              <a:t>x</a:t>
-            </a:r>
-            <a:r>
-              <a:rPr lang="en-US" baseline="-25000" dirty="0" err="1" smtClean="0">
-                <a:sym typeface="Wingdings"/>
-              </a:rPr>
-              <a:t>o</a:t>
-            </a:r>
-            <a:r>
-              <a:rPr lang="en-US" dirty="0" err="1" smtClean="0"/>
-              <a:t>,y</a:t>
-            </a:r>
-            <a:r>
-              <a:rPr lang="en-US" baseline="-25000" dirty="0" err="1" smtClean="0">
-                <a:sym typeface="Wingdings"/>
-              </a:rPr>
-              <a:t>o</a:t>
-            </a:r>
-            <a:r>
-              <a:rPr lang="en-US" dirty="0" err="1" smtClean="0"/>
-              <a:t>,z</a:t>
-            </a:r>
-            <a:r>
-              <a:rPr lang="en-US" baseline="-25000" dirty="0" err="1" smtClean="0">
-                <a:sym typeface="Wingdings"/>
-              </a:rPr>
-              <a:t>o</a:t>
-            </a:r>
-            <a:r>
-              <a:rPr lang="en-US" dirty="0" err="1" smtClean="0"/>
-              <a:t>,w</a:t>
-            </a:r>
-            <a:r>
-              <a:rPr lang="en-US" baseline="-25000" dirty="0" err="1" smtClean="0">
-                <a:sym typeface="Wingdings"/>
-              </a:rPr>
-              <a:t>o</a:t>
-            </a:r>
-            <a:r>
-              <a:rPr lang="en-US" dirty="0" smtClean="0">
-                <a:sym typeface="Wingdings"/>
-              </a:rPr>
-              <a:t>), where </a:t>
-            </a:r>
-            <a:r>
-              <a:rPr lang="en-US" dirty="0" err="1" smtClean="0"/>
-              <a:t>w</a:t>
-            </a:r>
-            <a:r>
-              <a:rPr lang="en-US" baseline="-25000" dirty="0" err="1" smtClean="0">
-                <a:sym typeface="Wingdings"/>
-              </a:rPr>
-              <a:t>o</a:t>
-            </a:r>
-            <a:r>
-              <a:rPr lang="en-US" baseline="-25000" dirty="0" smtClean="0">
-                <a:sym typeface="Wingdings"/>
-              </a:rPr>
-              <a:t> </a:t>
-            </a:r>
-            <a:r>
-              <a:rPr lang="en-US" dirty="0" smtClean="0">
-                <a:sym typeface="Wingdings"/>
-              </a:rPr>
-              <a:t>is always 1. </a:t>
-            </a:r>
-            <a:endParaRPr lang="en-US" dirty="0" smtClean="0"/>
-          </a:p>
-          <a:p>
-            <a:pPr>
-              <a:buNone/>
-            </a:pPr>
-            <a:endParaRPr lang="en-US" dirty="0" smtClean="0"/>
-          </a:p>
-          <a:p>
-            <a:pPr marL="457200" indent="-457200">
-              <a:buNone/>
-            </a:pPr>
-            <a:r>
-              <a:rPr lang="en-US" dirty="0" smtClean="0"/>
-              <a:t>Put the object point into eye coordinates by multiplying it by the MODELVIEW matrix </a:t>
-            </a:r>
-            <a:r>
-              <a:rPr lang="en-US" b="1" dirty="0" smtClean="0"/>
-              <a:t>M</a:t>
-            </a:r>
-            <a:r>
-              <a:rPr lang="en-US" dirty="0" smtClean="0"/>
-              <a:t> (which concatenates the transformation from object coordinates </a:t>
-            </a:r>
-            <a:r>
-              <a:rPr lang="en-US" dirty="0" err="1" smtClean="0">
-                <a:sym typeface="Wingdings"/>
-              </a:rPr>
-              <a:t></a:t>
-            </a:r>
-            <a:r>
-              <a:rPr lang="en-US" dirty="0" smtClean="0">
-                <a:sym typeface="Wingdings"/>
-              </a:rPr>
-              <a:t> world coordinates </a:t>
-            </a:r>
-            <a:r>
-              <a:rPr lang="en-US" dirty="0" err="1" smtClean="0">
-                <a:sym typeface="Wingdings"/>
-              </a:rPr>
-              <a:t></a:t>
-            </a:r>
-            <a:r>
-              <a:rPr lang="en-US" dirty="0" smtClean="0">
-                <a:sym typeface="Wingdings"/>
-              </a:rPr>
-              <a:t> eye coordinates)…</a:t>
-            </a:r>
-          </a:p>
-          <a:p>
-            <a:pPr marL="457200" indent="-457200">
-              <a:buNone/>
-            </a:pPr>
-            <a:endParaRPr lang="en-US" dirty="0" smtClean="0">
-              <a:sym typeface="Wingdings"/>
-            </a:endParaRPr>
-          </a:p>
-          <a:p>
-            <a:pPr marL="457200" indent="-457200">
-              <a:buNone/>
-            </a:pPr>
-            <a:r>
-              <a:rPr lang="en-US" dirty="0" smtClean="0">
-                <a:sym typeface="Wingdings"/>
-              </a:rPr>
-              <a:t>	</a:t>
-            </a:r>
-            <a:r>
-              <a:rPr lang="en-US" b="1" dirty="0" err="1" smtClean="0">
-                <a:sym typeface="Wingdings"/>
-              </a:rPr>
-              <a:t>v</a:t>
-            </a:r>
-            <a:r>
-              <a:rPr lang="en-US" baseline="-25000" dirty="0" err="1" smtClean="0">
-                <a:sym typeface="Wingdings"/>
-              </a:rPr>
-              <a:t>e</a:t>
-            </a:r>
-            <a:r>
-              <a:rPr lang="en-US" dirty="0" smtClean="0">
-                <a:sym typeface="Wingdings"/>
-              </a:rPr>
-              <a:t> = </a:t>
-            </a:r>
-            <a:r>
-              <a:rPr lang="en-US" b="1" dirty="0" err="1" smtClean="0">
-                <a:sym typeface="Wingdings"/>
-              </a:rPr>
-              <a:t>Mv</a:t>
-            </a:r>
-            <a:r>
-              <a:rPr lang="en-US" baseline="-25000" dirty="0" err="1" smtClean="0">
-                <a:sym typeface="Wingdings"/>
-              </a:rPr>
-              <a:t>o</a:t>
-            </a:r>
-            <a:endParaRPr lang="en-US" baseline="-25000" dirty="0" smtClean="0">
-              <a:sym typeface="Wingdings"/>
-            </a:endParaRPr>
-          </a:p>
-          <a:p>
-            <a:pPr marL="457200" indent="-457200">
-              <a:buNone/>
-            </a:pPr>
-            <a:endParaRPr lang="en-US" dirty="0" smtClean="0">
-              <a:sym typeface="Wingdings"/>
-            </a:endParaRPr>
-          </a:p>
-          <a:p>
-            <a:pPr marL="457200" indent="-457200">
-              <a:buNone/>
-            </a:pPr>
-            <a:r>
-              <a:rPr lang="en-US" dirty="0" smtClean="0">
-                <a:sym typeface="Wingdings"/>
-              </a:rPr>
-              <a:t>Put the vertex into clip coordinates by multiplying it by the PROJECTION matrix P</a:t>
-            </a:r>
-          </a:p>
-          <a:p>
-            <a:pPr marL="457200" indent="-457200">
-              <a:buNone/>
-            </a:pPr>
-            <a:endParaRPr lang="en-US" dirty="0" smtClean="0">
-              <a:sym typeface="Wingdings"/>
-            </a:endParaRPr>
-          </a:p>
-          <a:p>
-            <a:pPr marL="457200" indent="-457200">
-              <a:buNone/>
-            </a:pPr>
-            <a:r>
-              <a:rPr lang="en-US" dirty="0" smtClean="0">
-                <a:sym typeface="Wingdings"/>
-              </a:rPr>
-              <a:t>	</a:t>
-            </a:r>
-            <a:r>
-              <a:rPr lang="en-US" b="1" dirty="0" err="1" smtClean="0">
-                <a:sym typeface="Wingdings"/>
-              </a:rPr>
-              <a:t>v</a:t>
-            </a:r>
-            <a:r>
-              <a:rPr lang="en-US" baseline="-25000" dirty="0" err="1" smtClean="0">
-                <a:sym typeface="Wingdings"/>
-              </a:rPr>
-              <a:t>c</a:t>
-            </a:r>
-            <a:r>
-              <a:rPr lang="en-US" dirty="0" smtClean="0">
-                <a:sym typeface="Wingdings"/>
-              </a:rPr>
-              <a:t> = </a:t>
-            </a:r>
-            <a:r>
-              <a:rPr lang="en-US" b="1" dirty="0" err="1" smtClean="0">
-                <a:sym typeface="Wingdings"/>
-              </a:rPr>
-              <a:t>Pv</a:t>
-            </a:r>
-            <a:r>
-              <a:rPr lang="en-US" baseline="-25000" dirty="0" err="1" smtClean="0">
-                <a:sym typeface="Wingdings"/>
-              </a:rPr>
-              <a:t>e</a:t>
-            </a:r>
-            <a:endParaRPr lang="en-US" baseline="-25000" dirty="0" smtClean="0">
-              <a:sym typeface="Wingdings"/>
-            </a:endParaRPr>
-          </a:p>
-          <a:p>
-            <a:pPr marL="457200" indent="-457200">
-              <a:buNone/>
-            </a:pPr>
-            <a:endParaRPr lang="en-US" dirty="0" smtClean="0">
-              <a:sym typeface="Wingdings"/>
-            </a:endParaRPr>
-          </a:p>
-          <a:p>
-            <a:pPr marL="457200" indent="-457200">
-              <a:buNone/>
-            </a:pPr>
-            <a:r>
-              <a:rPr lang="en-US" dirty="0" smtClean="0">
-                <a:sym typeface="Wingdings"/>
-              </a:rPr>
-              <a:t>Put the vertex into normalized device coordinates by dividing by the </a:t>
-            </a:r>
-            <a:r>
-              <a:rPr lang="en-US" dirty="0" err="1" smtClean="0">
-                <a:sym typeface="Wingdings"/>
-              </a:rPr>
-              <a:t>w</a:t>
-            </a:r>
-            <a:r>
-              <a:rPr lang="en-US" baseline="-25000" dirty="0" err="1" smtClean="0">
-                <a:sym typeface="Wingdings"/>
-              </a:rPr>
-              <a:t>c</a:t>
-            </a:r>
-            <a:r>
-              <a:rPr lang="en-US" dirty="0" smtClean="0">
-                <a:sym typeface="Wingdings"/>
-              </a:rPr>
-              <a:t> value of </a:t>
-            </a:r>
-            <a:r>
-              <a:rPr lang="en-US" b="1" dirty="0" err="1" smtClean="0">
-                <a:sym typeface="Wingdings"/>
-              </a:rPr>
-              <a:t>v</a:t>
-            </a:r>
-            <a:r>
-              <a:rPr lang="en-US" baseline="-25000" dirty="0" err="1" smtClean="0">
-                <a:sym typeface="Wingdings"/>
-              </a:rPr>
-              <a:t>c</a:t>
-            </a:r>
-            <a:r>
-              <a:rPr lang="en-US" dirty="0" smtClean="0">
-                <a:sym typeface="Wingdings"/>
-              </a:rPr>
-              <a:t>.</a:t>
-            </a:r>
-          </a:p>
-          <a:p>
-            <a:pPr marL="457200" indent="-457200">
-              <a:buNone/>
-            </a:pPr>
-            <a:endParaRPr lang="en-US" dirty="0" smtClean="0">
-              <a:sym typeface="Wingdings"/>
-            </a:endParaRPr>
-          </a:p>
-          <a:p>
-            <a:pPr marL="457200" indent="-457200">
-              <a:buNone/>
-            </a:pPr>
-            <a:r>
-              <a:rPr lang="en-US" dirty="0" smtClean="0">
-                <a:sym typeface="Wingdings"/>
-              </a:rPr>
-              <a:t> 	</a:t>
-            </a:r>
-            <a:r>
-              <a:rPr lang="en-US" b="1" dirty="0" err="1" smtClean="0">
-                <a:sym typeface="Wingdings"/>
-              </a:rPr>
-              <a:t>v</a:t>
-            </a:r>
-            <a:r>
-              <a:rPr lang="en-US" baseline="-25000" dirty="0" err="1" smtClean="0">
-                <a:sym typeface="Wingdings"/>
-              </a:rPr>
-              <a:t>d</a:t>
-            </a:r>
-            <a:r>
-              <a:rPr lang="en-US" dirty="0" smtClean="0">
-                <a:sym typeface="Wingdings"/>
-              </a:rPr>
-              <a:t> =  (</a:t>
-            </a:r>
-            <a:r>
-              <a:rPr lang="en-US" dirty="0" err="1" smtClean="0">
-                <a:sym typeface="Wingdings"/>
-              </a:rPr>
-              <a:t>x</a:t>
-            </a:r>
-            <a:r>
-              <a:rPr lang="en-US" baseline="-25000" dirty="0" err="1" smtClean="0">
-                <a:sym typeface="Wingdings"/>
-              </a:rPr>
-              <a:t>c</a:t>
-            </a:r>
-            <a:r>
-              <a:rPr lang="en-US" dirty="0" smtClean="0">
-                <a:sym typeface="Wingdings"/>
-              </a:rPr>
-              <a:t> / </a:t>
-            </a:r>
-            <a:r>
-              <a:rPr lang="en-US" dirty="0" err="1" smtClean="0">
-                <a:sym typeface="Wingdings"/>
-              </a:rPr>
-              <a:t>w</a:t>
-            </a:r>
-            <a:r>
-              <a:rPr lang="en-US" baseline="-25000" dirty="0" err="1" smtClean="0">
-                <a:sym typeface="Wingdings"/>
-              </a:rPr>
-              <a:t>c</a:t>
-            </a:r>
-            <a:r>
-              <a:rPr lang="en-US" dirty="0" smtClean="0">
-                <a:sym typeface="Wingdings"/>
-              </a:rPr>
-              <a:t>, </a:t>
-            </a:r>
-            <a:r>
-              <a:rPr lang="en-US" dirty="0" err="1" smtClean="0">
-                <a:sym typeface="Wingdings"/>
-              </a:rPr>
-              <a:t>y</a:t>
-            </a:r>
-            <a:r>
-              <a:rPr lang="en-US" baseline="-25000" dirty="0" err="1" smtClean="0">
-                <a:sym typeface="Wingdings"/>
-              </a:rPr>
-              <a:t>c</a:t>
-            </a:r>
-            <a:r>
-              <a:rPr lang="en-US" dirty="0" smtClean="0">
-                <a:sym typeface="Wingdings"/>
-              </a:rPr>
-              <a:t> / </a:t>
-            </a:r>
-            <a:r>
-              <a:rPr lang="en-US" dirty="0" err="1" smtClean="0">
-                <a:sym typeface="Wingdings"/>
-              </a:rPr>
-              <a:t>w</a:t>
-            </a:r>
-            <a:r>
-              <a:rPr lang="en-US" baseline="-25000" dirty="0" err="1" smtClean="0">
-                <a:sym typeface="Wingdings"/>
-              </a:rPr>
-              <a:t>c</a:t>
-            </a:r>
-            <a:r>
-              <a:rPr lang="en-US" baseline="-25000" dirty="0" smtClean="0">
-                <a:sym typeface="Wingdings"/>
-              </a:rPr>
-              <a:t>, </a:t>
-            </a:r>
-            <a:r>
-              <a:rPr lang="en-US" dirty="0" err="1" smtClean="0">
-                <a:sym typeface="Wingdings"/>
-              </a:rPr>
-              <a:t>z</a:t>
-            </a:r>
-            <a:r>
-              <a:rPr lang="en-US" baseline="-25000" dirty="0" err="1" smtClean="0">
-                <a:sym typeface="Wingdings"/>
-              </a:rPr>
-              <a:t>c</a:t>
-            </a:r>
-            <a:r>
-              <a:rPr lang="en-US" dirty="0" smtClean="0">
-                <a:sym typeface="Wingdings"/>
-              </a:rPr>
-              <a:t> / </a:t>
-            </a:r>
-            <a:r>
-              <a:rPr lang="en-US" dirty="0" err="1" smtClean="0">
-                <a:sym typeface="Wingdings"/>
-              </a:rPr>
-              <a:t>w</a:t>
-            </a:r>
-            <a:r>
-              <a:rPr lang="en-US" baseline="-25000" dirty="0" err="1" smtClean="0">
-                <a:sym typeface="Wingdings"/>
-              </a:rPr>
-              <a:t>c</a:t>
-            </a:r>
-            <a:r>
-              <a:rPr lang="en-US" dirty="0" smtClean="0">
-                <a:sym typeface="Wingdings"/>
-              </a:rPr>
-              <a:t>)</a:t>
-            </a:r>
-          </a:p>
-          <a:p>
-            <a:pPr marL="457200" indent="-457200">
-              <a:buNone/>
-            </a:pPr>
-            <a:endParaRPr lang="en-US" dirty="0" smtClean="0">
-              <a:sym typeface="Wingdings"/>
-            </a:endParaRPr>
-          </a:p>
-          <a:p>
-            <a:pPr marL="457200" indent="-457200">
-              <a:buNone/>
-            </a:pPr>
-            <a:r>
-              <a:rPr lang="en-US" dirty="0" smtClean="0">
-                <a:sym typeface="Wingdings"/>
-              </a:rPr>
-              <a:t>Put the vertex into screen space by scaling </a:t>
-            </a:r>
-            <a:r>
-              <a:rPr lang="en-US" dirty="0" err="1" smtClean="0">
-                <a:sym typeface="Wingdings"/>
-              </a:rPr>
-              <a:t>x</a:t>
-            </a:r>
-            <a:r>
-              <a:rPr lang="en-US" baseline="-25000" dirty="0" err="1" smtClean="0">
-                <a:sym typeface="Wingdings"/>
-              </a:rPr>
-              <a:t>c</a:t>
-            </a:r>
-            <a:r>
-              <a:rPr lang="en-US" dirty="0" smtClean="0">
-                <a:sym typeface="Wingdings"/>
-              </a:rPr>
-              <a:t> and </a:t>
-            </a:r>
-            <a:r>
-              <a:rPr lang="en-US" dirty="0" err="1" smtClean="0">
-                <a:sym typeface="Wingdings"/>
-              </a:rPr>
-              <a:t>y</a:t>
-            </a:r>
-            <a:r>
-              <a:rPr lang="en-US" baseline="-25000" dirty="0" err="1" smtClean="0">
-                <a:sym typeface="Wingdings"/>
-              </a:rPr>
-              <a:t>c</a:t>
-            </a:r>
-            <a:r>
-              <a:rPr lang="en-US" dirty="0" smtClean="0">
-                <a:sym typeface="Wingdings"/>
-              </a:rPr>
-              <a:t> by the width and height of the screen. </a:t>
-            </a:r>
-          </a:p>
-          <a:p>
-            <a:pPr marL="457200" indent="-457200">
-              <a:buNone/>
-            </a:pPr>
-            <a:r>
-              <a:rPr lang="en-US" dirty="0" smtClean="0"/>
-              <a:t>	</a:t>
-            </a:r>
-          </a:p>
-        </p:txBody>
-      </p:sp>
-    </p:spTree>
-  </p:cSld>
-  <p:clrMapOvr>
-    <a:masterClrMapping/>
-  </p:clrMapOvr>
-</p:sld>
-</file>
-
-<file path=ppt/slides/slide27.xml><?xml version="1.0" encoding="utf-8"?>
-<p:sld xmlns:a="http://schemas.openxmlformats.org/drawingml/2006/main" xmlns:r="http://schemas.openxmlformats.org/officeDocument/2006/relationships" xmlns:mc="http://schemas.openxmlformats.org/markup-compatibility/2006" xmlns:mv="urn:schemas-microsoft-com:mac:vml" xmlns:p="http://schemas.openxmlformats.org/presentationml/2006/main" mc:Ignorable="mv" mc:PreserveAttributes="mv:*">
-  <p:cSld>
-    <p:spTree>
-      <p:nvGrpSpPr>
-        <p:cNvPr id="1" name=""/>
-        <p:cNvGrpSpPr/>
-        <p:nvPr/>
-      </p:nvGrpSpPr>
-      <p:grpSpPr>
-        <a:xfrm>
-          <a:off x="0" y="0"/>
-          <a:ext cx="0" cy="0"/>
-          <a:chOff x="0" y="0"/>
-          <a:chExt cx="0" cy="0"/>
-        </a:xfrm>
-      </p:grpSpPr>
-      <p:sp>
-        <p:nvSpPr>
-          <p:cNvPr id="2" name="Title 1"/>
-          <p:cNvSpPr>
-            <a:spLocks noGrp="1"/>
-          </p:cNvSpPr>
-          <p:nvPr>
-            <p:ph type="title"/>
-          </p:nvPr>
-        </p:nvSpPr>
-        <p:spPr/>
-        <p:txBody>
-          <a:bodyPr>
-            <a:normAutofit/>
-          </a:bodyPr>
-          <a:lstStyle/>
-          <a:p>
-            <a:r>
-              <a:rPr lang="en-US" dirty="0" smtClean="0"/>
-              <a:t>Example: Transforming a vertex</a:t>
-            </a:r>
-            <a:endParaRPr lang="en-US" dirty="0"/>
-          </a:p>
-        </p:txBody>
-      </p:sp>
-      <p:sp>
-        <p:nvSpPr>
-          <p:cNvPr id="3" name="Content Placeholder 2"/>
-          <p:cNvSpPr>
-            <a:spLocks noGrp="1"/>
-          </p:cNvSpPr>
-          <p:nvPr>
-            <p:ph idx="1"/>
-          </p:nvPr>
-        </p:nvSpPr>
-        <p:spPr/>
-        <p:txBody>
-          <a:bodyPr>
-            <a:normAutofit fontScale="47500" lnSpcReduction="20000"/>
-          </a:bodyPr>
-          <a:lstStyle/>
-          <a:p>
-            <a:pPr>
-              <a:buNone/>
-            </a:pPr>
-            <a:r>
-              <a:rPr lang="en-US" dirty="0" smtClean="0"/>
-              <a:t>Let’s say we have a point at (2,-2,0) and a camera pointing to the origin of the world positioned at (0,0,-10) with a </a:t>
-            </a:r>
-            <a:r>
-              <a:rPr lang="en-US" dirty="0" err="1" smtClean="0"/>
-              <a:t>fov</a:t>
-            </a:r>
-            <a:r>
-              <a:rPr lang="en-US" dirty="0" smtClean="0"/>
-              <a:t> of 45, a screen </a:t>
-            </a:r>
-            <a:r>
-              <a:rPr lang="en-US" dirty="0" err="1" smtClean="0"/>
-              <a:t>w/h</a:t>
-            </a:r>
-            <a:r>
-              <a:rPr lang="en-US" dirty="0" smtClean="0"/>
-              <a:t> of 600/400, and a defined near and far point at .001 and 1000 respectively. Where on the screen will the point end up?</a:t>
-            </a:r>
-          </a:p>
-          <a:p>
-            <a:pPr>
-              <a:buNone/>
-            </a:pPr>
-            <a:endParaRPr lang="en-US" dirty="0" smtClean="0"/>
-          </a:p>
-          <a:p>
-            <a:pPr>
-              <a:buNone/>
-            </a:pPr>
-            <a:r>
-              <a:rPr lang="en-US" dirty="0" smtClean="0"/>
-              <a:t>V</a:t>
-            </a:r>
-            <a:r>
-              <a:rPr lang="en-US" baseline="-25000" dirty="0" smtClean="0"/>
-              <a:t>o </a:t>
-            </a:r>
-            <a:r>
-              <a:rPr lang="en-US" dirty="0" smtClean="0"/>
-              <a:t>= (2,2,0,1)</a:t>
-            </a:r>
-          </a:p>
-          <a:p>
-            <a:pPr>
-              <a:buNone/>
-            </a:pPr>
-            <a:r>
-              <a:rPr lang="en-US" dirty="0" smtClean="0"/>
-              <a:t>M = </a:t>
-            </a:r>
-          </a:p>
-          <a:p>
-            <a:pPr>
-              <a:buNone/>
-            </a:pPr>
-            <a:r>
-              <a:rPr lang="en-US" dirty="0" smtClean="0"/>
-              <a:t>	(1, 0, 0, 0) </a:t>
-            </a:r>
-          </a:p>
-          <a:p>
-            <a:pPr>
-              <a:buNone/>
-            </a:pPr>
-            <a:r>
-              <a:rPr lang="en-US" dirty="0" smtClean="0"/>
-              <a:t>	(0, 1, 0, 0)</a:t>
-            </a:r>
-          </a:p>
-          <a:p>
-            <a:pPr>
-              <a:buNone/>
-            </a:pPr>
-            <a:r>
-              <a:rPr lang="en-US" dirty="0" smtClean="0"/>
-              <a:t>	(0, 0, 1, -5)</a:t>
-            </a:r>
-          </a:p>
-          <a:p>
-            <a:pPr>
-              <a:buNone/>
-            </a:pPr>
-            <a:r>
-              <a:rPr lang="en-US" dirty="0" smtClean="0"/>
-              <a:t>	(0, 0, 0, 1)</a:t>
-            </a:r>
-          </a:p>
-          <a:p>
-            <a:pPr>
-              <a:buNone/>
-            </a:pPr>
-            <a:r>
-              <a:rPr lang="en-US" dirty="0" smtClean="0"/>
-              <a:t>P = </a:t>
-            </a:r>
-          </a:p>
-          <a:p>
-            <a:pPr>
-              <a:buNone/>
-            </a:pPr>
-            <a:r>
-              <a:rPr lang="en-US" dirty="0" smtClean="0"/>
-              <a:t>	(1.6095, 0, 0 ,0)</a:t>
-            </a:r>
-          </a:p>
-          <a:p>
-            <a:pPr>
-              <a:buNone/>
-            </a:pPr>
-            <a:r>
-              <a:rPr lang="en-US" dirty="0" smtClean="0"/>
-              <a:t>	(0, 2.4142, 0, 0)</a:t>
-            </a:r>
-          </a:p>
-          <a:p>
-            <a:pPr>
-              <a:buNone/>
-            </a:pPr>
-            <a:r>
-              <a:rPr lang="en-US" dirty="0" smtClean="0"/>
-              <a:t>	(0, 0, -1.00002, -0.002)</a:t>
-            </a:r>
-          </a:p>
-          <a:p>
-            <a:pPr>
-              <a:buNone/>
-            </a:pPr>
-            <a:r>
-              <a:rPr lang="en-US" dirty="0" smtClean="0"/>
-              <a:t>	(0, 0, -1, 0)</a:t>
-            </a:r>
-          </a:p>
-          <a:p>
-            <a:pPr>
-              <a:buNone/>
-            </a:pPr>
-            <a:endParaRPr lang="en-US" dirty="0" smtClean="0"/>
-          </a:p>
-          <a:p>
-            <a:pPr>
-              <a:buNone/>
-            </a:pPr>
-            <a:r>
-              <a:rPr lang="en-US" dirty="0" smtClean="0"/>
-              <a:t>	</a:t>
-            </a:r>
-          </a:p>
-          <a:p>
-            <a:pPr>
-              <a:buNone/>
-            </a:pPr>
-            <a:r>
-              <a:rPr lang="en-US" dirty="0" smtClean="0"/>
-              <a:t>	</a:t>
-            </a:r>
-          </a:p>
-          <a:p>
-            <a:pPr>
-              <a:buNone/>
-            </a:pPr>
-            <a:r>
-              <a:rPr lang="en-US" dirty="0" smtClean="0"/>
-              <a:t>Given a vertex V</a:t>
-            </a:r>
-            <a:r>
-              <a:rPr lang="en-US" baseline="-25000" dirty="0" smtClean="0"/>
-              <a:t>o</a:t>
-            </a:r>
-            <a:r>
-              <a:rPr lang="en-US" dirty="0" smtClean="0"/>
-              <a:t> in object coordinates (</a:t>
-            </a:r>
-            <a:r>
-              <a:rPr lang="en-US" dirty="0" err="1" smtClean="0"/>
-              <a:t>x</a:t>
-            </a:r>
-            <a:r>
-              <a:rPr lang="en-US" baseline="-25000" dirty="0" err="1" smtClean="0">
-                <a:sym typeface="Wingdings"/>
-              </a:rPr>
-              <a:t>o</a:t>
-            </a:r>
-            <a:r>
-              <a:rPr lang="en-US" dirty="0" err="1" smtClean="0"/>
-              <a:t>,y</a:t>
-            </a:r>
-            <a:r>
-              <a:rPr lang="en-US" baseline="-25000" dirty="0" err="1" smtClean="0">
-                <a:sym typeface="Wingdings"/>
-              </a:rPr>
-              <a:t>o</a:t>
-            </a:r>
-            <a:r>
-              <a:rPr lang="en-US" dirty="0" err="1" smtClean="0"/>
-              <a:t>,z</a:t>
-            </a:r>
-            <a:r>
-              <a:rPr lang="en-US" baseline="-25000" dirty="0" err="1" smtClean="0">
-                <a:sym typeface="Wingdings"/>
-              </a:rPr>
-              <a:t>o</a:t>
-            </a:r>
-            <a:r>
-              <a:rPr lang="en-US" dirty="0" err="1" smtClean="0"/>
-              <a:t>,w</a:t>
-            </a:r>
-            <a:r>
-              <a:rPr lang="en-US" baseline="-25000" dirty="0" err="1" smtClean="0">
-                <a:sym typeface="Wingdings"/>
-              </a:rPr>
-              <a:t>o</a:t>
-            </a:r>
-            <a:r>
-              <a:rPr lang="en-US" dirty="0" smtClean="0">
-                <a:sym typeface="Wingdings"/>
-              </a:rPr>
-              <a:t>), where </a:t>
-            </a:r>
-            <a:r>
-              <a:rPr lang="en-US" dirty="0" err="1" smtClean="0"/>
-              <a:t>w</a:t>
-            </a:r>
-            <a:r>
-              <a:rPr lang="en-US" baseline="-25000" dirty="0" err="1" smtClean="0">
-                <a:sym typeface="Wingdings"/>
-              </a:rPr>
-              <a:t>o</a:t>
-            </a:r>
-            <a:r>
-              <a:rPr lang="en-US" baseline="-25000" dirty="0" smtClean="0">
-                <a:sym typeface="Wingdings"/>
-              </a:rPr>
-              <a:t> </a:t>
-            </a:r>
-            <a:r>
-              <a:rPr lang="en-US" dirty="0" smtClean="0">
-                <a:sym typeface="Wingdings"/>
-              </a:rPr>
-              <a:t>is always 1. </a:t>
-            </a:r>
-            <a:endParaRPr lang="en-US" dirty="0" smtClean="0"/>
-          </a:p>
-          <a:p>
-            <a:pPr>
-              <a:buNone/>
-            </a:pPr>
-            <a:endParaRPr lang="en-US" dirty="0" smtClean="0"/>
-          </a:p>
-          <a:p>
-            <a:pPr marL="457200" indent="-457200">
-              <a:buNone/>
-            </a:pPr>
-            <a:r>
-              <a:rPr lang="en-US" dirty="0" smtClean="0"/>
-              <a:t>Put the object point into eye coordinates by multiplying it by the MODELVIEW matrix M (which concatenates the transformation from object coordinates </a:t>
-            </a:r>
-            <a:r>
-              <a:rPr lang="en-US" dirty="0" err="1" smtClean="0">
-                <a:sym typeface="Wingdings"/>
-              </a:rPr>
-              <a:t></a:t>
-            </a:r>
-            <a:r>
-              <a:rPr lang="en-US" dirty="0" smtClean="0">
-                <a:sym typeface="Wingdings"/>
-              </a:rPr>
-              <a:t> world coordinates </a:t>
-            </a:r>
-            <a:r>
-              <a:rPr lang="en-US" dirty="0" err="1" smtClean="0">
-                <a:sym typeface="Wingdings"/>
-              </a:rPr>
-              <a:t></a:t>
-            </a:r>
-            <a:r>
-              <a:rPr lang="en-US" dirty="0" smtClean="0">
-                <a:sym typeface="Wingdings"/>
-              </a:rPr>
-              <a:t> eye coordinates)…</a:t>
-            </a:r>
-          </a:p>
-          <a:p>
-            <a:pPr marL="457200" indent="-457200">
-              <a:buNone/>
-            </a:pPr>
-            <a:endParaRPr lang="en-US" dirty="0" smtClean="0">
-              <a:sym typeface="Wingdings"/>
-            </a:endParaRPr>
-          </a:p>
-          <a:p>
-            <a:pPr marL="457200" indent="-457200">
-              <a:buNone/>
-            </a:pPr>
-            <a:r>
-              <a:rPr lang="en-US" dirty="0" smtClean="0">
-                <a:sym typeface="Wingdings"/>
-              </a:rPr>
-              <a:t>	</a:t>
-            </a:r>
-            <a:r>
-              <a:rPr lang="en-US" dirty="0" err="1" smtClean="0">
-                <a:sym typeface="Wingdings"/>
-              </a:rPr>
-              <a:t>V</a:t>
-            </a:r>
-            <a:r>
-              <a:rPr lang="en-US" baseline="-25000" dirty="0" err="1" smtClean="0">
-                <a:sym typeface="Wingdings"/>
-              </a:rPr>
-              <a:t>e</a:t>
-            </a:r>
-            <a:r>
-              <a:rPr lang="en-US" dirty="0" smtClean="0">
-                <a:sym typeface="Wingdings"/>
-              </a:rPr>
-              <a:t> = M * V</a:t>
-            </a:r>
-            <a:r>
-              <a:rPr lang="en-US" baseline="-25000" dirty="0" smtClean="0">
-                <a:sym typeface="Wingdings"/>
-              </a:rPr>
-              <a:t>o</a:t>
-            </a:r>
-          </a:p>
-          <a:p>
-            <a:pPr marL="457200" indent="-457200">
-              <a:buNone/>
-            </a:pPr>
-            <a:endParaRPr lang="en-US" dirty="0" smtClean="0">
-              <a:sym typeface="Wingdings"/>
-            </a:endParaRPr>
-          </a:p>
-          <a:p>
-            <a:pPr marL="457200" indent="-457200">
-              <a:buNone/>
-            </a:pPr>
-            <a:r>
-              <a:rPr lang="en-US" dirty="0" smtClean="0">
-                <a:sym typeface="Wingdings"/>
-              </a:rPr>
-              <a:t>Put the vertex into clip coordinates by multiplying it by the PROJECTION matrix P</a:t>
-            </a:r>
-          </a:p>
-          <a:p>
-            <a:pPr marL="457200" indent="-457200">
-              <a:buNone/>
-            </a:pPr>
-            <a:endParaRPr lang="en-US" dirty="0" smtClean="0">
-              <a:sym typeface="Wingdings"/>
-            </a:endParaRPr>
-          </a:p>
-          <a:p>
-            <a:pPr marL="457200" indent="-457200">
-              <a:buNone/>
-            </a:pPr>
-            <a:r>
-              <a:rPr lang="en-US" dirty="0" smtClean="0">
-                <a:sym typeface="Wingdings"/>
-              </a:rPr>
-              <a:t>	</a:t>
-            </a:r>
-            <a:r>
-              <a:rPr lang="en-US" dirty="0" err="1" smtClean="0">
-                <a:sym typeface="Wingdings"/>
-              </a:rPr>
-              <a:t>V</a:t>
-            </a:r>
-            <a:r>
-              <a:rPr lang="en-US" baseline="-25000" dirty="0" err="1" smtClean="0">
-                <a:sym typeface="Wingdings"/>
-              </a:rPr>
-              <a:t>c</a:t>
-            </a:r>
-            <a:r>
-              <a:rPr lang="en-US" dirty="0" smtClean="0">
-                <a:sym typeface="Wingdings"/>
-              </a:rPr>
-              <a:t> = P * </a:t>
-            </a:r>
-            <a:r>
-              <a:rPr lang="en-US" dirty="0" err="1" smtClean="0">
-                <a:sym typeface="Wingdings"/>
-              </a:rPr>
-              <a:t>V</a:t>
-            </a:r>
-            <a:r>
-              <a:rPr lang="en-US" baseline="-25000" dirty="0" err="1" smtClean="0">
-                <a:sym typeface="Wingdings"/>
-              </a:rPr>
-              <a:t>e</a:t>
-            </a:r>
-            <a:endParaRPr lang="en-US" baseline="-25000" dirty="0" smtClean="0">
-              <a:sym typeface="Wingdings"/>
-            </a:endParaRPr>
-          </a:p>
-          <a:p>
-            <a:pPr marL="457200" indent="-457200">
-              <a:buNone/>
-            </a:pPr>
-            <a:endParaRPr lang="en-US" dirty="0" smtClean="0">
-              <a:sym typeface="Wingdings"/>
-            </a:endParaRPr>
-          </a:p>
-          <a:p>
-            <a:pPr marL="457200" indent="-457200">
-              <a:buNone/>
-            </a:pPr>
-            <a:r>
-              <a:rPr lang="en-US" dirty="0" smtClean="0">
-                <a:sym typeface="Wingdings"/>
-              </a:rPr>
-              <a:t>Put the vertex into normalized device coordinates by dividing by the </a:t>
-            </a:r>
-            <a:r>
-              <a:rPr lang="en-US" dirty="0" err="1" smtClean="0">
-                <a:sym typeface="Wingdings"/>
-              </a:rPr>
-              <a:t>w</a:t>
-            </a:r>
-            <a:r>
-              <a:rPr lang="en-US" baseline="-25000" dirty="0" err="1" smtClean="0">
-                <a:sym typeface="Wingdings"/>
-              </a:rPr>
-              <a:t>c</a:t>
-            </a:r>
-            <a:r>
-              <a:rPr lang="en-US" dirty="0" smtClean="0">
-                <a:sym typeface="Wingdings"/>
-              </a:rPr>
-              <a:t> value of </a:t>
-            </a:r>
-            <a:r>
-              <a:rPr lang="en-US" dirty="0" err="1" smtClean="0">
-                <a:sym typeface="Wingdings"/>
-              </a:rPr>
-              <a:t>V</a:t>
-            </a:r>
-            <a:r>
-              <a:rPr lang="en-US" baseline="-25000" dirty="0" err="1" smtClean="0">
-                <a:sym typeface="Wingdings"/>
-              </a:rPr>
-              <a:t>c</a:t>
-            </a:r>
-            <a:r>
-              <a:rPr lang="en-US" dirty="0" smtClean="0">
-                <a:sym typeface="Wingdings"/>
-              </a:rPr>
-              <a:t>.</a:t>
-            </a:r>
-          </a:p>
-          <a:p>
-            <a:pPr marL="457200" indent="-457200">
-              <a:buNone/>
-            </a:pPr>
-            <a:endParaRPr lang="en-US" dirty="0" smtClean="0">
-              <a:sym typeface="Wingdings"/>
-            </a:endParaRPr>
-          </a:p>
-          <a:p>
-            <a:pPr marL="457200" indent="-457200">
-              <a:buNone/>
-            </a:pPr>
-            <a:r>
-              <a:rPr lang="en-US" dirty="0" smtClean="0">
-                <a:sym typeface="Wingdings"/>
-              </a:rPr>
-              <a:t> 	</a:t>
-            </a:r>
-            <a:r>
-              <a:rPr lang="en-US" dirty="0" err="1" smtClean="0">
-                <a:sym typeface="Wingdings"/>
-              </a:rPr>
-              <a:t>Vd</a:t>
-            </a:r>
-            <a:r>
-              <a:rPr lang="en-US" dirty="0" smtClean="0">
-                <a:sym typeface="Wingdings"/>
-              </a:rPr>
-              <a:t> =  (</a:t>
-            </a:r>
-            <a:r>
-              <a:rPr lang="en-US" dirty="0" err="1" smtClean="0">
-                <a:sym typeface="Wingdings"/>
-              </a:rPr>
-              <a:t>x</a:t>
-            </a:r>
-            <a:r>
-              <a:rPr lang="en-US" baseline="-25000" dirty="0" err="1" smtClean="0">
-                <a:sym typeface="Wingdings"/>
-              </a:rPr>
-              <a:t>c</a:t>
-            </a:r>
-            <a:r>
-              <a:rPr lang="en-US" dirty="0" smtClean="0">
-                <a:sym typeface="Wingdings"/>
-              </a:rPr>
-              <a:t> / </a:t>
-            </a:r>
-            <a:r>
-              <a:rPr lang="en-US" dirty="0" err="1" smtClean="0">
-                <a:sym typeface="Wingdings"/>
-              </a:rPr>
-              <a:t>w</a:t>
-            </a:r>
-            <a:r>
-              <a:rPr lang="en-US" baseline="-25000" dirty="0" err="1" smtClean="0">
-                <a:sym typeface="Wingdings"/>
-              </a:rPr>
-              <a:t>c</a:t>
-            </a:r>
-            <a:r>
-              <a:rPr lang="en-US" dirty="0" smtClean="0">
-                <a:sym typeface="Wingdings"/>
-              </a:rPr>
-              <a:t>, </a:t>
-            </a:r>
-            <a:r>
-              <a:rPr lang="en-US" dirty="0" err="1" smtClean="0">
-                <a:sym typeface="Wingdings"/>
-              </a:rPr>
-              <a:t>y</a:t>
-            </a:r>
-            <a:r>
-              <a:rPr lang="en-US" baseline="-25000" dirty="0" err="1" smtClean="0">
-                <a:sym typeface="Wingdings"/>
-              </a:rPr>
-              <a:t>c</a:t>
-            </a:r>
-            <a:r>
-              <a:rPr lang="en-US" dirty="0" smtClean="0">
-                <a:sym typeface="Wingdings"/>
-              </a:rPr>
-              <a:t> / </a:t>
-            </a:r>
-            <a:r>
-              <a:rPr lang="en-US" dirty="0" err="1" smtClean="0">
-                <a:sym typeface="Wingdings"/>
-              </a:rPr>
-              <a:t>w</a:t>
-            </a:r>
-            <a:r>
-              <a:rPr lang="en-US" baseline="-25000" dirty="0" err="1" smtClean="0">
-                <a:sym typeface="Wingdings"/>
-              </a:rPr>
-              <a:t>c</a:t>
-            </a:r>
-            <a:r>
-              <a:rPr lang="en-US" baseline="-25000" dirty="0" smtClean="0">
-                <a:sym typeface="Wingdings"/>
-              </a:rPr>
-              <a:t>, </a:t>
-            </a:r>
-            <a:r>
-              <a:rPr lang="en-US" dirty="0" err="1" smtClean="0">
-                <a:sym typeface="Wingdings"/>
-              </a:rPr>
-              <a:t>z</a:t>
-            </a:r>
-            <a:r>
-              <a:rPr lang="en-US" baseline="-25000" dirty="0" err="1" smtClean="0">
-                <a:sym typeface="Wingdings"/>
-              </a:rPr>
-              <a:t>c</a:t>
-            </a:r>
-            <a:r>
-              <a:rPr lang="en-US" dirty="0" smtClean="0">
-                <a:sym typeface="Wingdings"/>
-              </a:rPr>
-              <a:t> / </a:t>
-            </a:r>
-            <a:r>
-              <a:rPr lang="en-US" dirty="0" err="1" smtClean="0">
-                <a:sym typeface="Wingdings"/>
-              </a:rPr>
-              <a:t>w</a:t>
-            </a:r>
-            <a:r>
-              <a:rPr lang="en-US" baseline="-25000" dirty="0" err="1" smtClean="0">
-                <a:sym typeface="Wingdings"/>
-              </a:rPr>
-              <a:t>c</a:t>
-            </a:r>
-            <a:r>
-              <a:rPr lang="en-US" dirty="0" smtClean="0">
-                <a:sym typeface="Wingdings"/>
-              </a:rPr>
-              <a:t>)</a:t>
-            </a:r>
-          </a:p>
-          <a:p>
-            <a:pPr marL="457200" indent="-457200">
-              <a:buNone/>
-            </a:pPr>
-            <a:endParaRPr lang="en-US" dirty="0" smtClean="0">
-              <a:sym typeface="Wingdings"/>
-            </a:endParaRPr>
-          </a:p>
-          <a:p>
-            <a:pPr marL="457200" indent="-457200">
-              <a:buNone/>
-            </a:pPr>
-            <a:r>
-              <a:rPr lang="en-US" dirty="0" smtClean="0">
-                <a:sym typeface="Wingdings"/>
-              </a:rPr>
-              <a:t>Put the vertex into screen space by scaling </a:t>
-            </a:r>
-            <a:r>
-              <a:rPr lang="en-US" dirty="0" err="1" smtClean="0">
-                <a:sym typeface="Wingdings"/>
-              </a:rPr>
-              <a:t>x</a:t>
-            </a:r>
-            <a:r>
-              <a:rPr lang="en-US" baseline="-25000" dirty="0" err="1" smtClean="0">
-                <a:sym typeface="Wingdings"/>
-              </a:rPr>
-              <a:t>c</a:t>
-            </a:r>
-            <a:r>
-              <a:rPr lang="en-US" dirty="0" smtClean="0">
-                <a:sym typeface="Wingdings"/>
-              </a:rPr>
-              <a:t> and </a:t>
-            </a:r>
-            <a:r>
-              <a:rPr lang="en-US" dirty="0" err="1" smtClean="0">
-                <a:sym typeface="Wingdings"/>
-              </a:rPr>
-              <a:t>y</a:t>
-            </a:r>
-            <a:r>
-              <a:rPr lang="en-US" baseline="-25000" dirty="0" err="1" smtClean="0">
-                <a:sym typeface="Wingdings"/>
-              </a:rPr>
-              <a:t>c</a:t>
-            </a:r>
-            <a:r>
-              <a:rPr lang="en-US" dirty="0" smtClean="0">
-                <a:sym typeface="Wingdings"/>
-              </a:rPr>
-              <a:t> by the width and height of the screen. </a:t>
-            </a:r>
-          </a:p>
-          <a:p>
-            <a:pPr marL="457200" indent="-457200">
-              <a:buNone/>
-            </a:pPr>
-            <a:r>
-              <a:rPr lang="en-US" dirty="0" smtClean="0"/>
-              <a:t>	</a:t>
-            </a:r>
-          </a:p>
-        </p:txBody>
-      </p:sp>
-    </p:spTree>
-  </p:cSld>
-  <p:clrMapOvr>
-    <a:masterClrMapping/>
-  </p:clrMapOvr>
-</p:sld>
-</file>
-
-<file path=ppt/slides/slide28.xml><?xml version="1.0" encoding="utf-8"?>
+<file path=ppt/slides/slide31.xml><?xml version="1.0" encoding="utf-8"?>
 <p:sld xmlns:a="http://schemas.openxmlformats.org/drawingml/2006/main" xmlns:r="http://schemas.openxmlformats.org/officeDocument/2006/relationships" xmlns:mc="http://schemas.openxmlformats.org/markup-compatibility/2006" xmlns:mv="urn:schemas-microsoft-com:mac:vml" xmlns:p="http://schemas.openxmlformats.org/presentationml/2006/main" mc:Ignorable="mv" mc:PreserveAttributes="mv:*">
   <p:cSld>
     <p:spTree>
@@ -8442,7 +9249,7 @@
 </p:sld>
 </file>
 
-<file path=ppt/slides/slide29.xml><?xml version="1.0" encoding="utf-8"?>
+<file path=ppt/slides/slide32.xml><?xml version="1.0" encoding="utf-8"?>
 <p:sld xmlns:a="http://schemas.openxmlformats.org/drawingml/2006/main" xmlns:r="http://schemas.openxmlformats.org/officeDocument/2006/relationships" xmlns:mc="http://schemas.openxmlformats.org/markup-compatibility/2006" xmlns:mv="urn:schemas-microsoft-com:mac:vml" xmlns:p="http://schemas.openxmlformats.org/presentationml/2006/main" mc:Ignorable="mv" mc:PreserveAttributes="mv:*">
   <p:cSld>
     <p:spTree>
@@ -8603,7 +9410,7 @@
 </p:sld>
 </file>
 
-<file path=ppt/slides/slide3.xml><?xml version="1.0" encoding="utf-8"?>
+<file path=ppt/slides/slide33.xml><?xml version="1.0" encoding="utf-8"?>
 <p:sld xmlns:a="http://schemas.openxmlformats.org/drawingml/2006/main" xmlns:r="http://schemas.openxmlformats.org/officeDocument/2006/relationships" xmlns:mc="http://schemas.openxmlformats.org/markup-compatibility/2006" xmlns:mv="urn:schemas-microsoft-com:mac:vml" xmlns:p="http://schemas.openxmlformats.org/presentationml/2006/main" mc:Ignorable="mv" mc:PreserveAttributes="mv:*">
   <p:cSld>
     <p:spTree>
@@ -8632,16 +9439,10 @@
         </p:nvSpPr>
         <p:spPr/>
         <p:txBody>
-          <a:bodyPr>
-            <a:normAutofit/>
-          </a:bodyPr>
+          <a:bodyPr/>
           <a:lstStyle/>
           <a:p>
-            <a:r>
-              <a:rPr lang="en-US" dirty="0" smtClean="0"/>
-              <a:t>OpenGL – Coordinate systems</a:t>
-            </a:r>
-            <a:endParaRPr lang="en-US" dirty="0"/>
+            <a:endParaRPr lang="en-US"/>
           </a:p>
         </p:txBody>
       </p:sp>
@@ -8657,9 +9458,7 @@
         </p:nvSpPr>
         <p:spPr/>
         <p:txBody>
-          <a:bodyPr>
-            <a:normAutofit fontScale="92500" lnSpcReduction="20000"/>
-          </a:bodyPr>
+          <a:bodyPr/>
           <a:lstStyle/>
           <a:p>
             <a:pPr>
@@ -8667,163 +9466,23 @@
             </a:pPr>
             <a:r>
               <a:rPr lang="en-US" dirty="0" smtClean="0"/>
-              <a:t>The Object or Local coordinate system is defined in terms of the Geometry itself. The origin is usually the center or the lower-left of the object.</a:t>
-            </a:r>
-          </a:p>
-          <a:p>
-            <a:pPr>
-              <a:buNone/>
-            </a:pPr>
-            <a:endParaRPr lang="en-US" dirty="0" smtClean="0"/>
-          </a:p>
-          <a:p>
-            <a:pPr>
-              <a:buNone/>
-            </a:pPr>
-            <a:r>
-              <a:rPr lang="en-US" dirty="0" smtClean="0"/>
-              <a:t>The Model or World coordinate system defines the </a:t>
+              <a:t>Inverse of a matrix – getting the model or view </a:t>
             </a:r>
             <a:r>
               <a:rPr lang="en-US" dirty="0" err="1" smtClean="0"/>
-              <a:t>x</a:t>
-            </a:r>
-            <a:r>
-              <a:rPr lang="en-US" dirty="0" smtClean="0"/>
-              <a:t>, </a:t>
+              <a:t>coords</a:t>
+            </a:r>
+            <a:r>
+              <a:rPr lang="en-US" dirty="0" smtClean="0"/>
+              <a:t> from the </a:t>
             </a:r>
             <a:r>
               <a:rPr lang="en-US" dirty="0" err="1" smtClean="0"/>
-              <a:t>y</a:t>
-            </a:r>
-            <a:r>
-              <a:rPr lang="en-US" dirty="0" smtClean="0"/>
-              <a:t>, and </a:t>
-            </a:r>
-            <a:r>
-              <a:rPr lang="en-US" dirty="0" err="1" smtClean="0"/>
-              <a:t>z</a:t>
-            </a:r>
-            <a:r>
-              <a:rPr lang="en-US" dirty="0" smtClean="0"/>
-              <a:t> axes which serve as a basis for the 3D space. Where is the origin? Which way is up?</a:t>
-            </a:r>
-          </a:p>
-          <a:p>
-            <a:pPr>
-              <a:buNone/>
-            </a:pPr>
-            <a:endParaRPr lang="en-US" dirty="0" smtClean="0"/>
-          </a:p>
-          <a:p>
-            <a:pPr>
-              <a:buNone/>
-            </a:pPr>
-            <a:r>
-              <a:rPr lang="en-US" dirty="0" smtClean="0"/>
-              <a:t>The Eye, Camera, or View coordinate system defines another set of </a:t>
-            </a:r>
-            <a:r>
-              <a:rPr lang="en-US" dirty="0" err="1" smtClean="0"/>
-              <a:t>x</a:t>
-            </a:r>
-            <a:r>
-              <a:rPr lang="en-US" dirty="0" smtClean="0"/>
-              <a:t>, </a:t>
-            </a:r>
-            <a:r>
-              <a:rPr lang="en-US" dirty="0" err="1" smtClean="0"/>
-              <a:t>y</a:t>
-            </a:r>
-            <a:r>
-              <a:rPr lang="en-US" dirty="0" smtClean="0"/>
-              <a:t>, and </a:t>
-            </a:r>
-            <a:r>
-              <a:rPr lang="en-US" dirty="0" err="1" smtClean="0"/>
-              <a:t>z</a:t>
-            </a:r>
-            <a:r>
-              <a:rPr lang="en-US" dirty="0" smtClean="0"/>
-              <a:t> axes which server as a different basis for the 3D space. The camera is always positioned at the origin of this coordinate system.</a:t>
-            </a:r>
-          </a:p>
-          <a:p>
-            <a:pPr>
-              <a:buNone/>
-            </a:pPr>
-            <a:endParaRPr lang="en-US" dirty="0" smtClean="0"/>
-          </a:p>
-          <a:p>
-            <a:pPr>
-              <a:buNone/>
-            </a:pPr>
-            <a:r>
-              <a:rPr lang="en-US" dirty="0" smtClean="0"/>
-              <a:t>The Clip coordinate system describes the bounded view of the visible by the camera in terms of both the “lens” of the camera, its “depth of focus”, and the aspect ratio of the screen bounds.</a:t>
-            </a:r>
-          </a:p>
-          <a:p>
-            <a:pPr>
-              <a:buNone/>
-            </a:pPr>
-            <a:endParaRPr lang="en-US" dirty="0" smtClean="0"/>
-          </a:p>
-          <a:p>
-            <a:pPr>
-              <a:buNone/>
-            </a:pPr>
-            <a:r>
-              <a:rPr lang="en-US" dirty="0" smtClean="0"/>
-              <a:t>The  Normalized Device coordinates is the same view normalized from -1 to +1 along each axis.</a:t>
-            </a:r>
-          </a:p>
-          <a:p>
-            <a:pPr>
-              <a:buNone/>
-            </a:pPr>
-            <a:endParaRPr lang="en-US" dirty="0" smtClean="0"/>
-          </a:p>
-          <a:p>
-            <a:pPr>
-              <a:buNone/>
-            </a:pPr>
-            <a:r>
-              <a:rPr lang="en-US" dirty="0" smtClean="0"/>
-              <a:t>The Window coordinates are these </a:t>
-            </a:r>
-            <a:r>
-              <a:rPr lang="en-US" dirty="0" err="1" smtClean="0"/>
-              <a:t>x</a:t>
-            </a:r>
-            <a:r>
-              <a:rPr lang="en-US" dirty="0" smtClean="0"/>
-              <a:t> and </a:t>
-            </a:r>
-            <a:r>
-              <a:rPr lang="en-US" dirty="0" err="1" smtClean="0"/>
-              <a:t>y</a:t>
-            </a:r>
-            <a:r>
-              <a:rPr lang="en-US" dirty="0" smtClean="0"/>
-              <a:t> coordinates positioned within the screen bounds. The </a:t>
-            </a:r>
-            <a:r>
-              <a:rPr lang="en-US" dirty="0" err="1" smtClean="0"/>
-              <a:t>z</a:t>
-            </a:r>
-            <a:r>
-              <a:rPr lang="en-US" dirty="0" smtClean="0"/>
-              <a:t> is used for depth-testing and is bound between 0 and 1. </a:t>
-            </a:r>
-          </a:p>
-          <a:p>
-            <a:pPr>
-              <a:buNone/>
-            </a:pPr>
-            <a:r>
-              <a:rPr lang="en-US" dirty="0" smtClean="0"/>
-              <a:t> </a:t>
+              <a:t>modelview</a:t>
+            </a:r>
+            <a:r>
+              <a:rPr lang="en-US" dirty="0" smtClean="0"/>
+              <a:t> matrix...</a:t>
             </a:r>
             <a:endParaRPr lang="en-US" dirty="0"/>
           </a:p>
@@ -8903,242 +9562,34 @@
             </a:pPr>
             <a:r>
               <a:rPr lang="en-US" dirty="0" smtClean="0"/>
-              <a:t>In general, we</a:t>
-            </a:r>
-            <a:r>
-              <a:rPr lang="en-US" dirty="0" smtClean="0"/>
-              <a:t> might intuitively </a:t>
-            </a:r>
-            <a:r>
-              <a:rPr lang="en-US" dirty="0" smtClean="0"/>
-              <a:t>think of defining 3D space with a “Left-handed” coordinate system, where the </a:t>
-            </a:r>
-            <a:r>
-              <a:rPr lang="en-US" dirty="0" smtClean="0"/>
-              <a:t>x</a:t>
-            </a:r>
-            <a:r>
-              <a:rPr lang="en-US" dirty="0" smtClean="0"/>
-              <a:t>-</a:t>
-            </a:r>
-            <a:r>
-              <a:rPr lang="en-US" dirty="0" smtClean="0"/>
-              <a:t>axis </a:t>
-            </a:r>
-            <a:r>
-              <a:rPr lang="en-US" dirty="0" smtClean="0"/>
-              <a:t>goes from left to right, the </a:t>
-            </a:r>
-            <a:r>
-              <a:rPr lang="en-US" dirty="0" smtClean="0"/>
-              <a:t>y</a:t>
-            </a:r>
-            <a:r>
-              <a:rPr lang="en-US" dirty="0" smtClean="0"/>
-              <a:t>-</a:t>
-            </a:r>
-            <a:r>
-              <a:rPr lang="en-US" dirty="0" smtClean="0"/>
-              <a:t>axis </a:t>
-            </a:r>
-            <a:r>
-              <a:rPr lang="en-US" dirty="0" smtClean="0"/>
-              <a:t>goes from bottom to top, and the </a:t>
-            </a:r>
-            <a:r>
-              <a:rPr lang="en-US" dirty="0" smtClean="0"/>
-              <a:t>z</a:t>
-            </a:r>
-            <a:r>
-              <a:rPr lang="en-US" dirty="0" smtClean="0"/>
-              <a:t>-</a:t>
-            </a:r>
-            <a:r>
-              <a:rPr lang="en-US" dirty="0" smtClean="0"/>
-              <a:t>axis </a:t>
-            </a:r>
-            <a:r>
-              <a:rPr lang="en-US" dirty="0" smtClean="0"/>
-              <a:t>goes from you into the distance.</a:t>
-            </a:r>
-            <a:r>
-              <a:rPr lang="en-US" dirty="0" smtClean="0"/>
-              <a:t> </a:t>
-            </a:r>
-          </a:p>
-          <a:p>
-            <a:pPr>
-              <a:buNone/>
-            </a:pPr>
-            <a:r>
-              <a:rPr lang="en-US" dirty="0" smtClean="0"/>
-              <a:t>In a “Right-handed” system, one of these axes would be reversed. For example, if we thought of the </a:t>
-            </a:r>
-            <a:r>
-              <a:rPr lang="en-US" dirty="0" smtClean="0"/>
-              <a:t>x</a:t>
-            </a:r>
-            <a:r>
-              <a:rPr lang="en-US" dirty="0" smtClean="0"/>
-              <a:t>-</a:t>
-            </a:r>
-            <a:r>
-              <a:rPr lang="en-US" dirty="0" smtClean="0"/>
-              <a:t>axis </a:t>
-            </a:r>
-            <a:r>
-              <a:rPr lang="en-US" dirty="0" smtClean="0"/>
-              <a:t>as going from left to right, the </a:t>
-            </a:r>
-            <a:r>
-              <a:rPr lang="en-US" dirty="0" smtClean="0"/>
-              <a:t>y</a:t>
-            </a:r>
-            <a:r>
-              <a:rPr lang="en-US" dirty="0" smtClean="0"/>
-              <a:t>-</a:t>
-            </a:r>
-            <a:r>
-              <a:rPr lang="en-US" dirty="0" smtClean="0"/>
-              <a:t>axis </a:t>
-            </a:r>
-            <a:r>
-              <a:rPr lang="en-US" dirty="0" smtClean="0"/>
-              <a:t>as going from</a:t>
-            </a:r>
-            <a:r>
-              <a:rPr lang="en-US" dirty="0" smtClean="0"/>
-              <a:t> </a:t>
-            </a:r>
-            <a:r>
-              <a:rPr lang="en-US" dirty="0" smtClean="0"/>
-              <a:t>down to up, and the z</a:t>
-            </a:r>
-            <a:r>
-              <a:rPr lang="en-US" dirty="0" smtClean="0"/>
-              <a:t>-</a:t>
-            </a:r>
-            <a:r>
-              <a:rPr lang="en-US" dirty="0" smtClean="0"/>
-              <a:t>axis going from the screen toward you.</a:t>
-            </a:r>
-            <a:r>
-              <a:rPr lang="en-US" dirty="0" smtClean="0"/>
-              <a:t> </a:t>
-            </a:r>
-            <a:r>
-              <a:rPr lang="en-US" dirty="0" smtClean="0"/>
-              <a:t>OpenGL uses a Right-hand </a:t>
-            </a:r>
-            <a:r>
-              <a:rPr lang="en-US" dirty="0" smtClean="0"/>
-              <a:t>system like this.</a:t>
-            </a:r>
-          </a:p>
-          <a:p>
-            <a:pPr>
-              <a:buNone/>
-            </a:pPr>
-            <a:r>
-              <a:rPr lang="en-US" dirty="0" smtClean="0"/>
-              <a:t>Why is it called Right-handed? Make an L with your thumb and your index finger. The thumb is the positive </a:t>
-            </a:r>
-            <a:r>
-              <a:rPr lang="en-US" dirty="0" smtClean="0"/>
-              <a:t>x</a:t>
-            </a:r>
-            <a:r>
-              <a:rPr lang="en-US" dirty="0" smtClean="0"/>
-              <a:t>-</a:t>
-            </a:r>
-            <a:r>
-              <a:rPr lang="en-US" dirty="0" smtClean="0"/>
-              <a:t>axis</a:t>
-            </a:r>
-            <a:r>
-              <a:rPr lang="en-US" dirty="0" smtClean="0"/>
-              <a:t>, the index finger is the positive </a:t>
-            </a:r>
-            <a:r>
-              <a:rPr lang="en-US" dirty="0" smtClean="0"/>
-              <a:t>y</a:t>
-            </a:r>
-            <a:r>
-              <a:rPr lang="en-US" dirty="0" smtClean="0"/>
-              <a:t>-</a:t>
-            </a:r>
-            <a:r>
-              <a:rPr lang="en-US" dirty="0" smtClean="0"/>
-              <a:t>axis</a:t>
-            </a:r>
-            <a:r>
-              <a:rPr lang="en-US" dirty="0" smtClean="0"/>
-              <a:t>. Make your middle finger orthogonal to the thumb and index finger. It represents the positive </a:t>
-            </a:r>
-            <a:r>
-              <a:rPr lang="en-US" dirty="0" smtClean="0"/>
-              <a:t>z</a:t>
-            </a:r>
-            <a:r>
-              <a:rPr lang="en-US" dirty="0" smtClean="0"/>
-              <a:t>-</a:t>
-            </a:r>
-            <a:r>
-              <a:rPr lang="en-US" dirty="0" smtClean="0"/>
-              <a:t>axis </a:t>
-            </a:r>
-            <a:r>
-              <a:rPr lang="en-US" dirty="0" smtClean="0"/>
-              <a:t>heading toward</a:t>
-            </a:r>
-            <a:r>
-              <a:rPr lang="en-US" dirty="0" smtClean="0"/>
-              <a:t> you</a:t>
-            </a:r>
-            <a:r>
-              <a:rPr lang="en-US" dirty="0" smtClean="0"/>
-              <a:t>.</a:t>
-            </a:r>
-            <a:r>
-              <a:rPr lang="en-US" dirty="0" smtClean="0"/>
-              <a:t> </a:t>
-            </a:r>
-          </a:p>
-          <a:p>
-            <a:pPr>
-              <a:buNone/>
-            </a:pPr>
-            <a:r>
-              <a:rPr lang="en-US" dirty="0" smtClean="0"/>
-              <a:t>If </a:t>
-            </a:r>
-            <a:r>
-              <a:rPr lang="en-US" dirty="0" smtClean="0"/>
-              <a:t>you situate your thumb and index finger in the same way with your left hand, the </a:t>
-            </a:r>
-            <a:r>
-              <a:rPr lang="en-US" dirty="0" smtClean="0"/>
-              <a:t>z</a:t>
-            </a:r>
-            <a:r>
-              <a:rPr lang="en-US" dirty="0" smtClean="0"/>
-              <a:t>-</a:t>
-            </a:r>
-            <a:r>
-              <a:rPr lang="en-US" dirty="0" smtClean="0"/>
-              <a:t>axis </a:t>
-            </a:r>
-            <a:r>
-              <a:rPr lang="en-US" dirty="0" smtClean="0"/>
-              <a:t>will be heading away you. There is no way to rotate a Left-hand system into a Right-hand system.  However you can move between one and the other simply by scaling one of the axes by -1</a:t>
-            </a:r>
-            <a:r>
-              <a:rPr lang="en-US" dirty="0" smtClean="0"/>
-              <a:t>. Processing uses a Left-hand system with the</a:t>
-            </a:r>
-            <a:r>
-              <a:rPr lang="en-US" dirty="0" smtClean="0"/>
-              <a:t> y-axis going from up to down. DirectX uses a Left-hand system with the z-axis heading away from you.</a:t>
+              <a:t>In general, we might intuitively think of defining 3D space with a “Left-handed” coordinate system, where the x-axis goes from left to right, the y-axis goes from bottom to top, and the z-axis goes from you into the distance. </a:t>
+            </a:r>
+          </a:p>
+          <a:p>
+            <a:pPr>
+              <a:buNone/>
+            </a:pPr>
+            <a:r>
+              <a:rPr lang="en-US" dirty="0" smtClean="0"/>
+              <a:t>In a “Right-handed” system, one of these axes would be reversed. For example, if we thought of the x-axis as going from left to right, the y-axis as going from down to up, and the z-axis going from the screen toward you. OpenGL uses a Right-hand system like this.</a:t>
+            </a:r>
+          </a:p>
+          <a:p>
+            <a:pPr>
+              <a:buNone/>
+            </a:pPr>
+            <a:r>
+              <a:rPr lang="en-US" dirty="0" smtClean="0"/>
+              <a:t>Why is it called Right-handed? Make an L with your thumb and your index finger. The thumb is the positive x-axis, the index finger is the positive y-axis. Make your middle finger orthogonal to the thumb and index finger. It represents the positive z-axis heading toward you. </a:t>
+            </a:r>
+          </a:p>
+          <a:p>
+            <a:pPr>
+              <a:buNone/>
+            </a:pPr>
+            <a:r>
+              <a:rPr lang="en-US" dirty="0" smtClean="0"/>
+              <a:t>If you situate your thumb and index finger in the same way with your left hand, the z-axis will be heading away you. There is no way to rotate a Left-hand system into a Right-hand system.  However you can move between one and the other simply by scaling one of the axes by -1. Processing uses a Left-hand system with the y-axis going from up to down. DirectX uses a Left-hand system with the z-axis heading away from you.</a:t>
             </a:r>
             <a:endParaRPr lang="en-US" dirty="0"/>
           </a:p>
@@ -9190,11 +9641,7 @@
             </a:r>
             <a:r>
               <a:rPr lang="en-US" dirty="0" smtClean="0"/>
-              <a:t> </a:t>
-            </a:r>
-            <a:r>
-              <a:rPr lang="en-US" dirty="0" smtClean="0"/>
-              <a:t>Matrix</a:t>
+              <a:t> Matrix</a:t>
             </a:r>
             <a:endParaRPr lang="en-US" dirty="0"/>
           </a:p>
@@ -9222,62 +9669,38 @@
             </a:pPr>
             <a:r>
               <a:rPr lang="en-US" dirty="0" smtClean="0"/>
-              <a:t>The</a:t>
-            </a:r>
-            <a:r>
-              <a:rPr lang="en-US" dirty="0" smtClean="0"/>
-              <a:t> </a:t>
+              <a:t>The </a:t>
             </a:r>
             <a:r>
               <a:rPr lang="en-US" dirty="0" err="1" smtClean="0"/>
-              <a:t>M</a:t>
+              <a:t>ModelView</a:t>
+            </a:r>
+            <a:r>
+              <a:rPr lang="en-US" dirty="0" smtClean="0"/>
+              <a:t> encodes the information about the world coordinates and the camera coordinates and orientation. It is used to transform a point from object coordinates into eye coordinates.</a:t>
+            </a:r>
+          </a:p>
+          <a:p>
+            <a:pPr>
+              <a:buNone/>
+            </a:pPr>
+            <a:endParaRPr lang="en-US" dirty="0" smtClean="0"/>
+          </a:p>
+          <a:p>
+            <a:pPr>
+              <a:buNone/>
+            </a:pPr>
+            <a:r>
+              <a:rPr lang="en-US" dirty="0" smtClean="0"/>
+              <a:t>The </a:t>
             </a:r>
             <a:r>
               <a:rPr lang="en-US" dirty="0" err="1" smtClean="0"/>
-              <a:t>odelView</a:t>
-            </a:r>
-            <a:r>
-              <a:rPr lang="en-US" dirty="0" smtClean="0"/>
-              <a:t> </a:t>
-            </a:r>
-            <a:r>
-              <a:rPr lang="en-US" dirty="0" smtClean="0"/>
-              <a:t>encodes the information about the world coordinates and the camera coordinates and orientation. It is used to transform a point from object coordinates into eye coordinates.</a:t>
-            </a:r>
-          </a:p>
-          <a:p>
-            <a:pPr>
-              <a:buNone/>
-            </a:pPr>
-            <a:endParaRPr lang="en-US" dirty="0" smtClean="0"/>
-          </a:p>
-          <a:p>
-            <a:pPr>
-              <a:buNone/>
-            </a:pPr>
-            <a:r>
-              <a:rPr lang="en-US" dirty="0" smtClean="0"/>
-              <a:t>The</a:t>
-            </a:r>
-            <a:r>
-              <a:rPr lang="en-US" dirty="0" smtClean="0"/>
-              <a:t> </a:t>
-            </a:r>
-            <a:r>
-              <a:rPr lang="en-US" dirty="0" err="1" smtClean="0"/>
-              <a:t>M</a:t>
-            </a:r>
-            <a:r>
-              <a:rPr lang="en-US" dirty="0" err="1" smtClean="0"/>
-              <a:t>odelView</a:t>
-            </a:r>
-            <a:r>
-              <a:rPr lang="en-US" dirty="0" smtClean="0"/>
-              <a:t> </a:t>
-            </a:r>
-            <a:r>
-              <a:rPr lang="en-US" dirty="0" smtClean="0"/>
-              <a:t>matrix is an “affine” transformation matrix. It is composed of a 3x3 matrix representing any linear transformation (or combination of linear transformations) along with a vector representing a translation:</a:t>
+              <a:t>ModelView</a:t>
+            </a:r>
+            <a:r>
+              <a:rPr lang="en-US" dirty="0" smtClean="0"/>
+              <a:t> matrix is an “affine” transformation matrix. It is composed of a 3x3 matrix representing any linear transformation (or combination of linear transformations) along with a vector representing a translation:</a:t>
             </a:r>
           </a:p>
           <a:p>
@@ -9327,15 +9750,7 @@
             </a:r>
             <a:r>
               <a:rPr lang="en-US" dirty="0" smtClean="0"/>
-              <a:t> is a 3x3</a:t>
-            </a:r>
-            <a:r>
-              <a:rPr lang="en-US" dirty="0" smtClean="0"/>
-              <a:t> matrix </a:t>
-            </a:r>
-            <a:r>
-              <a:rPr lang="en-US" dirty="0" smtClean="0"/>
-              <a:t>representing a linear transformation and the </a:t>
+              <a:t> is a 3x3 matrix representing a linear transformation and the </a:t>
             </a:r>
             <a:r>
               <a:rPr lang="en-US" b="1" dirty="0" err="1" smtClean="0"/>
@@ -9550,19 +9965,14 @@
               <a:rPr lang="en-US" dirty="0" smtClean="0"/>
               <a:t>.</a:t>
             </a:r>
-            <a:endParaRPr lang="en-US" dirty="0" smtClean="0"/>
-          </a:p>
-          <a:p>
-            <a:pPr>
-              <a:buNone/>
-            </a:pPr>
-            <a:r>
-              <a:rPr lang="en-US" dirty="0" smtClean="0"/>
-              <a:t>                                             </a:t>
-            </a:r>
-            <a:r>
-              <a:rPr lang="en-US" dirty="0" smtClean="0"/>
-              <a:t> </a:t>
+          </a:p>
+          <a:p>
+            <a:pPr>
+              <a:buNone/>
+            </a:pPr>
+            <a:r>
+              <a:rPr lang="en-US" dirty="0" smtClean="0"/>
+              <a:t>                                              </a:t>
             </a:r>
           </a:p>
           <a:p>
@@ -9580,11 +9990,7 @@
             </a:pPr>
             <a:r>
               <a:rPr lang="en-US" dirty="0" smtClean="0"/>
-              <a:t>							for </a:t>
-            </a:r>
-            <a:r>
-              <a:rPr lang="en-US" dirty="0" smtClean="0"/>
-              <a:t>each pair </a:t>
+              <a:t>							for each pair </a:t>
             </a:r>
             <a:r>
               <a:rPr lang="en-US" dirty="0" err="1" smtClean="0"/>
@@ -9644,11 +10050,7 @@
             </a:pPr>
             <a:r>
               <a:rPr lang="en-US" dirty="0" smtClean="0"/>
-              <a:t>For </a:t>
-            </a:r>
-            <a:r>
-              <a:rPr lang="en-US" dirty="0" smtClean="0"/>
-              <a:t>example:</a:t>
+              <a:t>For example:</a:t>
             </a:r>
           </a:p>
           <a:p>
@@ -10075,11 +10477,7 @@
             </a:pPr>
             <a:r>
               <a:rPr lang="en-US" dirty="0" smtClean="0"/>
-              <a:t> if   				   and we have the vectors</a:t>
-            </a:r>
-            <a:r>
-              <a:rPr lang="en-US" dirty="0" smtClean="0"/>
-              <a:t> </a:t>
+              <a:t> if   				   and we have the vectors </a:t>
             </a:r>
             <a:r>
               <a:rPr lang="en-US" b="1" dirty="0" err="1" smtClean="0"/>
@@ -10091,15 +10489,7 @@
             </a:r>
             <a:r>
               <a:rPr lang="en-US" dirty="0" smtClean="0"/>
-              <a:t>= (</a:t>
-            </a:r>
-            <a:r>
-              <a:rPr lang="en-US" dirty="0" smtClean="0"/>
-              <a:t>2, 3) and</a:t>
-            </a:r>
-            <a:r>
-              <a:rPr lang="en-US" dirty="0" smtClean="0"/>
-              <a:t> </a:t>
+              <a:t>= (2, 3) and </a:t>
             </a:r>
             <a:r>
               <a:rPr lang="en-US" b="1" dirty="0" err="1" smtClean="0"/>
@@ -10111,11 +10501,7 @@
             </a:r>
             <a:r>
               <a:rPr lang="en-US" dirty="0" smtClean="0"/>
-              <a:t>= (</a:t>
-            </a:r>
-            <a:r>
-              <a:rPr lang="en-US" dirty="0" smtClean="0"/>
-              <a:t>6, 5)…</a:t>
+              <a:t>= (6, 5)…</a:t>
             </a:r>
           </a:p>
           <a:p>
@@ -10130,11 +10516,7 @@
             </a:pPr>
             <a:r>
               <a:rPr lang="en-US" dirty="0" smtClean="0"/>
-              <a:t>Then adding them </a:t>
-            </a:r>
-            <a:r>
-              <a:rPr lang="en-US" dirty="0" smtClean="0"/>
-              <a:t>together, </a:t>
+              <a:t>Then adding them together, </a:t>
             </a:r>
             <a:r>
               <a:rPr lang="en-US" b="1" dirty="0" err="1" smtClean="0"/>
@@ -10150,11 +10532,7 @@
             </a:r>
             <a:r>
               <a:rPr lang="en-US" dirty="0" smtClean="0"/>
-              <a:t> = (</a:t>
-            </a:r>
-            <a:r>
-              <a:rPr lang="en-US" dirty="0" smtClean="0"/>
-              <a:t>8, 8) </a:t>
+              <a:t> = (8, 8) </a:t>
             </a:r>
           </a:p>
           <a:p>
@@ -10187,11 +10565,7 @@
             </a:r>
             <a:r>
               <a:rPr lang="en-US" dirty="0" smtClean="0"/>
-              <a:t>) </a:t>
-            </a:r>
-            <a:r>
-              <a:rPr lang="en-US" dirty="0" smtClean="0"/>
-              <a:t>= (8, -8)</a:t>
+              <a:t>) = (8, -8)</a:t>
             </a:r>
           </a:p>
           <a:p>
@@ -10214,11 +10588,7 @@
             </a:r>
             <a:r>
               <a:rPr lang="en-US" dirty="0" smtClean="0"/>
-              <a:t> </a:t>
-            </a:r>
-            <a:r>
-              <a:rPr lang="en-US" dirty="0" smtClean="0"/>
-              <a:t>: </a:t>
+              <a:t> : </a:t>
             </a:r>
           </a:p>
           <a:p>
@@ -10231,19 +10601,7 @@
             </a:r>
             <a:r>
               <a:rPr lang="en-US" dirty="0" smtClean="0"/>
-              <a:t> = </a:t>
-            </a:r>
-            <a:r>
-              <a:rPr lang="en-US" dirty="0" smtClean="0"/>
-              <a:t>(</a:t>
-            </a:r>
-            <a:r>
-              <a:rPr lang="en-US" dirty="0" smtClean="0"/>
-              <a:t>2, -3) and</a:t>
-            </a:r>
-            <a:r>
-              <a:rPr lang="en-US" dirty="0" smtClean="0"/>
-              <a:t> </a:t>
+              <a:t> = (2, -3) and </a:t>
             </a:r>
             <a:r>
               <a:rPr lang="en-US" b="1" dirty="0" smtClean="0"/>
@@ -10251,28 +10609,16 @@
             </a:r>
             <a:r>
               <a:rPr lang="en-US" dirty="0" smtClean="0"/>
-              <a:t> = (</a:t>
-            </a:r>
-            <a:r>
-              <a:rPr lang="en-US" dirty="0" smtClean="0"/>
-              <a:t>6, -5)</a:t>
-            </a:r>
-          </a:p>
-          <a:p>
-            <a:pPr>
-              <a:buNone/>
-            </a:pPr>
-            <a:r>
-              <a:rPr lang="en-US" dirty="0" smtClean="0"/>
-              <a:t>And then </a:t>
-            </a:r>
-            <a:r>
-              <a:rPr lang="en-US" dirty="0" smtClean="0"/>
-              <a:t>adding</a:t>
-            </a:r>
-            <a:r>
-              <a:rPr lang="en-US" dirty="0" smtClean="0"/>
-              <a:t> </a:t>
+              <a:t> = (6, -5)</a:t>
+            </a:r>
+          </a:p>
+          <a:p>
+            <a:pPr>
+              <a:buNone/>
+            </a:pPr>
+            <a:r>
+              <a:rPr lang="en-US" dirty="0" smtClean="0"/>
+              <a:t>And then adding </a:t>
             </a:r>
             <a:r>
               <a:rPr lang="en-US" b="1" dirty="0" smtClean="0"/>
@@ -10288,11 +10634,7 @@
             </a:r>
             <a:r>
               <a:rPr lang="en-US" dirty="0" smtClean="0"/>
-              <a:t> together = </a:t>
-            </a:r>
-            <a:r>
-              <a:rPr lang="en-US" dirty="0" smtClean="0"/>
-              <a:t>(8, -8).</a:t>
+              <a:t> together = (8, -8).</a:t>
             </a:r>
           </a:p>
           <a:p>
@@ -10421,11 +10763,7 @@
             </a:pPr>
             <a:r>
               <a:rPr lang="en-US" dirty="0" smtClean="0"/>
-              <a:t>Each row of the upper left 3x3</a:t>
-            </a:r>
-            <a:r>
-              <a:rPr lang="en-US" dirty="0" smtClean="0"/>
-              <a:t> matrix </a:t>
+              <a:t>Each row of the upper left 3x3 matrix </a:t>
             </a:r>
             <a:r>
               <a:rPr lang="en-US" b="1" dirty="0" smtClean="0"/>
@@ -10433,11 +10771,7 @@
             </a:r>
             <a:r>
               <a:rPr lang="en-US" dirty="0" smtClean="0"/>
-              <a:t> corresponds </a:t>
-            </a:r>
-            <a:r>
-              <a:rPr lang="en-US" dirty="0" smtClean="0"/>
-              <a:t>to an axis:</a:t>
+              <a:t> corresponds to an axis:</a:t>
             </a:r>
           </a:p>
           <a:p>
@@ -10457,6 +10791,20 @@
               <a:rPr lang="en-US" dirty="0" smtClean="0"/>
               <a:t>	(y1 y2 y3) </a:t>
             </a:r>
+          </a:p>
+          <a:p>
+            <a:pPr>
+              <a:buNone/>
+            </a:pPr>
+            <a:r>
+              <a:rPr lang="en-US" dirty="0" smtClean="0"/>
+              <a:t>	(z1 z2 z3)</a:t>
+            </a:r>
+          </a:p>
+          <a:p>
+            <a:pPr>
+              <a:buNone/>
+            </a:pPr>
             <a:endParaRPr lang="en-US" dirty="0" smtClean="0"/>
           </a:p>
           <a:p>
@@ -10465,38 +10813,7 @@
             </a:pPr>
             <a:r>
               <a:rPr lang="en-US" dirty="0" smtClean="0"/>
-              <a:t>	(z1 z2 z3)</a:t>
-            </a:r>
-          </a:p>
-          <a:p>
-            <a:pPr>
-              <a:buNone/>
-            </a:pPr>
-            <a:endParaRPr lang="en-US" dirty="0" smtClean="0"/>
-          </a:p>
-          <a:p>
-            <a:pPr>
-              <a:buNone/>
-            </a:pPr>
-            <a:r>
-              <a:rPr lang="en-US" dirty="0" smtClean="0"/>
-              <a:t>The simplest</a:t>
-            </a:r>
-            <a:r>
-              <a:rPr lang="en-US" dirty="0" smtClean="0"/>
-              <a:t> </a:t>
-            </a:r>
-            <a:r>
-              <a:rPr lang="en-US" dirty="0" smtClean="0"/>
-              <a:t>matrix</a:t>
-            </a:r>
-            <a:r>
-              <a:rPr lang="en-US" dirty="0" smtClean="0"/>
-              <a:t> </a:t>
-            </a:r>
-            <a:r>
-              <a:rPr lang="en-US" dirty="0" smtClean="0"/>
-              <a:t>is the “standard basis”, which looks like the normal Cartesian graph.</a:t>
+              <a:t>The simplest matrix is the “standard basis”, which looks like the normal Cartesian graph.</a:t>
             </a:r>
           </a:p>
           <a:p>
@@ -10513,15 +10830,7 @@
             </a:r>
             <a:r>
               <a:rPr lang="en-US" dirty="0" smtClean="0"/>
-              <a:t> =</a:t>
-            </a:r>
-            <a:r>
-              <a:rPr lang="en-US" dirty="0" smtClean="0"/>
-              <a:t> 	(1  0  </a:t>
-            </a:r>
-            <a:r>
-              <a:rPr lang="en-US" dirty="0" smtClean="0"/>
-              <a:t>0)</a:t>
+              <a:t> = 	(1  0  0)</a:t>
             </a:r>
           </a:p>
           <a:p>
@@ -10538,15 +10847,7 @@
             </a:r>
             <a:r>
               <a:rPr lang="en-US" dirty="0" smtClean="0"/>
-              <a:t> =</a:t>
-            </a:r>
-            <a:r>
-              <a:rPr lang="en-US" dirty="0" smtClean="0"/>
-              <a:t> 	(0  1  </a:t>
-            </a:r>
-            <a:r>
-              <a:rPr lang="en-US" dirty="0" smtClean="0"/>
-              <a:t>0)</a:t>
+              <a:t> = 	(0  1  0)</a:t>
             </a:r>
           </a:p>
           <a:p>
@@ -10563,23 +10864,7 @@
             </a:r>
             <a:r>
               <a:rPr lang="en-US" dirty="0" smtClean="0"/>
-              <a:t> =</a:t>
-            </a:r>
-            <a:r>
-              <a:rPr lang="en-US" dirty="0" smtClean="0"/>
-              <a:t> 	(0</a:t>
-            </a:r>
-            <a:r>
-              <a:rPr lang="en-US" dirty="0" smtClean="0"/>
-              <a:t> </a:t>
-            </a:r>
-            <a:r>
-              <a:rPr lang="en-US" dirty="0" smtClean="0"/>
-              <a:t> 0  </a:t>
-            </a:r>
-            <a:r>
-              <a:rPr lang="en-US" dirty="0" smtClean="0"/>
-              <a:t>1)</a:t>
+              <a:t> = 	(0  0  1)</a:t>
             </a:r>
           </a:p>
           <a:p>
@@ -10594,13 +10879,8 @@
             </a:pPr>
             <a:r>
               <a:rPr lang="en-US" dirty="0" smtClean="0"/>
-              <a:t>Any point in 3D can be represented as linear combination of these three </a:t>
-            </a:r>
-            <a:r>
-              <a:rPr lang="en-US" dirty="0" smtClean="0"/>
-              <a:t>axes (or any other linearly independent axes):</a:t>
-            </a:r>
-            <a:endParaRPr lang="en-US" dirty="0" smtClean="0"/>
+              <a:t>Any point in 3D can be represented as linear combination of these three axes (or any other linearly independent axes):</a:t>
+            </a:r>
           </a:p>
           <a:p>
             <a:pPr>
@@ -10616,31 +10896,7 @@
             </a:r>
             <a:r>
               <a:rPr lang="en-US" dirty="0" smtClean="0"/>
-              <a:t> = (</a:t>
-            </a:r>
-            <a:r>
-              <a:rPr lang="en-US" dirty="0" smtClean="0"/>
-              <a:t>v1</a:t>
-            </a:r>
-            <a:r>
-              <a:rPr lang="en-US" dirty="0" smtClean="0"/>
-              <a:t> ;</a:t>
-            </a:r>
-            <a:r>
-              <a:rPr lang="en-US" dirty="0" smtClean="0"/>
-              <a:t> v2</a:t>
-            </a:r>
-            <a:r>
-              <a:rPr lang="en-US" dirty="0" smtClean="0"/>
-              <a:t> ; </a:t>
-            </a:r>
-            <a:r>
-              <a:rPr lang="en-US" dirty="0" smtClean="0"/>
-              <a:t>v3</a:t>
-            </a:r>
-            <a:r>
-              <a:rPr lang="en-US" dirty="0" smtClean="0"/>
-              <a:t>) = (v1 * </a:t>
+              <a:t> = (v1 ; v2 ; v3) = (v1 * </a:t>
             </a:r>
             <a:r>
               <a:rPr lang="en-US" b="1" dirty="0" err="1" smtClean="0"/>
@@ -10648,15 +10904,7 @@
             </a:r>
             <a:r>
               <a:rPr lang="en-US" dirty="0" smtClean="0"/>
-              <a:t> ;</a:t>
-            </a:r>
-            <a:r>
-              <a:rPr lang="en-US" dirty="0" smtClean="0"/>
-              <a:t> </a:t>
-            </a:r>
-            <a:r>
-              <a:rPr lang="en-US" dirty="0" smtClean="0"/>
-              <a:t>v2 * </a:t>
+              <a:t> ; v2 * </a:t>
             </a:r>
             <a:r>
               <a:rPr lang="en-US" b="1" dirty="0" err="1" smtClean="0"/>
@@ -10664,15 +10912,7 @@
             </a:r>
             <a:r>
               <a:rPr lang="en-US" dirty="0" smtClean="0"/>
-              <a:t> ;</a:t>
-            </a:r>
-            <a:r>
-              <a:rPr lang="en-US" dirty="0" smtClean="0"/>
-              <a:t> </a:t>
-            </a:r>
-            <a:r>
-              <a:rPr lang="en-US" dirty="0" smtClean="0"/>
-              <a:t>v3 * </a:t>
+              <a:t> ; v3 * </a:t>
             </a:r>
             <a:r>
               <a:rPr lang="en-US" b="1" dirty="0" err="1" smtClean="0"/>
